--- a/Day2/Day2_DataFrames.pptx
+++ b/Day2/Day2_DataFrames.pptx
@@ -5,10 +5,10 @@
     <p:sldMasterId id="2147483684" r:id="rId5"/>
   </p:sldMasterIdLst>
   <p:notesMasterIdLst>
-    <p:notesMasterId r:id="rId25"/>
+    <p:notesMasterId r:id="rId26"/>
   </p:notesMasterIdLst>
   <p:handoutMasterIdLst>
-    <p:handoutMasterId r:id="rId26"/>
+    <p:handoutMasterId r:id="rId27"/>
   </p:handoutMasterIdLst>
   <p:sldIdLst>
     <p:sldId id="257" r:id="rId6"/>
@@ -17,19 +17,20 @@
     <p:sldId id="316" r:id="rId9"/>
     <p:sldId id="381" r:id="rId10"/>
     <p:sldId id="382" r:id="rId11"/>
-    <p:sldId id="383" r:id="rId12"/>
-    <p:sldId id="384" r:id="rId13"/>
-    <p:sldId id="385" r:id="rId14"/>
-    <p:sldId id="386" r:id="rId15"/>
-    <p:sldId id="390" r:id="rId16"/>
-    <p:sldId id="391" r:id="rId17"/>
-    <p:sldId id="387" r:id="rId18"/>
-    <p:sldId id="392" r:id="rId19"/>
-    <p:sldId id="388" r:id="rId20"/>
-    <p:sldId id="389" r:id="rId21"/>
-    <p:sldId id="393" r:id="rId22"/>
-    <p:sldId id="394" r:id="rId23"/>
-    <p:sldId id="395" r:id="rId24"/>
+    <p:sldId id="396" r:id="rId12"/>
+    <p:sldId id="397" r:id="rId13"/>
+    <p:sldId id="392" r:id="rId14"/>
+    <p:sldId id="388" r:id="rId15"/>
+    <p:sldId id="389" r:id="rId16"/>
+    <p:sldId id="384" r:id="rId17"/>
+    <p:sldId id="390" r:id="rId18"/>
+    <p:sldId id="385" r:id="rId19"/>
+    <p:sldId id="386" r:id="rId20"/>
+    <p:sldId id="391" r:id="rId21"/>
+    <p:sldId id="387" r:id="rId22"/>
+    <p:sldId id="393" r:id="rId23"/>
+    <p:sldId id="394" r:id="rId24"/>
+    <p:sldId id="395" r:id="rId25"/>
   </p:sldIdLst>
   <p:sldSz cx="9144000" cy="6858000" type="screen4x3"/>
   <p:notesSz cx="7053263" cy="9356725"/>
@@ -1279,7 +1280,7 @@
     </p:spTree>
     <p:extLst>
       <p:ext uri="{BB962C8B-B14F-4D97-AF65-F5344CB8AC3E}">
-        <p14:creationId xmlns:p14="http://schemas.microsoft.com/office/powerpoint/2010/main" val="3851302923"/>
+        <p14:creationId xmlns:p14="http://schemas.microsoft.com/office/powerpoint/2010/main" val="2295050529"/>
       </p:ext>
     </p:extLst>
   </p:cSld>
@@ -1345,7 +1346,7 @@
     </p:spTree>
     <p:extLst>
       <p:ext uri="{BB962C8B-B14F-4D97-AF65-F5344CB8AC3E}">
-        <p14:creationId xmlns:p14="http://schemas.microsoft.com/office/powerpoint/2010/main" val="853640975"/>
+        <p14:creationId xmlns:p14="http://schemas.microsoft.com/office/powerpoint/2010/main" val="3995392634"/>
       </p:ext>
     </p:extLst>
   </p:cSld>
@@ -1411,7 +1412,7 @@
     </p:spTree>
     <p:extLst>
       <p:ext uri="{BB962C8B-B14F-4D97-AF65-F5344CB8AC3E}">
-        <p14:creationId xmlns:p14="http://schemas.microsoft.com/office/powerpoint/2010/main" val="4218588521"/>
+        <p14:creationId xmlns:p14="http://schemas.microsoft.com/office/powerpoint/2010/main" val="3583561648"/>
       </p:ext>
     </p:extLst>
   </p:cSld>
@@ -1477,7 +1478,7 @@
     </p:spTree>
     <p:extLst>
       <p:ext uri="{BB962C8B-B14F-4D97-AF65-F5344CB8AC3E}">
-        <p14:creationId xmlns:p14="http://schemas.microsoft.com/office/powerpoint/2010/main" val="794429953"/>
+        <p14:creationId xmlns:p14="http://schemas.microsoft.com/office/powerpoint/2010/main" val="853640975"/>
       </p:ext>
     </p:extLst>
   </p:cSld>
@@ -1543,7 +1544,7 @@
     </p:spTree>
     <p:extLst>
       <p:ext uri="{BB962C8B-B14F-4D97-AF65-F5344CB8AC3E}">
-        <p14:creationId xmlns:p14="http://schemas.microsoft.com/office/powerpoint/2010/main" val="1236487229"/>
+        <p14:creationId xmlns:p14="http://schemas.microsoft.com/office/powerpoint/2010/main" val="2710523423"/>
       </p:ext>
     </p:extLst>
   </p:cSld>
@@ -1609,7 +1610,7 @@
     </p:spTree>
     <p:extLst>
       <p:ext uri="{BB962C8B-B14F-4D97-AF65-F5344CB8AC3E}">
-        <p14:creationId xmlns:p14="http://schemas.microsoft.com/office/powerpoint/2010/main" val="2295050529"/>
+        <p14:creationId xmlns:p14="http://schemas.microsoft.com/office/powerpoint/2010/main" val="3851302923"/>
       </p:ext>
     </p:extLst>
   </p:cSld>
@@ -1675,7 +1676,7 @@
     </p:spTree>
     <p:extLst>
       <p:ext uri="{BB962C8B-B14F-4D97-AF65-F5344CB8AC3E}">
-        <p14:creationId xmlns:p14="http://schemas.microsoft.com/office/powerpoint/2010/main" val="3995392634"/>
+        <p14:creationId xmlns:p14="http://schemas.microsoft.com/office/powerpoint/2010/main" val="4218588521"/>
       </p:ext>
     </p:extLst>
   </p:cSld>
@@ -1741,7 +1742,7 @@
     </p:spTree>
     <p:extLst>
       <p:ext uri="{BB962C8B-B14F-4D97-AF65-F5344CB8AC3E}">
-        <p14:creationId xmlns:p14="http://schemas.microsoft.com/office/powerpoint/2010/main" val="2948521499"/>
+        <p14:creationId xmlns:p14="http://schemas.microsoft.com/office/powerpoint/2010/main" val="794429953"/>
       </p:ext>
     </p:extLst>
   </p:cSld>
@@ -1807,7 +1808,7 @@
     </p:spTree>
     <p:extLst>
       <p:ext uri="{BB962C8B-B14F-4D97-AF65-F5344CB8AC3E}">
-        <p14:creationId xmlns:p14="http://schemas.microsoft.com/office/powerpoint/2010/main" val="1884008156"/>
+        <p14:creationId xmlns:p14="http://schemas.microsoft.com/office/powerpoint/2010/main" val="2948521499"/>
       </p:ext>
     </p:extLst>
   </p:cSld>
@@ -1836,7 +1837,7 @@
       </p:grpSpPr>
       <p:sp>
         <p:nvSpPr>
-          <p:cNvPr id="7" name="Slide Image Placeholder 6"/>
+          <p:cNvPr id="2" name="Slide Image Placeholder 1"/>
           <p:cNvSpPr>
             <a:spLocks noGrp="1" noRot="1" noChangeAspect="1"/>
           </p:cNvSpPr>
@@ -1853,7 +1854,7 @@
       </p:sp>
       <p:sp>
         <p:nvSpPr>
-          <p:cNvPr id="8" name="Notes Placeholder 7"/>
+          <p:cNvPr id="3" name="Notes Placeholder 2"/>
           <p:cNvSpPr>
             <a:spLocks noGrp="1"/>
           </p:cNvSpPr>
@@ -1873,7 +1874,7 @@
     </p:spTree>
     <p:extLst>
       <p:ext uri="{BB962C8B-B14F-4D97-AF65-F5344CB8AC3E}">
-        <p14:creationId xmlns:p14="http://schemas.microsoft.com/office/powerpoint/2010/main" val="2599506137"/>
+        <p14:creationId xmlns:p14="http://schemas.microsoft.com/office/powerpoint/2010/main" val="1884008156"/>
       </p:ext>
     </p:extLst>
   </p:cSld>
@@ -1940,6 +1941,72 @@
     <p:extLst>
       <p:ext uri="{BB962C8B-B14F-4D97-AF65-F5344CB8AC3E}">
         <p14:creationId xmlns:p14="http://schemas.microsoft.com/office/powerpoint/2010/main" val="367320650"/>
+      </p:ext>
+    </p:extLst>
+  </p:cSld>
+  <p:clrMapOvr>
+    <a:masterClrMapping/>
+  </p:clrMapOvr>
+</p:notes>
+</file>
+
+<file path=ppt/notesSlides/notesSlide20.xml><?xml version="1.0" encoding="utf-8"?>
+<p:notes xmlns:a="http://schemas.openxmlformats.org/drawingml/2006/main" xmlns:r="http://schemas.openxmlformats.org/officeDocument/2006/relationships" xmlns:p="http://schemas.openxmlformats.org/presentationml/2006/main">
+  <p:cSld>
+    <p:spTree>
+      <p:nvGrpSpPr>
+        <p:cNvPr id="1" name=""/>
+        <p:cNvGrpSpPr/>
+        <p:nvPr/>
+      </p:nvGrpSpPr>
+      <p:grpSpPr>
+        <a:xfrm>
+          <a:off x="0" y="0"/>
+          <a:ext cx="0" cy="0"/>
+          <a:chOff x="0" y="0"/>
+          <a:chExt cx="0" cy="0"/>
+        </a:xfrm>
+      </p:grpSpPr>
+      <p:sp>
+        <p:nvSpPr>
+          <p:cNvPr id="7" name="Slide Image Placeholder 6"/>
+          <p:cNvSpPr>
+            <a:spLocks noGrp="1" noRot="1" noChangeAspect="1"/>
+          </p:cNvSpPr>
+          <p:nvPr>
+            <p:ph type="sldImg"/>
+          </p:nvPr>
+        </p:nvSpPr>
+        <p:spPr>
+          <a:xfrm>
+            <a:off x="1189038" y="701675"/>
+            <a:ext cx="4676775" cy="3508375"/>
+          </a:xfrm>
+        </p:spPr>
+      </p:sp>
+      <p:sp>
+        <p:nvSpPr>
+          <p:cNvPr id="8" name="Notes Placeholder 7"/>
+          <p:cNvSpPr>
+            <a:spLocks noGrp="1"/>
+          </p:cNvSpPr>
+          <p:nvPr>
+            <p:ph type="body" idx="1"/>
+          </p:nvPr>
+        </p:nvSpPr>
+        <p:spPr/>
+        <p:txBody>
+          <a:bodyPr/>
+          <a:lstStyle/>
+          <a:p>
+            <a:endParaRPr lang="en-US" dirty="0"/>
+          </a:p>
+        </p:txBody>
+      </p:sp>
+    </p:spTree>
+    <p:extLst>
+      <p:ext uri="{BB962C8B-B14F-4D97-AF65-F5344CB8AC3E}">
+        <p14:creationId xmlns:p14="http://schemas.microsoft.com/office/powerpoint/2010/main" val="2599506137"/>
       </p:ext>
     </p:extLst>
   </p:cSld>
@@ -2269,7 +2336,7 @@
     </p:spTree>
     <p:extLst>
       <p:ext uri="{BB962C8B-B14F-4D97-AF65-F5344CB8AC3E}">
-        <p14:creationId xmlns:p14="http://schemas.microsoft.com/office/powerpoint/2010/main" val="352781628"/>
+        <p14:creationId xmlns:p14="http://schemas.microsoft.com/office/powerpoint/2010/main" val="4253751458"/>
       </p:ext>
     </p:extLst>
   </p:cSld>
@@ -2335,7 +2402,7 @@
     </p:spTree>
     <p:extLst>
       <p:ext uri="{BB962C8B-B14F-4D97-AF65-F5344CB8AC3E}">
-        <p14:creationId xmlns:p14="http://schemas.microsoft.com/office/powerpoint/2010/main" val="3583561648"/>
+        <p14:creationId xmlns:p14="http://schemas.microsoft.com/office/powerpoint/2010/main" val="752485292"/>
       </p:ext>
     </p:extLst>
   </p:cSld>
@@ -2401,7 +2468,7 @@
     </p:spTree>
     <p:extLst>
       <p:ext uri="{BB962C8B-B14F-4D97-AF65-F5344CB8AC3E}">
-        <p14:creationId xmlns:p14="http://schemas.microsoft.com/office/powerpoint/2010/main" val="2710523423"/>
+        <p14:creationId xmlns:p14="http://schemas.microsoft.com/office/powerpoint/2010/main" val="1236487229"/>
       </p:ext>
     </p:extLst>
   </p:cSld>
@@ -7556,49 +7623,71 @@
           <a:p>
             <a:r>
               <a:rPr lang="en-US" dirty="0"/>
-              <a:t>DataFrames can be filtered like a SQL table using either the </a:t>
-            </a:r>
-            <a:r>
-              <a:rPr lang="en-US" dirty="0">
-                <a:latin typeface="Courier New" panose="02070309020205020404" pitchFamily="49" charset="0"/>
-                <a:cs typeface="Courier New" panose="02070309020205020404" pitchFamily="49" charset="0"/>
-              </a:rPr>
-              <a:t>filter</a:t>
-            </a:r>
+              <a:t>There are many different syntaxes that you will see but they all do the same thing</a:t>
+            </a:r>
+          </a:p>
+          <a:p>
             <a:r>
               <a:rPr lang="en-US" dirty="0"/>
-              <a:t> or </a:t>
-            </a:r>
-            <a:r>
-              <a:rPr lang="en-US" dirty="0">
-                <a:latin typeface="Courier New" panose="02070309020205020404" pitchFamily="49" charset="0"/>
-                <a:cs typeface="Courier New" panose="02070309020205020404" pitchFamily="49" charset="0"/>
-              </a:rPr>
-              <a:t>where</a:t>
+              <a:t>The </a:t>
+            </a:r>
+            <a:r>
+              <a:rPr lang="en-US" dirty="0">
+                <a:latin typeface="Courier New" panose="02070309020205020404" pitchFamily="49" charset="0"/>
+                <a:cs typeface="Courier New" panose="02070309020205020404" pitchFamily="49" charset="0"/>
+              </a:rPr>
+              <a:t>sep</a:t>
             </a:r>
             <a:r>
               <a:rPr lang="en-US" dirty="0"/>
-              <a:t> method</a:t>
-            </a:r>
-          </a:p>
-          <a:p>
-            <a:pPr lvl="1"/>
+              <a:t> parameter can also be used to indicate different separators like </a:t>
+            </a:r>
+            <a:r>
+              <a:rPr lang="en-US" dirty="0">
+                <a:latin typeface="Courier New" panose="02070309020205020404" pitchFamily="49" charset="0"/>
+                <a:cs typeface="Courier New" panose="02070309020205020404" pitchFamily="49" charset="0"/>
+              </a:rPr>
+              <a:t>\t</a:t>
+            </a:r>
             <a:r>
               <a:rPr lang="en-US" dirty="0"/>
-              <a:t>They are the exact same method with different aliases</a:t>
-            </a:r>
+              <a:t> for tab</a:t>
+            </a:r>
+          </a:p>
+          <a:p>
+            <a:pPr marL="228600" lvl="1" indent="0">
+              <a:buNone/>
+            </a:pPr>
             <a:br>
-              <a:rPr lang="en-US" dirty="0"/>
+              <a:rPr lang="en-US" dirty="0">
+                <a:latin typeface="Courier New" panose="02070309020205020404" pitchFamily="49" charset="0"/>
+                <a:cs typeface="Courier New" panose="02070309020205020404" pitchFamily="49" charset="0"/>
+              </a:rPr>
             </a:br>
+            <a:r>
+              <a:rPr lang="en-US" dirty="0">
+                <a:latin typeface="Courier New" panose="02070309020205020404" pitchFamily="49" charset="0"/>
+                <a:cs typeface="Courier New" panose="02070309020205020404" pitchFamily="49" charset="0"/>
+              </a:rPr>
+              <a:t>filename = '/class/datasets/finance/CreditCard.csv'</a:t>
+            </a:r>
+          </a:p>
+          <a:p>
+            <a:pPr marL="228600" lvl="1" indent="0">
+              <a:buNone/>
+            </a:pPr>
             <a:br>
-              <a:rPr lang="en-US" dirty="0"/>
+              <a:rPr lang="en-US" dirty="0">
+                <a:latin typeface="Courier New" panose="02070309020205020404" pitchFamily="49" charset="0"/>
+                <a:cs typeface="Courier New" panose="02070309020205020404" pitchFamily="49" charset="0"/>
+              </a:rPr>
             </a:br>
             <a:r>
               <a:rPr lang="en-US" dirty="0">
                 <a:latin typeface="Courier New" panose="02070309020205020404" pitchFamily="49" charset="0"/>
                 <a:cs typeface="Courier New" panose="02070309020205020404" pitchFamily="49" charset="0"/>
               </a:rPr>
-              <a:t>df3.filter(df3.Amount &lt; 4000).show()</a:t>
+              <a:t>df4 = spark.read.load(filename, format = 'csv', </a:t>
             </a:r>
             <a:br>
               <a:rPr lang="en-US" dirty="0">
@@ -7611,7 +7700,7 @@
                 <a:latin typeface="Courier New" panose="02070309020205020404" pitchFamily="49" charset="0"/>
                 <a:cs typeface="Courier New" panose="02070309020205020404" pitchFamily="49" charset="0"/>
               </a:rPr>
-              <a:t>df3.filter('Amount &lt; 4000').count()</a:t>
+              <a:t>  sep = ',', inferSchema = True, header = True)</a:t>
             </a:r>
             <a:br>
               <a:rPr lang="en-US" dirty="0">
@@ -7619,12 +7708,21 @@
                 <a:cs typeface="Courier New" panose="02070309020205020404" pitchFamily="49" charset="0"/>
               </a:rPr>
             </a:br>
-            <a:r>
-              <a:rPr lang="en-US" dirty="0">
-                <a:latin typeface="Courier New" panose="02070309020205020404" pitchFamily="49" charset="0"/>
-                <a:cs typeface="Courier New" panose="02070309020205020404" pitchFamily="49" charset="0"/>
-              </a:rPr>
-              <a:t>df3.where('Amount &lt; 4000').count()</a:t>
+            <a:endParaRPr lang="en-US" dirty="0">
+              <a:latin typeface="Courier New" panose="02070309020205020404" pitchFamily="49" charset="0"/>
+              <a:cs typeface="Courier New" panose="02070309020205020404" pitchFamily="49" charset="0"/>
+            </a:endParaRPr>
+          </a:p>
+          <a:p>
+            <a:pPr marL="228600" lvl="1" indent="0">
+              <a:buNone/>
+            </a:pPr>
+            <a:r>
+              <a:rPr lang="en-US" dirty="0">
+                <a:latin typeface="Courier New" panose="02070309020205020404" pitchFamily="49" charset="0"/>
+                <a:cs typeface="Courier New" panose="02070309020205020404" pitchFamily="49" charset="0"/>
+              </a:rPr>
+              <a:t>df4 = spark.read.format('csv').option('header','true').</a:t>
             </a:r>
             <a:br>
               <a:rPr lang="en-US" dirty="0">
@@ -7637,8 +7735,13 @@
                 <a:latin typeface="Courier New" panose="02070309020205020404" pitchFamily="49" charset="0"/>
                 <a:cs typeface="Courier New" panose="02070309020205020404" pitchFamily="49" charset="0"/>
               </a:rPr>
-              <a:t>df3.where(df3.Amount &lt; 4000).count()</a:t>
-            </a:r>
+              <a:t>  option('inferSchema','true').load(filename)</a:t>
+            </a:r>
+          </a:p>
+          <a:p>
+            <a:pPr marL="228600" lvl="1" indent="0">
+              <a:buNone/>
+            </a:pPr>
             <a:br>
               <a:rPr lang="en-US" dirty="0">
                 <a:latin typeface="Courier New" panose="02070309020205020404" pitchFamily="49" charset="0"/>
@@ -7650,7 +7753,7 @@
                 <a:latin typeface="Courier New" panose="02070309020205020404" pitchFamily="49" charset="0"/>
                 <a:cs typeface="Courier New" panose="02070309020205020404" pitchFamily="49" charset="0"/>
               </a:rPr>
-              <a:t>df3.where((df3.Amount &gt; 3000) &amp; (df3.Amount &lt; 4000)).count()</a:t>
+              <a:t>df4 = spark.read.csv(filename, header = True,</a:t>
             </a:r>
             <a:br>
               <a:rPr lang="en-US" dirty="0">
@@ -7663,8 +7766,29 @@
                 <a:latin typeface="Courier New" panose="02070309020205020404" pitchFamily="49" charset="0"/>
                 <a:cs typeface="Courier New" panose="02070309020205020404" pitchFamily="49" charset="0"/>
               </a:rPr>
-              <a:t>df3.where('Amount &gt; 3000 and Amount &lt; 3000').count()</a:t>
-            </a:r>
+              <a:t>  inferSchema = True)</a:t>
+            </a:r>
+          </a:p>
+          <a:p>
+            <a:pPr marL="228600" lvl="1" indent="0">
+              <a:buNone/>
+            </a:pPr>
+            <a:endParaRPr lang="en-US" dirty="0">
+              <a:latin typeface="Courier New" panose="02070309020205020404" pitchFamily="49" charset="0"/>
+              <a:cs typeface="Courier New" panose="02070309020205020404" pitchFamily="49" charset="0"/>
+            </a:endParaRPr>
+          </a:p>
+          <a:p>
+            <a:pPr marL="228600" lvl="1" indent="0">
+              <a:buNone/>
+            </a:pPr>
+            <a:endParaRPr lang="en-US" dirty="0">
+              <a:latin typeface="Courier New" panose="02070309020205020404" pitchFamily="49" charset="0"/>
+              <a:cs typeface="Courier New" panose="02070309020205020404" pitchFamily="49" charset="0"/>
+            </a:endParaRPr>
+          </a:p>
+          <a:p>
+            <a:endParaRPr lang="en-US" dirty="0"/>
           </a:p>
         </p:txBody>
       </p:sp>
@@ -7685,7 +7809,7 @@
           <a:p>
             <a:r>
               <a:rPr lang="en-US" dirty="0"/>
-              <a:t>Filtering Data</a:t>
+              <a:t>Reading CSV Files</a:t>
             </a:r>
           </a:p>
         </p:txBody>
@@ -7693,7 +7817,7 @@
     </p:spTree>
     <p:extLst>
       <p:ext uri="{BB962C8B-B14F-4D97-AF65-F5344CB8AC3E}">
-        <p14:creationId xmlns:p14="http://schemas.microsoft.com/office/powerpoint/2010/main" val="1639812335"/>
+        <p14:creationId xmlns:p14="http://schemas.microsoft.com/office/powerpoint/2010/main" val="926687632"/>
       </p:ext>
     </p:extLst>
   </p:cSld>
@@ -7730,115 +7854,235 @@
             <p:ph idx="1"/>
           </p:nvPr>
         </p:nvSpPr>
-        <p:spPr/>
+        <p:spPr>
+          <a:xfrm>
+            <a:off x="581025" y="1155614"/>
+            <a:ext cx="8402554" cy="5072616"/>
+          </a:xfrm>
+        </p:spPr>
         <p:txBody>
           <a:bodyPr/>
           <a:lstStyle/>
           <a:p>
             <a:r>
               <a:rPr lang="en-US" dirty="0"/>
-              <a:t>The </a:t>
-            </a:r>
-            <a:r>
-              <a:rPr lang="en-US" dirty="0">
-                <a:latin typeface="Courier New" panose="02070309020205020404" pitchFamily="49" charset="0"/>
-                <a:cs typeface="Courier New" panose="02070309020205020404" pitchFamily="49" charset="0"/>
-              </a:rPr>
-              <a:t>sort</a:t>
+              <a:t>The write method on a DataFrame can be used just like the </a:t>
+            </a:r>
+            <a:r>
+              <a:rPr lang="en-US" dirty="0">
+                <a:latin typeface="Courier New" panose="02070309020205020404" pitchFamily="49" charset="0"/>
+                <a:cs typeface="Courier New" panose="02070309020205020404" pitchFamily="49" charset="0"/>
+              </a:rPr>
+              <a:t>read</a:t>
             </a:r>
             <a:r>
               <a:rPr lang="en-US" dirty="0"/>
-              <a:t> and </a:t>
-            </a:r>
-            <a:r>
-              <a:rPr lang="en-US" dirty="0">
-                <a:latin typeface="Courier New" panose="02070309020205020404" pitchFamily="49" charset="0"/>
-                <a:cs typeface="Courier New" panose="02070309020205020404" pitchFamily="49" charset="0"/>
-              </a:rPr>
-              <a:t>orderBy</a:t>
-            </a:r>
+              <a:t> function using many different options</a:t>
+            </a:r>
+          </a:p>
+          <a:p>
             <a:r>
               <a:rPr lang="en-US" dirty="0"/>
-              <a:t> methods are different aliases for the same function</a:t>
+              <a:t>Some options are built-in such as:</a:t>
+            </a:r>
+          </a:p>
+          <a:p>
+            <a:pPr lvl="1"/>
+            <a:r>
+              <a:rPr lang="en-US" dirty="0">
+                <a:latin typeface="Courier New" panose="02070309020205020404" pitchFamily="49" charset="0"/>
+                <a:cs typeface="Courier New" panose="02070309020205020404" pitchFamily="49" charset="0"/>
+              </a:rPr>
+              <a:t>jdbc</a:t>
+            </a:r>
+          </a:p>
+          <a:p>
+            <a:pPr lvl="1"/>
+            <a:r>
+              <a:rPr lang="en-US" dirty="0" err="1">
+                <a:latin typeface="Courier New" panose="02070309020205020404" pitchFamily="49" charset="0"/>
+                <a:cs typeface="Courier New" panose="02070309020205020404" pitchFamily="49" charset="0"/>
+              </a:rPr>
+              <a:t>json</a:t>
+            </a:r>
+            <a:r>
+              <a:rPr lang="en-US" dirty="0">
+                <a:latin typeface="Courier New" panose="02070309020205020404" pitchFamily="49" charset="0"/>
+                <a:cs typeface="Courier New" panose="02070309020205020404" pitchFamily="49" charset="0"/>
+              </a:rPr>
+              <a:t>    </a:t>
+            </a:r>
+            <a:r>
+              <a:rPr lang="en-US" dirty="0" err="1">
+                <a:latin typeface="Courier New" panose="02070309020205020404" pitchFamily="49" charset="0"/>
+                <a:cs typeface="Courier New" panose="02070309020205020404" pitchFamily="49" charset="0"/>
+              </a:rPr>
+              <a:t>spark.read.json</a:t>
+            </a:r>
+            <a:r>
+              <a:rPr lang="en-US" dirty="0">
+                <a:latin typeface="Courier New" panose="02070309020205020404" pitchFamily="49" charset="0"/>
+                <a:cs typeface="Courier New" panose="02070309020205020404" pitchFamily="49" charset="0"/>
+              </a:rPr>
+              <a:t>(filename) </a:t>
+            </a:r>
+            <a:r>
+              <a:rPr lang="en-US" dirty="0" err="1">
+                <a:latin typeface="Courier New" panose="02070309020205020404" pitchFamily="49" charset="0"/>
+                <a:cs typeface="Courier New" panose="02070309020205020404" pitchFamily="49" charset="0"/>
+              </a:rPr>
+              <a:t>df.write.json</a:t>
+            </a:r>
+            <a:r>
+              <a:rPr lang="en-US" dirty="0">
+                <a:latin typeface="Courier New" panose="02070309020205020404" pitchFamily="49" charset="0"/>
+                <a:cs typeface="Courier New" panose="02070309020205020404" pitchFamily="49" charset="0"/>
+              </a:rPr>
+              <a:t>(file)</a:t>
+            </a:r>
+          </a:p>
+          <a:p>
+            <a:pPr lvl="1"/>
+            <a:r>
+              <a:rPr lang="en-US" dirty="0">
+                <a:latin typeface="Courier New" panose="02070309020205020404" pitchFamily="49" charset="0"/>
+                <a:cs typeface="Courier New" panose="02070309020205020404" pitchFamily="49" charset="0"/>
+              </a:rPr>
+              <a:t>orc     </a:t>
+            </a:r>
+            <a:r>
+              <a:rPr lang="en-US" dirty="0" err="1">
+                <a:latin typeface="Courier New" panose="02070309020205020404" pitchFamily="49" charset="0"/>
+                <a:cs typeface="Courier New" panose="02070309020205020404" pitchFamily="49" charset="0"/>
+              </a:rPr>
+              <a:t>spark.read.orc</a:t>
+            </a:r>
+            <a:r>
+              <a:rPr lang="en-US" dirty="0">
+                <a:latin typeface="Courier New" panose="02070309020205020404" pitchFamily="49" charset="0"/>
+                <a:cs typeface="Courier New" panose="02070309020205020404" pitchFamily="49" charset="0"/>
+              </a:rPr>
+              <a:t>(filename)  </a:t>
+            </a:r>
+            <a:r>
+              <a:rPr lang="en-US" dirty="0" err="1">
+                <a:latin typeface="Courier New" panose="02070309020205020404" pitchFamily="49" charset="0"/>
+                <a:cs typeface="Courier New" panose="02070309020205020404" pitchFamily="49" charset="0"/>
+              </a:rPr>
+              <a:t>df.write.orc</a:t>
+            </a:r>
+            <a:r>
+              <a:rPr lang="en-US" dirty="0">
+                <a:latin typeface="Courier New" panose="02070309020205020404" pitchFamily="49" charset="0"/>
+                <a:cs typeface="Courier New" panose="02070309020205020404" pitchFamily="49" charset="0"/>
+              </a:rPr>
+              <a:t>(file)</a:t>
+            </a:r>
+          </a:p>
+          <a:p>
+            <a:pPr lvl="1"/>
+            <a:r>
+              <a:rPr lang="en-US" dirty="0">
+                <a:latin typeface="Courier New" panose="02070309020205020404" pitchFamily="49" charset="0"/>
+                <a:cs typeface="Courier New" panose="02070309020205020404" pitchFamily="49" charset="0"/>
+              </a:rPr>
+              <a:t>parquet spark.read.parquet(file)  </a:t>
+            </a:r>
+            <a:r>
+              <a:rPr lang="en-US" dirty="0" err="1">
+                <a:latin typeface="Courier New" panose="02070309020205020404" pitchFamily="49" charset="0"/>
+                <a:cs typeface="Courier New" panose="02070309020205020404" pitchFamily="49" charset="0"/>
+              </a:rPr>
+              <a:t>df.write.parquet</a:t>
+            </a:r>
+            <a:r>
+              <a:rPr lang="en-US" dirty="0">
+                <a:latin typeface="Courier New" panose="02070309020205020404" pitchFamily="49" charset="0"/>
+                <a:cs typeface="Courier New" panose="02070309020205020404" pitchFamily="49" charset="0"/>
+              </a:rPr>
+              <a:t>(file)</a:t>
+            </a:r>
+          </a:p>
+          <a:p>
+            <a:pPr lvl="1"/>
+            <a:r>
+              <a:rPr lang="en-US" dirty="0">
+                <a:latin typeface="Courier New" panose="02070309020205020404" pitchFamily="49" charset="0"/>
+                <a:cs typeface="Courier New" panose="02070309020205020404" pitchFamily="49" charset="0"/>
+              </a:rPr>
+              <a:t>text    </a:t>
+            </a:r>
+            <a:r>
+              <a:rPr lang="en-US" dirty="0" err="1">
+                <a:latin typeface="Courier New" panose="02070309020205020404" pitchFamily="49" charset="0"/>
+                <a:cs typeface="Courier New" panose="02070309020205020404" pitchFamily="49" charset="0"/>
+              </a:rPr>
+              <a:t>spark.read.text</a:t>
+            </a:r>
+            <a:r>
+              <a:rPr lang="en-US" dirty="0">
+                <a:latin typeface="Courier New" panose="02070309020205020404" pitchFamily="49" charset="0"/>
+                <a:cs typeface="Courier New" panose="02070309020205020404" pitchFamily="49" charset="0"/>
+              </a:rPr>
+              <a:t>(file)     </a:t>
+            </a:r>
+            <a:r>
+              <a:rPr lang="en-US" dirty="0" err="1">
+                <a:latin typeface="Courier New" panose="02070309020205020404" pitchFamily="49" charset="0"/>
+                <a:cs typeface="Courier New" panose="02070309020205020404" pitchFamily="49" charset="0"/>
+              </a:rPr>
+              <a:t>df.write.text</a:t>
+            </a:r>
+            <a:r>
+              <a:rPr lang="en-US" dirty="0">
+                <a:latin typeface="Courier New" panose="02070309020205020404" pitchFamily="49" charset="0"/>
+                <a:cs typeface="Courier New" panose="02070309020205020404" pitchFamily="49" charset="0"/>
+              </a:rPr>
+              <a:t>(file)</a:t>
+            </a:r>
+          </a:p>
+          <a:p>
+            <a:r>
+              <a:rPr lang="en-US" dirty="0"/>
+              <a:t>Other formats can use the option to supply a custom Java class that can be downloaded and installed on the computer</a:t>
+            </a:r>
+          </a:p>
+          <a:p>
+            <a:pPr lvl="1"/>
+            <a:r>
+              <a:rPr lang="en-US" dirty="0"/>
+              <a:t>AVRO: </a:t>
+            </a:r>
+            <a:r>
+              <a:rPr lang="en-US" dirty="0">
+                <a:latin typeface="Courier New" panose="02070309020205020404" pitchFamily="49" charset="0"/>
+                <a:cs typeface="Courier New" panose="02070309020205020404" pitchFamily="49" charset="0"/>
+              </a:rPr>
+              <a:t>spark.read.format("com.databricks.spark.avro").load("kv.avro")</a:t>
+            </a:r>
+          </a:p>
+          <a:p>
+            <a:pPr lvl="1"/>
+            <a:r>
+              <a:rPr lang="en-US" dirty="0">
+                <a:latin typeface="+mn-lt"/>
+                <a:cs typeface="Courier New" panose="02070309020205020404" pitchFamily="49" charset="0"/>
+              </a:rPr>
+              <a:t>Cassandra:</a:t>
             </a:r>
             <a:br>
-              <a:rPr lang="en-US" dirty="0"/>
+              <a:rPr lang="en-US" dirty="0">
+                <a:latin typeface="Courier New" panose="02070309020205020404" pitchFamily="49" charset="0"/>
+                <a:cs typeface="Courier New" panose="02070309020205020404" pitchFamily="49" charset="0"/>
+              </a:rPr>
             </a:br>
             <a:r>
               <a:rPr lang="en-US" dirty="0">
                 <a:latin typeface="Courier New" panose="02070309020205020404" pitchFamily="49" charset="0"/>
                 <a:cs typeface="Courier New" panose="02070309020205020404" pitchFamily="49" charset="0"/>
               </a:rPr>
-              <a:t>df.sort(df.Amount).show()</a:t>
-            </a:r>
-            <a:endParaRPr lang="en-US" dirty="0"/>
-          </a:p>
-          <a:p>
-            <a:r>
-              <a:rPr lang="en-US" dirty="0"/>
-              <a:t>They sort a DataFrame in ascending order or descending order if you pass the </a:t>
-            </a:r>
-            <a:r>
-              <a:rPr lang="en-US" dirty="0">
-                <a:latin typeface="Courier New" panose="02070309020205020404" pitchFamily="49" charset="0"/>
-                <a:cs typeface="Courier New" panose="02070309020205020404" pitchFamily="49" charset="0"/>
-              </a:rPr>
-              <a:t>ascending = False </a:t>
-            </a:r>
-            <a:r>
-              <a:rPr lang="en-US" dirty="0"/>
-              <a:t>parameter</a:t>
-            </a:r>
-            <a:br>
-              <a:rPr lang="en-US" dirty="0"/>
-            </a:br>
-            <a:r>
-              <a:rPr lang="en-US" dirty="0">
-                <a:latin typeface="Courier New" panose="02070309020205020404" pitchFamily="49" charset="0"/>
-                <a:cs typeface="Courier New" panose="02070309020205020404" pitchFamily="49" charset="0"/>
-              </a:rPr>
-              <a:t>df.sort(df.Amount, ascending = False).show()</a:t>
-            </a:r>
-          </a:p>
-          <a:p>
-            <a:r>
-              <a:rPr lang="en-US" dirty="0"/>
-              <a:t>You can sort on multiple columns</a:t>
-            </a:r>
-            <a:br>
-              <a:rPr lang="en-US" dirty="0"/>
-            </a:br>
-            <a:r>
-              <a:rPr lang="en-US" dirty="0">
-                <a:latin typeface="Courier New" panose="02070309020205020404" pitchFamily="49" charset="0"/>
-                <a:cs typeface="Courier New" panose="02070309020205020404" pitchFamily="49" charset="0"/>
-              </a:rPr>
-              <a:t>df.select('City', 'Amount').orderBy(df.City, df.Amount).show()</a:t>
-            </a:r>
-          </a:p>
-          <a:p>
-            <a:r>
-              <a:rPr lang="en-US" dirty="0"/>
-              <a:t>Custom sort functions can use the </a:t>
-            </a:r>
-            <a:r>
-              <a:rPr lang="en-US" dirty="0">
-                <a:latin typeface="Courier New" panose="02070309020205020404" pitchFamily="49" charset="0"/>
-                <a:cs typeface="Courier New" panose="02070309020205020404" pitchFamily="49" charset="0"/>
-              </a:rPr>
-              <a:t>withColumn</a:t>
-            </a:r>
-            <a:r>
-              <a:rPr lang="en-US" dirty="0"/>
-              <a:t> method</a:t>
-            </a:r>
-            <a:br>
-              <a:rPr lang="en-US" dirty="0"/>
-            </a:br>
-            <a:endParaRPr lang="en-US" dirty="0">
-              <a:latin typeface="Courier New" panose="02070309020205020404" pitchFamily="49" charset="0"/>
-              <a:cs typeface="Courier New" panose="02070309020205020404" pitchFamily="49" charset="0"/>
-            </a:endParaRPr>
+              <a:t>sqlContext.read.format("org.apache.spark.sql.cassandra").options(table = table_name, keyspace = keys_space_name).load()</a:t>
+            </a:r>
           </a:p>
         </p:txBody>
       </p:sp>
@@ -7859,7 +8103,7 @@
           <a:p>
             <a:r>
               <a:rPr lang="en-US" dirty="0"/>
-              <a:t>Sorting</a:t>
+              <a:t>Writing Files</a:t>
             </a:r>
           </a:p>
         </p:txBody>
@@ -7867,7 +8111,7 @@
     </p:spTree>
     <p:extLst>
       <p:ext uri="{BB962C8B-B14F-4D97-AF65-F5344CB8AC3E}">
-        <p14:creationId xmlns:p14="http://schemas.microsoft.com/office/powerpoint/2010/main" val="1745008024"/>
+        <p14:creationId xmlns:p14="http://schemas.microsoft.com/office/powerpoint/2010/main" val="4135539595"/>
       </p:ext>
     </p:extLst>
   </p:cSld>
@@ -7904,160 +8148,23 @@
             <p:ph idx="1"/>
           </p:nvPr>
         </p:nvSpPr>
-        <p:spPr/>
+        <p:spPr>
+          <a:xfrm>
+            <a:off x="581024" y="1155614"/>
+            <a:ext cx="8362254" cy="5072616"/>
+          </a:xfrm>
+        </p:spPr>
         <p:txBody>
           <a:bodyPr/>
           <a:lstStyle/>
           <a:p>
             <a:r>
               <a:rPr lang="en-US" dirty="0"/>
-              <a:t>DataFrames can be joined to other DataFrames just as you would in SQL and all the expected types are supported</a:t>
-            </a:r>
-          </a:p>
-          <a:p>
-            <a:pPr lvl="1"/>
-            <a:r>
-              <a:rPr lang="en-US" dirty="0">
-                <a:latin typeface="Courier New" panose="02070309020205020404" pitchFamily="49" charset="0"/>
-                <a:cs typeface="Courier New" panose="02070309020205020404" pitchFamily="49" charset="0"/>
-              </a:rPr>
-              <a:t>INNER</a:t>
-            </a:r>
-          </a:p>
-          <a:p>
-            <a:pPr lvl="1"/>
-            <a:r>
-              <a:rPr lang="en-US" dirty="0">
-                <a:latin typeface="Courier New" panose="02070309020205020404" pitchFamily="49" charset="0"/>
-                <a:cs typeface="Courier New" panose="02070309020205020404" pitchFamily="49" charset="0"/>
-              </a:rPr>
-              <a:t>LEFT</a:t>
-            </a:r>
-          </a:p>
-          <a:p>
-            <a:pPr lvl="1"/>
-            <a:r>
-              <a:rPr lang="en-US" dirty="0">
-                <a:latin typeface="Courier New" panose="02070309020205020404" pitchFamily="49" charset="0"/>
-                <a:cs typeface="Courier New" panose="02070309020205020404" pitchFamily="49" charset="0"/>
-              </a:rPr>
-              <a:t>RIGHT</a:t>
-            </a:r>
-          </a:p>
-          <a:p>
-            <a:pPr lvl="1"/>
-            <a:r>
-              <a:rPr lang="en-US" dirty="0">
-                <a:latin typeface="Courier New" panose="02070309020205020404" pitchFamily="49" charset="0"/>
-                <a:cs typeface="Courier New" panose="02070309020205020404" pitchFamily="49" charset="0"/>
-              </a:rPr>
-              <a:t>FULL</a:t>
-            </a:r>
-          </a:p>
-          <a:p>
-            <a:pPr marL="0" indent="0">
-              <a:buNone/>
-            </a:pPr>
-            <a:r>
-              <a:rPr lang="en-US" dirty="0">
-                <a:latin typeface="Courier New" panose="02070309020205020404" pitchFamily="49" charset="0"/>
-                <a:cs typeface="Courier New" panose="02070309020205020404" pitchFamily="49" charset="0"/>
-              </a:rPr>
-              <a:t>tab1 = sc.parallelize([(1, 'Alpha'), (2, 'Beta'), (3, 'Delta')]).toDF('ID:int, code:string')</a:t>
-            </a:r>
-            <a:br>
-              <a:rPr lang="en-US" dirty="0">
-                <a:latin typeface="Courier New" panose="02070309020205020404" pitchFamily="49" charset="0"/>
-                <a:cs typeface="Courier New" panose="02070309020205020404" pitchFamily="49" charset="0"/>
-              </a:rPr>
-            </a:br>
-            <a:br>
-              <a:rPr lang="en-US" dirty="0">
-                <a:latin typeface="Courier New" panose="02070309020205020404" pitchFamily="49" charset="0"/>
-                <a:cs typeface="Courier New" panose="02070309020205020404" pitchFamily="49" charset="0"/>
-              </a:rPr>
-            </a:br>
-            <a:r>
-              <a:rPr lang="en-US" dirty="0">
-                <a:latin typeface="Courier New" panose="02070309020205020404" pitchFamily="49" charset="0"/>
-                <a:cs typeface="Courier New" panose="02070309020205020404" pitchFamily="49" charset="0"/>
-              </a:rPr>
-              <a:t>tab2 = sc.parallelize([(100, 'One', 1), (101, 'Two', 2), (102, 'Three', 1), (103, 'Four', 4)]) \</a:t>
-            </a:r>
-            <a:br>
-              <a:rPr lang="en-US" dirty="0">
-                <a:latin typeface="Courier New" panose="02070309020205020404" pitchFamily="49" charset="0"/>
-                <a:cs typeface="Courier New" panose="02070309020205020404" pitchFamily="49" charset="0"/>
-              </a:rPr>
-            </a:br>
-            <a:r>
-              <a:rPr lang="en-US" dirty="0">
-                <a:latin typeface="Courier New" panose="02070309020205020404" pitchFamily="49" charset="0"/>
-                <a:cs typeface="Courier New" panose="02070309020205020404" pitchFamily="49" charset="0"/>
-              </a:rPr>
-              <a:t>.toDF('ID:int, name:string, parentID:int')</a:t>
-            </a:r>
-            <a:br>
-              <a:rPr lang="en-US" dirty="0">
-                <a:latin typeface="Courier New" panose="02070309020205020404" pitchFamily="49" charset="0"/>
-                <a:cs typeface="Courier New" panose="02070309020205020404" pitchFamily="49" charset="0"/>
-              </a:rPr>
-            </a:br>
-            <a:br>
-              <a:rPr lang="en-US" dirty="0">
-                <a:latin typeface="Courier New" panose="02070309020205020404" pitchFamily="49" charset="0"/>
-                <a:cs typeface="Courier New" panose="02070309020205020404" pitchFamily="49" charset="0"/>
-              </a:rPr>
-            </a:br>
-            <a:r>
-              <a:rPr lang="en-US" dirty="0">
-                <a:latin typeface="Courier New" panose="02070309020205020404" pitchFamily="49" charset="0"/>
-                <a:cs typeface="Courier New" panose="02070309020205020404" pitchFamily="49" charset="0"/>
-              </a:rPr>
-              <a:t>tab1.join(tab2, tab1.ID == tab2.parentID).show()</a:t>
-            </a:r>
-            <a:br>
-              <a:rPr lang="en-US" dirty="0">
-                <a:latin typeface="Courier New" panose="02070309020205020404" pitchFamily="49" charset="0"/>
-                <a:cs typeface="Courier New" panose="02070309020205020404" pitchFamily="49" charset="0"/>
-              </a:rPr>
-            </a:br>
-            <a:r>
-              <a:rPr lang="en-US" dirty="0">
-                <a:latin typeface="Courier New" panose="02070309020205020404" pitchFamily="49" charset="0"/>
-                <a:cs typeface="Courier New" panose="02070309020205020404" pitchFamily="49" charset="0"/>
-              </a:rPr>
-              <a:t>tab1.join(tab2, tab1.ID == tab2.parentID, 'left').show()</a:t>
-            </a:r>
-            <a:br>
-              <a:rPr lang="en-US" dirty="0">
-                <a:latin typeface="Courier New" panose="02070309020205020404" pitchFamily="49" charset="0"/>
-                <a:cs typeface="Courier New" panose="02070309020205020404" pitchFamily="49" charset="0"/>
-              </a:rPr>
-            </a:br>
-            <a:r>
-              <a:rPr lang="en-US" dirty="0">
-                <a:latin typeface="Courier New" panose="02070309020205020404" pitchFamily="49" charset="0"/>
-                <a:cs typeface="Courier New" panose="02070309020205020404" pitchFamily="49" charset="0"/>
-              </a:rPr>
-              <a:t>tab1.join(tab2, tab1.ID == tab2.parentID, 'right').show()</a:t>
-            </a:r>
-            <a:br>
-              <a:rPr lang="en-US" dirty="0">
-                <a:latin typeface="Courier New" panose="02070309020205020404" pitchFamily="49" charset="0"/>
-                <a:cs typeface="Courier New" panose="02070309020205020404" pitchFamily="49" charset="0"/>
-              </a:rPr>
-            </a:br>
-            <a:r>
-              <a:rPr lang="en-US" dirty="0">
-                <a:latin typeface="Courier New" panose="02070309020205020404" pitchFamily="49" charset="0"/>
-                <a:cs typeface="Courier New" panose="02070309020205020404" pitchFamily="49" charset="0"/>
-              </a:rPr>
-              <a:t>tab1.join(tab2, tab1.ID == tab2.parentID, 'full').show()</a:t>
-            </a:r>
-          </a:p>
-          <a:p>
-            <a:pPr marL="0" indent="0">
+              <a:t>DataFrames have methods with names similar to SQL commands</a:t>
+            </a:r>
+          </a:p>
+          <a:p>
+            <a:pPr marL="228600" lvl="1" indent="0">
               <a:buNone/>
             </a:pPr>
             <a:endParaRPr lang="en-US" dirty="0">
@@ -8066,7 +8173,54 @@
             </a:endParaRPr>
           </a:p>
           <a:p>
-            <a:pPr marL="0" indent="0">
+            <a:pPr marL="228600" lvl="1" indent="0">
+              <a:buNone/>
+            </a:pPr>
+            <a:r>
+              <a:rPr lang="en-US" dirty="0" err="1">
+                <a:latin typeface="Courier New" panose="02070309020205020404" pitchFamily="49" charset="0"/>
+                <a:cs typeface="Courier New" panose="02070309020205020404" pitchFamily="49" charset="0"/>
+              </a:rPr>
+              <a:t>prod.select</a:t>
+            </a:r>
+            <a:r>
+              <a:rPr lang="en-US" dirty="0">
+                <a:latin typeface="Courier New" panose="02070309020205020404" pitchFamily="49" charset="0"/>
+                <a:cs typeface="Courier New" panose="02070309020205020404" pitchFamily="49" charset="0"/>
+              </a:rPr>
+              <a:t>('productid', '</a:t>
+            </a:r>
+            <a:r>
+              <a:rPr lang="en-US" dirty="0" err="1">
+                <a:latin typeface="Courier New" panose="02070309020205020404" pitchFamily="49" charset="0"/>
+                <a:cs typeface="Courier New" panose="02070309020205020404" pitchFamily="49" charset="0"/>
+              </a:rPr>
+              <a:t>productname</a:t>
+            </a:r>
+            <a:r>
+              <a:rPr lang="en-US" dirty="0">
+                <a:latin typeface="Courier New" panose="02070309020205020404" pitchFamily="49" charset="0"/>
+                <a:cs typeface="Courier New" panose="02070309020205020404" pitchFamily="49" charset="0"/>
+              </a:rPr>
+              <a:t>', '</a:t>
+            </a:r>
+            <a:r>
+              <a:rPr lang="en-US" dirty="0" err="1">
+                <a:latin typeface="Courier New" panose="02070309020205020404" pitchFamily="49" charset="0"/>
+                <a:cs typeface="Courier New" panose="02070309020205020404" pitchFamily="49" charset="0"/>
+              </a:rPr>
+              <a:t>unitprice</a:t>
+            </a:r>
+            <a:r>
+              <a:rPr lang="en-US" dirty="0">
+                <a:latin typeface="Courier New" panose="02070309020205020404" pitchFamily="49" charset="0"/>
+                <a:cs typeface="Courier New" panose="02070309020205020404" pitchFamily="49" charset="0"/>
+              </a:rPr>
+              <a:t>')</a:t>
+            </a:r>
+          </a:p>
+          <a:p>
+            <a:pPr marL="228600" lvl="1" indent="0">
               <a:buNone/>
             </a:pPr>
             <a:br>
@@ -8075,6 +8229,287 @@
                 <a:cs typeface="Courier New" panose="02070309020205020404" pitchFamily="49" charset="0"/>
               </a:rPr>
             </a:br>
+            <a:r>
+              <a:rPr lang="en-US" dirty="0" err="1">
+                <a:latin typeface="Courier New" panose="02070309020205020404" pitchFamily="49" charset="0"/>
+                <a:cs typeface="Courier New" panose="02070309020205020404" pitchFamily="49" charset="0"/>
+              </a:rPr>
+              <a:t>p.select</a:t>
+            </a:r>
+            <a:r>
+              <a:rPr lang="en-US" dirty="0">
+                <a:latin typeface="Courier New" panose="02070309020205020404" pitchFamily="49" charset="0"/>
+                <a:cs typeface="Courier New" panose="02070309020205020404" pitchFamily="49" charset="0"/>
+              </a:rPr>
+              <a:t>(</a:t>
+            </a:r>
+            <a:r>
+              <a:rPr lang="en-US" dirty="0" err="1">
+                <a:latin typeface="Courier New" panose="02070309020205020404" pitchFamily="49" charset="0"/>
+                <a:cs typeface="Courier New" panose="02070309020205020404" pitchFamily="49" charset="0"/>
+              </a:rPr>
+              <a:t>p.productid</a:t>
+            </a:r>
+            <a:r>
+              <a:rPr lang="en-US" dirty="0">
+                <a:latin typeface="Courier New" panose="02070309020205020404" pitchFamily="49" charset="0"/>
+                <a:cs typeface="Courier New" panose="02070309020205020404" pitchFamily="49" charset="0"/>
+              </a:rPr>
+              <a:t>, </a:t>
+            </a:r>
+            <a:r>
+              <a:rPr lang="en-US" dirty="0" err="1">
+                <a:latin typeface="Courier New" panose="02070309020205020404" pitchFamily="49" charset="0"/>
+                <a:cs typeface="Courier New" panose="02070309020205020404" pitchFamily="49" charset="0"/>
+              </a:rPr>
+              <a:t>p.productname</a:t>
+            </a:r>
+            <a:r>
+              <a:rPr lang="en-US" dirty="0">
+                <a:latin typeface="Courier New" panose="02070309020205020404" pitchFamily="49" charset="0"/>
+                <a:cs typeface="Courier New" panose="02070309020205020404" pitchFamily="49" charset="0"/>
+              </a:rPr>
+              <a:t>).distinct()</a:t>
+            </a:r>
+          </a:p>
+          <a:p>
+            <a:pPr marL="228600" lvl="1" indent="0">
+              <a:buNone/>
+            </a:pPr>
+            <a:br>
+              <a:rPr lang="en-US" dirty="0">
+                <a:latin typeface="Courier New" panose="02070309020205020404" pitchFamily="49" charset="0"/>
+                <a:cs typeface="Courier New" panose="02070309020205020404" pitchFamily="49" charset="0"/>
+              </a:rPr>
+            </a:br>
+            <a:r>
+              <a:rPr lang="en-US" dirty="0" err="1">
+                <a:latin typeface="Courier New" panose="02070309020205020404" pitchFamily="49" charset="0"/>
+                <a:cs typeface="Courier New" panose="02070309020205020404" pitchFamily="49" charset="0"/>
+              </a:rPr>
+              <a:t>p.select</a:t>
+            </a:r>
+            <a:r>
+              <a:rPr lang="en-US" dirty="0">
+                <a:latin typeface="Courier New" panose="02070309020205020404" pitchFamily="49" charset="0"/>
+                <a:cs typeface="Courier New" panose="02070309020205020404" pitchFamily="49" charset="0"/>
+              </a:rPr>
+              <a:t>(</a:t>
+            </a:r>
+            <a:r>
+              <a:rPr lang="en-US" dirty="0" err="1">
+                <a:latin typeface="Courier New" panose="02070309020205020404" pitchFamily="49" charset="0"/>
+                <a:cs typeface="Courier New" panose="02070309020205020404" pitchFamily="49" charset="0"/>
+              </a:rPr>
+              <a:t>p.categoryid</a:t>
+            </a:r>
+            <a:r>
+              <a:rPr lang="en-US" dirty="0">
+                <a:latin typeface="Courier New" panose="02070309020205020404" pitchFamily="49" charset="0"/>
+                <a:cs typeface="Courier New" panose="02070309020205020404" pitchFamily="49" charset="0"/>
+              </a:rPr>
+              <a:t>).distinct()</a:t>
+            </a:r>
+            <a:br>
+              <a:rPr lang="en-US" dirty="0">
+                <a:latin typeface="Courier New" panose="02070309020205020404" pitchFamily="49" charset="0"/>
+                <a:cs typeface="Courier New" panose="02070309020205020404" pitchFamily="49" charset="0"/>
+              </a:rPr>
+            </a:br>
+            <a:br>
+              <a:rPr lang="en-US" dirty="0">
+                <a:latin typeface="Courier New" panose="02070309020205020404" pitchFamily="49" charset="0"/>
+                <a:cs typeface="Courier New" panose="02070309020205020404" pitchFamily="49" charset="0"/>
+              </a:rPr>
+            </a:br>
+            <a:r>
+              <a:rPr lang="en-US" dirty="0" err="1">
+                <a:latin typeface="Courier New" panose="02070309020205020404" pitchFamily="49" charset="0"/>
+                <a:cs typeface="Courier New" panose="02070309020205020404" pitchFamily="49" charset="0"/>
+              </a:rPr>
+              <a:t>prod.sort</a:t>
+            </a:r>
+            <a:r>
+              <a:rPr lang="en-US" dirty="0">
+                <a:latin typeface="Courier New" panose="02070309020205020404" pitchFamily="49" charset="0"/>
+                <a:cs typeface="Courier New" panose="02070309020205020404" pitchFamily="49" charset="0"/>
+              </a:rPr>
+              <a:t>(</a:t>
+            </a:r>
+            <a:r>
+              <a:rPr lang="en-US" dirty="0" err="1">
+                <a:latin typeface="Courier New" panose="02070309020205020404" pitchFamily="49" charset="0"/>
+                <a:cs typeface="Courier New" panose="02070309020205020404" pitchFamily="49" charset="0"/>
+              </a:rPr>
+              <a:t>prod.unitprice</a:t>
+            </a:r>
+            <a:r>
+              <a:rPr lang="en-US" dirty="0">
+                <a:latin typeface="Courier New" panose="02070309020205020404" pitchFamily="49" charset="0"/>
+                <a:cs typeface="Courier New" panose="02070309020205020404" pitchFamily="49" charset="0"/>
+              </a:rPr>
+              <a:t>)</a:t>
+            </a:r>
+            <a:br>
+              <a:rPr lang="en-US" dirty="0">
+                <a:latin typeface="Courier New" panose="02070309020205020404" pitchFamily="49" charset="0"/>
+                <a:cs typeface="Courier New" panose="02070309020205020404" pitchFamily="49" charset="0"/>
+              </a:rPr>
+            </a:br>
+            <a:endParaRPr lang="en-US" dirty="0">
+              <a:latin typeface="Courier New" panose="02070309020205020404" pitchFamily="49" charset="0"/>
+              <a:cs typeface="Courier New" panose="02070309020205020404" pitchFamily="49" charset="0"/>
+            </a:endParaRPr>
+          </a:p>
+          <a:p>
+            <a:pPr marL="228600" lvl="1" indent="0">
+              <a:buNone/>
+            </a:pPr>
+            <a:r>
+              <a:rPr lang="en-US" dirty="0" err="1">
+                <a:latin typeface="Courier New" panose="02070309020205020404" pitchFamily="49" charset="0"/>
+                <a:cs typeface="Courier New" panose="02070309020205020404" pitchFamily="49" charset="0"/>
+              </a:rPr>
+              <a:t>prod.orderBy</a:t>
+            </a:r>
+            <a:r>
+              <a:rPr lang="en-US" dirty="0">
+                <a:latin typeface="Courier New" panose="02070309020205020404" pitchFamily="49" charset="0"/>
+                <a:cs typeface="Courier New" panose="02070309020205020404" pitchFamily="49" charset="0"/>
+              </a:rPr>
+              <a:t>('</a:t>
+            </a:r>
+            <a:r>
+              <a:rPr lang="en-US" dirty="0" err="1">
+                <a:latin typeface="Courier New" panose="02070309020205020404" pitchFamily="49" charset="0"/>
+                <a:cs typeface="Courier New" panose="02070309020205020404" pitchFamily="49" charset="0"/>
+              </a:rPr>
+              <a:t>unitprice</a:t>
+            </a:r>
+            <a:r>
+              <a:rPr lang="en-US" dirty="0">
+                <a:latin typeface="Courier New" panose="02070309020205020404" pitchFamily="49" charset="0"/>
+                <a:cs typeface="Courier New" panose="02070309020205020404" pitchFamily="49" charset="0"/>
+              </a:rPr>
+              <a:t>', ascending = False)</a:t>
+            </a:r>
+          </a:p>
+          <a:p>
+            <a:pPr marL="228600" lvl="1" indent="0">
+              <a:buNone/>
+            </a:pPr>
+            <a:endParaRPr lang="en-US" dirty="0">
+              <a:latin typeface="Courier New" panose="02070309020205020404" pitchFamily="49" charset="0"/>
+              <a:cs typeface="Courier New" panose="02070309020205020404" pitchFamily="49" charset="0"/>
+            </a:endParaRPr>
+          </a:p>
+          <a:p>
+            <a:pPr marL="228600" lvl="1" indent="0">
+              <a:buNone/>
+            </a:pPr>
+            <a:r>
+              <a:rPr lang="en-US" dirty="0" err="1">
+                <a:latin typeface="Courier New" panose="02070309020205020404" pitchFamily="49" charset="0"/>
+                <a:cs typeface="Courier New" panose="02070309020205020404" pitchFamily="49" charset="0"/>
+              </a:rPr>
+              <a:t>p.select</a:t>
+            </a:r>
+            <a:r>
+              <a:rPr lang="en-US" dirty="0">
+                <a:latin typeface="Courier New" panose="02070309020205020404" pitchFamily="49" charset="0"/>
+                <a:cs typeface="Courier New" panose="02070309020205020404" pitchFamily="49" charset="0"/>
+              </a:rPr>
+              <a:t>('productid', '</a:t>
+            </a:r>
+            <a:r>
+              <a:rPr lang="en-US" dirty="0" err="1">
+                <a:latin typeface="Courier New" panose="02070309020205020404" pitchFamily="49" charset="0"/>
+                <a:cs typeface="Courier New" panose="02070309020205020404" pitchFamily="49" charset="0"/>
+              </a:rPr>
+              <a:t>productname</a:t>
+            </a:r>
+            <a:r>
+              <a:rPr lang="en-US" dirty="0">
+                <a:latin typeface="Courier New" panose="02070309020205020404" pitchFamily="49" charset="0"/>
+                <a:cs typeface="Courier New" panose="02070309020205020404" pitchFamily="49" charset="0"/>
+              </a:rPr>
+              <a:t>', '</a:t>
+            </a:r>
+            <a:r>
+              <a:rPr lang="en-US" dirty="0" err="1">
+                <a:latin typeface="Courier New" panose="02070309020205020404" pitchFamily="49" charset="0"/>
+                <a:cs typeface="Courier New" panose="02070309020205020404" pitchFamily="49" charset="0"/>
+              </a:rPr>
+              <a:t>unitprice</a:t>
+            </a:r>
+            <a:r>
+              <a:rPr lang="en-US" dirty="0">
+                <a:latin typeface="Courier New" panose="02070309020205020404" pitchFamily="49" charset="0"/>
+                <a:cs typeface="Courier New" panose="02070309020205020404" pitchFamily="49" charset="0"/>
+              </a:rPr>
+              <a:t>') \</a:t>
+            </a:r>
+            <a:br>
+              <a:rPr lang="en-US" dirty="0">
+                <a:latin typeface="Courier New" panose="02070309020205020404" pitchFamily="49" charset="0"/>
+                <a:cs typeface="Courier New" panose="02070309020205020404" pitchFamily="49" charset="0"/>
+              </a:rPr>
+            </a:br>
+            <a:r>
+              <a:rPr lang="en-US" dirty="0">
+                <a:latin typeface="Courier New" panose="02070309020205020404" pitchFamily="49" charset="0"/>
+                <a:cs typeface="Courier New" panose="02070309020205020404" pitchFamily="49" charset="0"/>
+              </a:rPr>
+              <a:t>    .</a:t>
+            </a:r>
+            <a:r>
+              <a:rPr lang="en-US" dirty="0" err="1">
+                <a:latin typeface="Courier New" panose="02070309020205020404" pitchFamily="49" charset="0"/>
+                <a:cs typeface="Courier New" panose="02070309020205020404" pitchFamily="49" charset="0"/>
+              </a:rPr>
+              <a:t>orderBy</a:t>
+            </a:r>
+            <a:r>
+              <a:rPr lang="en-US" dirty="0">
+                <a:latin typeface="Courier New" panose="02070309020205020404" pitchFamily="49" charset="0"/>
+                <a:cs typeface="Courier New" panose="02070309020205020404" pitchFamily="49" charset="0"/>
+              </a:rPr>
+              <a:t>('</a:t>
+            </a:r>
+            <a:r>
+              <a:rPr lang="en-US" dirty="0" err="1">
+                <a:latin typeface="Courier New" panose="02070309020205020404" pitchFamily="49" charset="0"/>
+                <a:cs typeface="Courier New" panose="02070309020205020404" pitchFamily="49" charset="0"/>
+              </a:rPr>
+              <a:t>unitprice</a:t>
+            </a:r>
+            <a:r>
+              <a:rPr lang="en-US" dirty="0">
+                <a:latin typeface="Courier New" panose="02070309020205020404" pitchFamily="49" charset="0"/>
+                <a:cs typeface="Courier New" panose="02070309020205020404" pitchFamily="49" charset="0"/>
+              </a:rPr>
+              <a:t>')</a:t>
+            </a:r>
+            <a:br>
+              <a:rPr lang="en-US" dirty="0">
+                <a:latin typeface="Courier New" panose="02070309020205020404" pitchFamily="49" charset="0"/>
+                <a:cs typeface="Courier New" panose="02070309020205020404" pitchFamily="49" charset="0"/>
+              </a:rPr>
+            </a:br>
+            <a:endParaRPr lang="en-US" dirty="0">
+              <a:latin typeface="Courier New" panose="02070309020205020404" pitchFamily="49" charset="0"/>
+              <a:cs typeface="Courier New" panose="02070309020205020404" pitchFamily="49" charset="0"/>
+            </a:endParaRPr>
+          </a:p>
+          <a:p>
+            <a:pPr lvl="1"/>
+            <a:endParaRPr lang="en-US" dirty="0">
+              <a:latin typeface="Courier New" panose="02070309020205020404" pitchFamily="49" charset="0"/>
+              <a:cs typeface="Courier New" panose="02070309020205020404" pitchFamily="49" charset="0"/>
+            </a:endParaRPr>
+          </a:p>
+          <a:p>
+            <a:pPr lvl="1"/>
             <a:endParaRPr lang="en-US" dirty="0">
               <a:latin typeface="Courier New" panose="02070309020205020404" pitchFamily="49" charset="0"/>
               <a:cs typeface="Courier New" panose="02070309020205020404" pitchFamily="49" charset="0"/>
@@ -8099,7 +8534,7 @@
           <a:p>
             <a:r>
               <a:rPr lang="en-US" dirty="0"/>
-              <a:t>JOIN</a:t>
+              <a:t>Selecting Columns</a:t>
             </a:r>
           </a:p>
         </p:txBody>
@@ -8107,7 +8542,7 @@
     </p:spTree>
     <p:extLst>
       <p:ext uri="{BB962C8B-B14F-4D97-AF65-F5344CB8AC3E}">
-        <p14:creationId xmlns:p14="http://schemas.microsoft.com/office/powerpoint/2010/main" val="2832165533"/>
+        <p14:creationId xmlns:p14="http://schemas.microsoft.com/office/powerpoint/2010/main" val="1774561427"/>
       </p:ext>
     </p:extLst>
   </p:cSld>
@@ -8151,147 +8586,171 @@
           <a:p>
             <a:r>
               <a:rPr lang="en-US" dirty="0"/>
-              <a:t>Grouping in Spark works a little differently—the </a:t>
-            </a:r>
-            <a:r>
-              <a:rPr lang="en-US" dirty="0">
-                <a:latin typeface="Courier New" panose="02070309020205020404" pitchFamily="49" charset="0"/>
-                <a:cs typeface="Courier New" panose="02070309020205020404" pitchFamily="49" charset="0"/>
-              </a:rPr>
-              <a:t>groupBy</a:t>
+              <a:t>The </a:t>
+            </a:r>
+            <a:r>
+              <a:rPr lang="en-US" dirty="0">
+                <a:latin typeface="Courier New" panose="02070309020205020404" pitchFamily="49" charset="0"/>
+                <a:cs typeface="Courier New" panose="02070309020205020404" pitchFamily="49" charset="0"/>
+              </a:rPr>
+              <a:t>sort</a:t>
             </a:r>
             <a:r>
               <a:rPr lang="en-US" dirty="0"/>
-              <a:t> method creates a grouped DataFrame which can then have aggregate methods called on it</a:t>
-            </a:r>
-          </a:p>
-          <a:p>
-            <a:pPr marL="228600" lvl="1" indent="0">
-              <a:buNone/>
-            </a:pPr>
+              <a:t> and </a:t>
+            </a:r>
+            <a:r>
+              <a:rPr lang="en-US" dirty="0">
+                <a:latin typeface="Courier New" panose="02070309020205020404" pitchFamily="49" charset="0"/>
+                <a:cs typeface="Courier New" panose="02070309020205020404" pitchFamily="49" charset="0"/>
+              </a:rPr>
+              <a:t>orderBy</a:t>
+            </a:r>
+            <a:r>
+              <a:rPr lang="en-US" dirty="0"/>
+              <a:t> methods are different aliases for the same function</a:t>
+            </a:r>
             <a:br>
               <a:rPr lang="en-US" dirty="0"/>
             </a:br>
             <a:r>
-              <a:rPr lang="en-US" dirty="0">
-                <a:latin typeface="Courier New" panose="02070309020205020404" pitchFamily="49" charset="0"/>
-                <a:cs typeface="Courier New" panose="02070309020205020404" pitchFamily="49" charset="0"/>
-              </a:rPr>
-              <a:t>tab3 = sc.parallelize([(1, 10), (1, 20), (1, 30), (2, 40), (2,50)]).toDF('groupID:int, amount:int')</a:t>
-            </a:r>
-            <a:br>
-              <a:rPr lang="en-US" dirty="0">
-                <a:latin typeface="Courier New" panose="02070309020205020404" pitchFamily="49" charset="0"/>
-                <a:cs typeface="Courier New" panose="02070309020205020404" pitchFamily="49" charset="0"/>
-              </a:rPr>
-            </a:br>
-            <a:r>
-              <a:rPr lang="en-US" dirty="0">
-                <a:latin typeface="Courier New" panose="02070309020205020404" pitchFamily="49" charset="0"/>
-                <a:cs typeface="Courier New" panose="02070309020205020404" pitchFamily="49" charset="0"/>
-              </a:rPr>
-              <a:t>x = tab3.groupby('groupID')</a:t>
+              <a:rPr lang="en-US" dirty="0" err="1">
+                <a:latin typeface="Courier New" panose="02070309020205020404" pitchFamily="49" charset="0"/>
+                <a:cs typeface="Courier New" panose="02070309020205020404" pitchFamily="49" charset="0"/>
+              </a:rPr>
+              <a:t>p.sort</a:t>
+            </a:r>
+            <a:r>
+              <a:rPr lang="en-US" dirty="0">
+                <a:latin typeface="Courier New" panose="02070309020205020404" pitchFamily="49" charset="0"/>
+                <a:cs typeface="Courier New" panose="02070309020205020404" pitchFamily="49" charset="0"/>
+              </a:rPr>
+              <a:t>(</a:t>
+            </a:r>
+            <a:r>
+              <a:rPr lang="en-US" dirty="0" err="1">
+                <a:latin typeface="Courier New" panose="02070309020205020404" pitchFamily="49" charset="0"/>
+                <a:cs typeface="Courier New" panose="02070309020205020404" pitchFamily="49" charset="0"/>
+              </a:rPr>
+              <a:t>p.categoryid</a:t>
+            </a:r>
+            <a:r>
+              <a:rPr lang="en-US" dirty="0">
+                <a:latin typeface="Courier New" panose="02070309020205020404" pitchFamily="49" charset="0"/>
+                <a:cs typeface="Courier New" panose="02070309020205020404" pitchFamily="49" charset="0"/>
+              </a:rPr>
+              <a:t>)</a:t>
             </a:r>
             <a:endParaRPr lang="en-US" dirty="0"/>
           </a:p>
           <a:p>
             <a:r>
               <a:rPr lang="en-US" dirty="0"/>
-              <a:t>There are various different syntaxes to accomplish the same results</a:t>
-            </a:r>
-          </a:p>
-          <a:p>
-            <a:pPr lvl="1"/>
+              <a:t>They sort a DataFrame in ascending order or descending order if you pass the </a:t>
+            </a:r>
+            <a:r>
+              <a:rPr lang="en-US" dirty="0">
+                <a:latin typeface="Courier New" panose="02070309020205020404" pitchFamily="49" charset="0"/>
+                <a:cs typeface="Courier New" panose="02070309020205020404" pitchFamily="49" charset="0"/>
+              </a:rPr>
+              <a:t>ascending = False </a:t>
+            </a:r>
             <a:r>
               <a:rPr lang="en-US" dirty="0"/>
-              <a:t>Call the method after grouping</a:t>
+              <a:t>parameter</a:t>
             </a:r>
             <a:br>
               <a:rPr lang="en-US" dirty="0"/>
             </a:br>
             <a:r>
-              <a:rPr lang="en-US" dirty="0">
-                <a:latin typeface="Courier New" panose="02070309020205020404" pitchFamily="49" charset="0"/>
-                <a:cs typeface="Courier New" panose="02070309020205020404" pitchFamily="49" charset="0"/>
-              </a:rPr>
-              <a:t>x.max().show()</a:t>
-            </a:r>
-          </a:p>
-          <a:p>
-            <a:pPr lvl="1"/>
+              <a:rPr lang="en-US" dirty="0" err="1">
+                <a:latin typeface="Courier New" panose="02070309020205020404" pitchFamily="49" charset="0"/>
+                <a:cs typeface="Courier New" panose="02070309020205020404" pitchFamily="49" charset="0"/>
+              </a:rPr>
+              <a:t>p.sort</a:t>
+            </a:r>
+            <a:r>
+              <a:rPr lang="en-US" dirty="0">
+                <a:latin typeface="Courier New" panose="02070309020205020404" pitchFamily="49" charset="0"/>
+                <a:cs typeface="Courier New" panose="02070309020205020404" pitchFamily="49" charset="0"/>
+              </a:rPr>
+              <a:t>(</a:t>
+            </a:r>
+            <a:r>
+              <a:rPr lang="en-US" dirty="0" err="1">
+                <a:latin typeface="Courier New" panose="02070309020205020404" pitchFamily="49" charset="0"/>
+                <a:cs typeface="Courier New" panose="02070309020205020404" pitchFamily="49" charset="0"/>
+              </a:rPr>
+              <a:t>p.unitprice</a:t>
+            </a:r>
+            <a:r>
+              <a:rPr lang="en-US" dirty="0">
+                <a:latin typeface="Courier New" panose="02070309020205020404" pitchFamily="49" charset="0"/>
+                <a:cs typeface="Courier New" panose="02070309020205020404" pitchFamily="49" charset="0"/>
+              </a:rPr>
+              <a:t>, ascending = False)</a:t>
+            </a:r>
+          </a:p>
+          <a:p>
             <a:r>
               <a:rPr lang="en-US" dirty="0"/>
-              <a:t>Use the </a:t>
-            </a:r>
-            <a:r>
-              <a:rPr lang="en-US" dirty="0">
-                <a:latin typeface="Courier New" panose="02070309020205020404" pitchFamily="49" charset="0"/>
-                <a:cs typeface="Courier New" panose="02070309020205020404" pitchFamily="49" charset="0"/>
-              </a:rPr>
-              <a:t>agg</a:t>
-            </a:r>
-            <a:r>
-              <a:rPr lang="en-US" dirty="0"/>
-              <a:t> method with a dictionary</a:t>
+              <a:t>You can sort on multiple columns</a:t>
             </a:r>
             <a:br>
               <a:rPr lang="en-US" dirty="0"/>
             </a:br>
             <a:r>
-              <a:rPr lang="en-US" dirty="0">
-                <a:latin typeface="Courier New" panose="02070309020205020404" pitchFamily="49" charset="0"/>
-                <a:cs typeface="Courier New" panose="02070309020205020404" pitchFamily="49" charset="0"/>
-              </a:rPr>
-              <a:t>x.agg({'amount':'sum', 'amount':'max'}).show()</a:t>
-            </a:r>
-          </a:p>
-          <a:p>
-            <a:pPr lvl="1"/>
+              <a:rPr lang="en-US" dirty="0" err="1">
+                <a:latin typeface="Courier New" panose="02070309020205020404" pitchFamily="49" charset="0"/>
+                <a:cs typeface="Courier New" panose="02070309020205020404" pitchFamily="49" charset="0"/>
+              </a:rPr>
+              <a:t>p.orderBy</a:t>
+            </a:r>
+            <a:r>
+              <a:rPr lang="en-US" dirty="0">
+                <a:latin typeface="Courier New" panose="02070309020205020404" pitchFamily="49" charset="0"/>
+                <a:cs typeface="Courier New" panose="02070309020205020404" pitchFamily="49" charset="0"/>
+              </a:rPr>
+              <a:t>('</a:t>
+            </a:r>
+            <a:r>
+              <a:rPr lang="en-US" dirty="0" err="1">
+                <a:latin typeface="Courier New" panose="02070309020205020404" pitchFamily="49" charset="0"/>
+                <a:cs typeface="Courier New" panose="02070309020205020404" pitchFamily="49" charset="0"/>
+              </a:rPr>
+              <a:t>categoryid</a:t>
+            </a:r>
+            <a:r>
+              <a:rPr lang="en-US" dirty="0">
+                <a:latin typeface="Courier New" panose="02070309020205020404" pitchFamily="49" charset="0"/>
+                <a:cs typeface="Courier New" panose="02070309020205020404" pitchFamily="49" charset="0"/>
+              </a:rPr>
+              <a:t>', 'productid')</a:t>
+            </a:r>
+          </a:p>
+          <a:p>
             <a:r>
               <a:rPr lang="en-US" dirty="0"/>
-              <a:t>Use the </a:t>
-            </a:r>
-            <a:r>
-              <a:rPr lang="en-US" dirty="0">
-                <a:latin typeface="Courier New" panose="02070309020205020404" pitchFamily="49" charset="0"/>
-                <a:cs typeface="Courier New" panose="02070309020205020404" pitchFamily="49" charset="0"/>
-              </a:rPr>
-              <a:t>agg</a:t>
+              <a:t>Custom sort functions can use the </a:t>
+            </a:r>
+            <a:r>
+              <a:rPr lang="en-US" dirty="0">
+                <a:latin typeface="Courier New" panose="02070309020205020404" pitchFamily="49" charset="0"/>
+                <a:cs typeface="Courier New" panose="02070309020205020404" pitchFamily="49" charset="0"/>
+              </a:rPr>
+              <a:t>withColumn</a:t>
             </a:r>
             <a:r>
               <a:rPr lang="en-US" dirty="0"/>
-              <a:t> method with the function names</a:t>
+              <a:t> method</a:t>
             </a:r>
             <a:br>
               <a:rPr lang="en-US" dirty="0"/>
             </a:br>
-            <a:r>
-              <a:rPr lang="en-US" dirty="0">
-                <a:latin typeface="Courier New" panose="02070309020205020404" pitchFamily="49" charset="0"/>
-                <a:cs typeface="Courier New" panose="02070309020205020404" pitchFamily="49" charset="0"/>
-              </a:rPr>
-              <a:t>from pyspark.sql import functions as F</a:t>
-            </a:r>
-            <a:br>
-              <a:rPr lang="en-US" dirty="0">
-                <a:latin typeface="Courier New" panose="02070309020205020404" pitchFamily="49" charset="0"/>
-                <a:cs typeface="Courier New" panose="02070309020205020404" pitchFamily="49" charset="0"/>
-              </a:rPr>
-            </a:br>
-            <a:r>
-              <a:rPr lang="en-US" dirty="0">
-                <a:latin typeface="Courier New" panose="02070309020205020404" pitchFamily="49" charset="0"/>
-                <a:cs typeface="Courier New" panose="02070309020205020404" pitchFamily="49" charset="0"/>
-              </a:rPr>
-              <a:t>x.agg(F.sum('amount'), F.max('amount')).show()</a:t>
-            </a:r>
-            <a:br>
-              <a:rPr lang="en-US" dirty="0">
-                <a:latin typeface="Courier New" panose="02070309020205020404" pitchFamily="49" charset="0"/>
-                <a:cs typeface="Courier New" panose="02070309020205020404" pitchFamily="49" charset="0"/>
-              </a:rPr>
-            </a:br>
-            <a:endParaRPr lang="en-US" dirty="0"/>
+            <a:endParaRPr lang="en-US" dirty="0">
+              <a:latin typeface="Courier New" panose="02070309020205020404" pitchFamily="49" charset="0"/>
+              <a:cs typeface="Courier New" panose="02070309020205020404" pitchFamily="49" charset="0"/>
+            </a:endParaRPr>
           </a:p>
         </p:txBody>
       </p:sp>
@@ -8312,7 +8771,7 @@
           <a:p>
             <a:r>
               <a:rPr lang="en-US" dirty="0"/>
-              <a:t>Grouping and Aggregating</a:t>
+              <a:t>Sorting</a:t>
             </a:r>
           </a:p>
         </p:txBody>
@@ -8320,7 +8779,7 @@
     </p:spTree>
     <p:extLst>
       <p:ext uri="{BB962C8B-B14F-4D97-AF65-F5344CB8AC3E}">
-        <p14:creationId xmlns:p14="http://schemas.microsoft.com/office/powerpoint/2010/main" val="2762489557"/>
+        <p14:creationId xmlns:p14="http://schemas.microsoft.com/office/powerpoint/2010/main" val="1745008024"/>
       </p:ext>
     </p:extLst>
   </p:cSld>
@@ -8364,95 +8823,114 @@
           <a:p>
             <a:r>
               <a:rPr lang="en-US" dirty="0"/>
-              <a:t>There are many file formats directly supported for reading and writing</a:t>
-            </a:r>
-          </a:p>
-          <a:p>
-            <a:pPr lvl="1"/>
-            <a:r>
-              <a:rPr lang="en-US" dirty="0">
-                <a:latin typeface="Courier New" panose="02070309020205020404" pitchFamily="49" charset="0"/>
-                <a:cs typeface="Courier New" panose="02070309020205020404" pitchFamily="49" charset="0"/>
-              </a:rPr>
-              <a:t>csv</a:t>
-            </a:r>
-          </a:p>
-          <a:p>
-            <a:pPr lvl="1"/>
-            <a:r>
-              <a:rPr lang="en-US" dirty="0">
-                <a:latin typeface="Courier New" panose="02070309020205020404" pitchFamily="49" charset="0"/>
-                <a:cs typeface="Courier New" panose="02070309020205020404" pitchFamily="49" charset="0"/>
-              </a:rPr>
-              <a:t>json</a:t>
-            </a:r>
-          </a:p>
-          <a:p>
-            <a:pPr lvl="1"/>
-            <a:r>
-              <a:rPr lang="en-US" dirty="0">
-                <a:latin typeface="Courier New" panose="02070309020205020404" pitchFamily="49" charset="0"/>
-                <a:cs typeface="Courier New" panose="02070309020205020404" pitchFamily="49" charset="0"/>
-              </a:rPr>
-              <a:t>orc</a:t>
-            </a:r>
-          </a:p>
-          <a:p>
-            <a:pPr lvl="1"/>
-            <a:r>
-              <a:rPr lang="en-US" dirty="0">
-                <a:latin typeface="Courier New" panose="02070309020205020404" pitchFamily="49" charset="0"/>
-                <a:cs typeface="Courier New" panose="02070309020205020404" pitchFamily="49" charset="0"/>
-              </a:rPr>
-              <a:t>parquet</a:t>
-            </a:r>
-          </a:p>
-          <a:p>
-            <a:pPr lvl="1"/>
-            <a:r>
-              <a:rPr lang="en-US" dirty="0">
-                <a:latin typeface="Courier New" panose="02070309020205020404" pitchFamily="49" charset="0"/>
-                <a:cs typeface="Courier New" panose="02070309020205020404" pitchFamily="49" charset="0"/>
-              </a:rPr>
-              <a:t>jdbc</a:t>
-            </a:r>
-          </a:p>
-          <a:p>
-            <a:r>
+              <a:t>New columns can be added to a DataFrame</a:t>
+            </a:r>
+            <a:br>
               <a:rPr lang="en-US" dirty="0"/>
-              <a:t>Other formats can be loaded using custom Java classes</a:t>
-            </a:r>
-          </a:p>
-          <a:p>
-            <a:pPr lvl="1"/>
-            <a:r>
+            </a:br>
+            <a:br>
               <a:rPr lang="en-US" dirty="0"/>
-              <a:t>Cassandra</a:t>
-            </a:r>
-          </a:p>
-          <a:p>
-            <a:pPr lvl="1"/>
+            </a:br>
+            <a:r>
+              <a:rPr lang="en-US" dirty="0">
+                <a:latin typeface="Courier New" panose="02070309020205020404" pitchFamily="49" charset="0"/>
+                <a:cs typeface="Courier New" panose="02070309020205020404" pitchFamily="49" charset="0"/>
+              </a:rPr>
+              <a:t>prod2 = </a:t>
+            </a:r>
+            <a:r>
+              <a:rPr lang="en-US" dirty="0" err="1">
+                <a:latin typeface="Courier New" panose="02070309020205020404" pitchFamily="49" charset="0"/>
+                <a:cs typeface="Courier New" panose="02070309020205020404" pitchFamily="49" charset="0"/>
+              </a:rPr>
+              <a:t>prod.withColumn</a:t>
+            </a:r>
+            <a:r>
+              <a:rPr lang="en-US" dirty="0">
+                <a:latin typeface="Courier New" panose="02070309020205020404" pitchFamily="49" charset="0"/>
+                <a:cs typeface="Courier New" panose="02070309020205020404" pitchFamily="49" charset="0"/>
+              </a:rPr>
+              <a:t>('value', </a:t>
+            </a:r>
+            <a:r>
+              <a:rPr lang="en-US" dirty="0" err="1">
+                <a:latin typeface="Courier New" panose="02070309020205020404" pitchFamily="49" charset="0"/>
+                <a:cs typeface="Courier New" panose="02070309020205020404" pitchFamily="49" charset="0"/>
+              </a:rPr>
+              <a:t>prod.unitprice</a:t>
+            </a:r>
+            <a:r>
+              <a:rPr lang="en-US" dirty="0">
+                <a:latin typeface="Courier New" panose="02070309020205020404" pitchFamily="49" charset="0"/>
+                <a:cs typeface="Courier New" panose="02070309020205020404" pitchFamily="49" charset="0"/>
+              </a:rPr>
+              <a:t> * </a:t>
+            </a:r>
+            <a:r>
+              <a:rPr lang="en-US" dirty="0" err="1">
+                <a:latin typeface="Courier New" panose="02070309020205020404" pitchFamily="49" charset="0"/>
+                <a:cs typeface="Courier New" panose="02070309020205020404" pitchFamily="49" charset="0"/>
+              </a:rPr>
+              <a:t>prod.unitsinstock</a:t>
+            </a:r>
+            <a:r>
+              <a:rPr lang="en-US" dirty="0">
+                <a:latin typeface="Courier New" panose="02070309020205020404" pitchFamily="49" charset="0"/>
+                <a:cs typeface="Courier New" panose="02070309020205020404" pitchFamily="49" charset="0"/>
+              </a:rPr>
+              <a:t>)</a:t>
+            </a:r>
+            <a:br>
+              <a:rPr lang="en-US" dirty="0">
+                <a:latin typeface="Courier New" panose="02070309020205020404" pitchFamily="49" charset="0"/>
+                <a:cs typeface="Courier New" panose="02070309020205020404" pitchFamily="49" charset="0"/>
+              </a:rPr>
+            </a:br>
+            <a:endParaRPr lang="en-US" dirty="0">
+              <a:latin typeface="Courier New" panose="02070309020205020404" pitchFamily="49" charset="0"/>
+              <a:cs typeface="Courier New" panose="02070309020205020404" pitchFamily="49" charset="0"/>
+            </a:endParaRPr>
+          </a:p>
+          <a:p>
             <a:r>
               <a:rPr lang="en-US" dirty="0"/>
-              <a:t>Mongo</a:t>
-            </a:r>
-          </a:p>
-          <a:p>
-            <a:pPr lvl="1"/>
-            <a:r>
-              <a:rPr lang="en-US" dirty="0"/>
-              <a:t>HBase</a:t>
-            </a:r>
-          </a:p>
-          <a:p>
-            <a:pPr lvl="1"/>
-            <a:r>
-              <a:rPr lang="en-US" dirty="0"/>
-              <a:t>AVRO</a:t>
-            </a:r>
-          </a:p>
-          <a:p>
-            <a:endParaRPr lang="en-US" dirty="0"/>
+              <a:t>Columns can be removed when not needed</a:t>
+            </a:r>
+          </a:p>
+          <a:p>
+            <a:pPr marL="228600" lvl="1" indent="0">
+              <a:buNone/>
+            </a:pPr>
+            <a:endParaRPr lang="en-US" dirty="0">
+              <a:latin typeface="Courier New" panose="02070309020205020404" pitchFamily="49" charset="0"/>
+              <a:cs typeface="Courier New" panose="02070309020205020404" pitchFamily="49" charset="0"/>
+            </a:endParaRPr>
+          </a:p>
+          <a:p>
+            <a:pPr marL="228600" lvl="1" indent="0">
+              <a:buNone/>
+            </a:pPr>
+            <a:r>
+              <a:rPr lang="en-US" dirty="0">
+                <a:latin typeface="Courier New" panose="02070309020205020404" pitchFamily="49" charset="0"/>
+                <a:cs typeface="Courier New" panose="02070309020205020404" pitchFamily="49" charset="0"/>
+              </a:rPr>
+              <a:t>prod2 = prod2.drop('</a:t>
+            </a:r>
+            <a:r>
+              <a:rPr lang="en-US" dirty="0" err="1">
+                <a:latin typeface="Courier New" panose="02070309020205020404" pitchFamily="49" charset="0"/>
+                <a:cs typeface="Courier New" panose="02070309020205020404" pitchFamily="49" charset="0"/>
+              </a:rPr>
+              <a:t>quantityperunit</a:t>
+            </a:r>
+            <a:r>
+              <a:rPr lang="en-US" dirty="0">
+                <a:latin typeface="Courier New" panose="02070309020205020404" pitchFamily="49" charset="0"/>
+                <a:cs typeface="Courier New" panose="02070309020205020404" pitchFamily="49" charset="0"/>
+              </a:rPr>
+              <a:t>')</a:t>
+            </a:r>
           </a:p>
         </p:txBody>
       </p:sp>
@@ -8473,7 +8951,7 @@
           <a:p>
             <a:r>
               <a:rPr lang="en-US" dirty="0"/>
-              <a:t>Reading Files</a:t>
+              <a:t>Calculated Columns</a:t>
             </a:r>
           </a:p>
         </p:txBody>
@@ -8481,7 +8959,7 @@
     </p:spTree>
     <p:extLst>
       <p:ext uri="{BB962C8B-B14F-4D97-AF65-F5344CB8AC3E}">
-        <p14:creationId xmlns:p14="http://schemas.microsoft.com/office/powerpoint/2010/main" val="856217166"/>
+        <p14:creationId xmlns:p14="http://schemas.microsoft.com/office/powerpoint/2010/main" val="2611173546"/>
       </p:ext>
     </p:extLst>
   </p:cSld>
@@ -8525,71 +9003,70 @@
           <a:p>
             <a:r>
               <a:rPr lang="en-US" dirty="0"/>
-              <a:t>There are many different syntaxes that you will see but they all do the same thing</a:t>
-            </a:r>
-          </a:p>
-          <a:p>
+              <a:t>DataFrames can be filtered like a SQL table using either the </a:t>
+            </a:r>
+            <a:r>
+              <a:rPr lang="en-US" dirty="0">
+                <a:latin typeface="Courier New" panose="02070309020205020404" pitchFamily="49" charset="0"/>
+                <a:cs typeface="Courier New" panose="02070309020205020404" pitchFamily="49" charset="0"/>
+              </a:rPr>
+              <a:t>filter</a:t>
+            </a:r>
             <a:r>
               <a:rPr lang="en-US" dirty="0"/>
-              <a:t>The </a:t>
-            </a:r>
-            <a:r>
-              <a:rPr lang="en-US" dirty="0">
-                <a:latin typeface="Courier New" panose="02070309020205020404" pitchFamily="49" charset="0"/>
-                <a:cs typeface="Courier New" panose="02070309020205020404" pitchFamily="49" charset="0"/>
-              </a:rPr>
-              <a:t>sep</a:t>
+              <a:t> or </a:t>
+            </a:r>
+            <a:r>
+              <a:rPr lang="en-US" dirty="0">
+                <a:latin typeface="Courier New" panose="02070309020205020404" pitchFamily="49" charset="0"/>
+                <a:cs typeface="Courier New" panose="02070309020205020404" pitchFamily="49" charset="0"/>
+              </a:rPr>
+              <a:t>where</a:t>
             </a:r>
             <a:r>
               <a:rPr lang="en-US" dirty="0"/>
-              <a:t> parameter can also be used to indicate different separators like </a:t>
-            </a:r>
-            <a:r>
-              <a:rPr lang="en-US" dirty="0">
-                <a:latin typeface="Courier New" panose="02070309020205020404" pitchFamily="49" charset="0"/>
-                <a:cs typeface="Courier New" panose="02070309020205020404" pitchFamily="49" charset="0"/>
-              </a:rPr>
-              <a:t>\t</a:t>
-            </a:r>
+              <a:t> method</a:t>
+            </a:r>
+          </a:p>
+          <a:p>
+            <a:pPr lvl="1"/>
             <a:r>
               <a:rPr lang="en-US" dirty="0"/>
-              <a:t> for tab</a:t>
-            </a:r>
-          </a:p>
-          <a:p>
-            <a:pPr marL="228600" lvl="1" indent="0">
-              <a:buNone/>
-            </a:pPr>
+              <a:t>They are the exact same method with different aliases</a:t>
+            </a:r>
             <a:br>
-              <a:rPr lang="en-US" dirty="0">
-                <a:latin typeface="Courier New" panose="02070309020205020404" pitchFamily="49" charset="0"/>
-                <a:cs typeface="Courier New" panose="02070309020205020404" pitchFamily="49" charset="0"/>
-              </a:rPr>
+              <a:rPr lang="en-US" dirty="0"/>
             </a:br>
-            <a:r>
-              <a:rPr lang="en-US" dirty="0">
-                <a:latin typeface="Courier New" panose="02070309020205020404" pitchFamily="49" charset="0"/>
-                <a:cs typeface="Courier New" panose="02070309020205020404" pitchFamily="49" charset="0"/>
-              </a:rPr>
-              <a:t>filename = '/class/datasets/finance/CreditCard.csv'</a:t>
-            </a:r>
-          </a:p>
-          <a:p>
-            <a:pPr marL="228600" lvl="1" indent="0">
-              <a:buNone/>
-            </a:pPr>
             <a:br>
-              <a:rPr lang="en-US" dirty="0">
-                <a:latin typeface="Courier New" panose="02070309020205020404" pitchFamily="49" charset="0"/>
-                <a:cs typeface="Courier New" panose="02070309020205020404" pitchFamily="49" charset="0"/>
-              </a:rPr>
+              <a:rPr lang="en-US" dirty="0"/>
             </a:br>
             <a:r>
-              <a:rPr lang="en-US" dirty="0">
-                <a:latin typeface="Courier New" panose="02070309020205020404" pitchFamily="49" charset="0"/>
-                <a:cs typeface="Courier New" panose="02070309020205020404" pitchFamily="49" charset="0"/>
-              </a:rPr>
-              <a:t>df4 = spark.read.load(filename, format = 'csv', </a:t>
+              <a:rPr lang="en-US" dirty="0" err="1">
+                <a:latin typeface="Courier New" panose="02070309020205020404" pitchFamily="49" charset="0"/>
+                <a:cs typeface="Courier New" panose="02070309020205020404" pitchFamily="49" charset="0"/>
+              </a:rPr>
+              <a:t>p.filter</a:t>
+            </a:r>
+            <a:r>
+              <a:rPr lang="en-US" dirty="0">
+                <a:latin typeface="Courier New" panose="02070309020205020404" pitchFamily="49" charset="0"/>
+                <a:cs typeface="Courier New" panose="02070309020205020404" pitchFamily="49" charset="0"/>
+              </a:rPr>
+              <a:t>(</a:t>
+            </a:r>
+            <a:r>
+              <a:rPr lang="en-US" dirty="0" err="1">
+                <a:latin typeface="Courier New" panose="02070309020205020404" pitchFamily="49" charset="0"/>
+                <a:cs typeface="Courier New" panose="02070309020205020404" pitchFamily="49" charset="0"/>
+              </a:rPr>
+              <a:t>p.unitprice</a:t>
+            </a:r>
+            <a:r>
+              <a:rPr lang="en-US" dirty="0">
+                <a:latin typeface="Courier New" panose="02070309020205020404" pitchFamily="49" charset="0"/>
+                <a:cs typeface="Courier New" panose="02070309020205020404" pitchFamily="49" charset="0"/>
+              </a:rPr>
+              <a:t> &gt; 100)</a:t>
             </a:r>
             <a:br>
               <a:rPr lang="en-US" dirty="0">
@@ -8597,100 +9074,282 @@
                 <a:cs typeface="Courier New" panose="02070309020205020404" pitchFamily="49" charset="0"/>
               </a:rPr>
             </a:br>
-            <a:r>
-              <a:rPr lang="en-US" dirty="0">
-                <a:latin typeface="Courier New" panose="02070309020205020404" pitchFamily="49" charset="0"/>
-                <a:cs typeface="Courier New" panose="02070309020205020404" pitchFamily="49" charset="0"/>
-              </a:rPr>
-              <a:t>  sep = ',', inferSchema = True, header = True)</a:t>
-            </a:r>
             <a:br>
               <a:rPr lang="en-US" dirty="0">
                 <a:latin typeface="Courier New" panose="02070309020205020404" pitchFamily="49" charset="0"/>
                 <a:cs typeface="Courier New" panose="02070309020205020404" pitchFamily="49" charset="0"/>
               </a:rPr>
             </a:br>
+            <a:r>
+              <a:rPr lang="en-US" dirty="0" err="1">
+                <a:latin typeface="Courier New" panose="02070309020205020404" pitchFamily="49" charset="0"/>
+                <a:cs typeface="Courier New" panose="02070309020205020404" pitchFamily="49" charset="0"/>
+              </a:rPr>
+              <a:t>p.filter</a:t>
+            </a:r>
+            <a:r>
+              <a:rPr lang="en-US" dirty="0">
+                <a:latin typeface="Courier New" panose="02070309020205020404" pitchFamily="49" charset="0"/>
+                <a:cs typeface="Courier New" panose="02070309020205020404" pitchFamily="49" charset="0"/>
+              </a:rPr>
+              <a:t>('</a:t>
+            </a:r>
+            <a:r>
+              <a:rPr lang="en-US" dirty="0" err="1">
+                <a:latin typeface="Courier New" panose="02070309020205020404" pitchFamily="49" charset="0"/>
+                <a:cs typeface="Courier New" panose="02070309020205020404" pitchFamily="49" charset="0"/>
+              </a:rPr>
+              <a:t>unitprice</a:t>
+            </a:r>
+            <a:r>
+              <a:rPr lang="en-US" dirty="0">
+                <a:latin typeface="Courier New" panose="02070309020205020404" pitchFamily="49" charset="0"/>
+                <a:cs typeface="Courier New" panose="02070309020205020404" pitchFamily="49" charset="0"/>
+              </a:rPr>
+              <a:t> &gt; 100')</a:t>
+            </a:r>
+            <a:br>
+              <a:rPr lang="en-US" dirty="0">
+                <a:latin typeface="Courier New" panose="02070309020205020404" pitchFamily="49" charset="0"/>
+                <a:cs typeface="Courier New" panose="02070309020205020404" pitchFamily="49" charset="0"/>
+              </a:rPr>
+            </a:br>
+            <a:br>
+              <a:rPr lang="en-US" dirty="0">
+                <a:latin typeface="Courier New" panose="02070309020205020404" pitchFamily="49" charset="0"/>
+                <a:cs typeface="Courier New" panose="02070309020205020404" pitchFamily="49" charset="0"/>
+              </a:rPr>
+            </a:br>
+            <a:r>
+              <a:rPr lang="en-US" dirty="0" err="1">
+                <a:latin typeface="Courier New" panose="02070309020205020404" pitchFamily="49" charset="0"/>
+                <a:cs typeface="Courier New" panose="02070309020205020404" pitchFamily="49" charset="0"/>
+              </a:rPr>
+              <a:t>p.where</a:t>
+            </a:r>
+            <a:r>
+              <a:rPr lang="en-US" dirty="0">
+                <a:latin typeface="Courier New" panose="02070309020205020404" pitchFamily="49" charset="0"/>
+                <a:cs typeface="Courier New" panose="02070309020205020404" pitchFamily="49" charset="0"/>
+              </a:rPr>
+              <a:t>(</a:t>
+            </a:r>
+            <a:r>
+              <a:rPr lang="en-US" dirty="0" err="1">
+                <a:latin typeface="Courier New" panose="02070309020205020404" pitchFamily="49" charset="0"/>
+                <a:cs typeface="Courier New" panose="02070309020205020404" pitchFamily="49" charset="0"/>
+              </a:rPr>
+              <a:t>p.categoryid</a:t>
+            </a:r>
+            <a:r>
+              <a:rPr lang="en-US" dirty="0">
+                <a:latin typeface="Courier New" panose="02070309020205020404" pitchFamily="49" charset="0"/>
+                <a:cs typeface="Courier New" panose="02070309020205020404" pitchFamily="49" charset="0"/>
+              </a:rPr>
+              <a:t> == 2)</a:t>
+            </a:r>
+            <a:br>
+              <a:rPr lang="en-US" dirty="0">
+                <a:latin typeface="Courier New" panose="02070309020205020404" pitchFamily="49" charset="0"/>
+                <a:cs typeface="Courier New" panose="02070309020205020404" pitchFamily="49" charset="0"/>
+              </a:rPr>
+            </a:br>
+            <a:br>
+              <a:rPr lang="en-US" dirty="0">
+                <a:latin typeface="Courier New" panose="02070309020205020404" pitchFamily="49" charset="0"/>
+                <a:cs typeface="Courier New" panose="02070309020205020404" pitchFamily="49" charset="0"/>
+              </a:rPr>
+            </a:br>
+            <a:r>
+              <a:rPr lang="en-US" dirty="0" err="1">
+                <a:latin typeface="Courier New" panose="02070309020205020404" pitchFamily="49" charset="0"/>
+                <a:cs typeface="Courier New" panose="02070309020205020404" pitchFamily="49" charset="0"/>
+              </a:rPr>
+              <a:t>p.where</a:t>
+            </a:r>
+            <a:r>
+              <a:rPr lang="en-US" dirty="0">
+                <a:latin typeface="Courier New" panose="02070309020205020404" pitchFamily="49" charset="0"/>
+                <a:cs typeface="Courier New" panose="02070309020205020404" pitchFamily="49" charset="0"/>
+              </a:rPr>
+              <a:t>('</a:t>
+            </a:r>
+            <a:r>
+              <a:rPr lang="en-US" dirty="0" err="1">
+                <a:latin typeface="Courier New" panose="02070309020205020404" pitchFamily="49" charset="0"/>
+                <a:cs typeface="Courier New" panose="02070309020205020404" pitchFamily="49" charset="0"/>
+              </a:rPr>
+              <a:t>categoryid</a:t>
+            </a:r>
+            <a:r>
+              <a:rPr lang="en-US" dirty="0">
+                <a:latin typeface="Courier New" panose="02070309020205020404" pitchFamily="49" charset="0"/>
+                <a:cs typeface="Courier New" panose="02070309020205020404" pitchFamily="49" charset="0"/>
+              </a:rPr>
+              <a:t> = 2')</a:t>
+            </a:r>
+            <a:br>
+              <a:rPr lang="en-US" dirty="0">
+                <a:latin typeface="Courier New" panose="02070309020205020404" pitchFamily="49" charset="0"/>
+                <a:cs typeface="Courier New" panose="02070309020205020404" pitchFamily="49" charset="0"/>
+              </a:rPr>
+            </a:br>
+            <a:br>
+              <a:rPr lang="en-US" dirty="0">
+                <a:latin typeface="Courier New" panose="02070309020205020404" pitchFamily="49" charset="0"/>
+                <a:cs typeface="Courier New" panose="02070309020205020404" pitchFamily="49" charset="0"/>
+              </a:rPr>
+            </a:br>
+            <a:r>
+              <a:rPr lang="en-US" dirty="0" err="1">
+                <a:latin typeface="Courier New" panose="02070309020205020404" pitchFamily="49" charset="0"/>
+                <a:cs typeface="Courier New" panose="02070309020205020404" pitchFamily="49" charset="0"/>
+              </a:rPr>
+              <a:t>p.where</a:t>
+            </a:r>
+            <a:r>
+              <a:rPr lang="en-US" dirty="0">
+                <a:latin typeface="Courier New" panose="02070309020205020404" pitchFamily="49" charset="0"/>
+                <a:cs typeface="Courier New" panose="02070309020205020404" pitchFamily="49" charset="0"/>
+              </a:rPr>
+              <a:t>('</a:t>
+            </a:r>
+            <a:r>
+              <a:rPr lang="en-US" dirty="0" err="1">
+                <a:latin typeface="Courier New" panose="02070309020205020404" pitchFamily="49" charset="0"/>
+                <a:cs typeface="Courier New" panose="02070309020205020404" pitchFamily="49" charset="0"/>
+              </a:rPr>
+              <a:t>unitprice</a:t>
+            </a:r>
+            <a:r>
+              <a:rPr lang="en-US" dirty="0">
+                <a:latin typeface="Courier New" panose="02070309020205020404" pitchFamily="49" charset="0"/>
+                <a:cs typeface="Courier New" panose="02070309020205020404" pitchFamily="49" charset="0"/>
+              </a:rPr>
+              <a:t> &gt;=50 and </a:t>
+            </a:r>
+            <a:r>
+              <a:rPr lang="en-US" dirty="0" err="1">
+                <a:latin typeface="Courier New" panose="02070309020205020404" pitchFamily="49" charset="0"/>
+                <a:cs typeface="Courier New" panose="02070309020205020404" pitchFamily="49" charset="0"/>
+              </a:rPr>
+              <a:t>unitprice</a:t>
+            </a:r>
+            <a:r>
+              <a:rPr lang="en-US" dirty="0">
+                <a:latin typeface="Courier New" panose="02070309020205020404" pitchFamily="49" charset="0"/>
+                <a:cs typeface="Courier New" panose="02070309020205020404" pitchFamily="49" charset="0"/>
+              </a:rPr>
+              <a:t> &lt;= 100'))</a:t>
+            </a:r>
+            <a:br>
+              <a:rPr lang="en-US" dirty="0">
+                <a:latin typeface="Courier New" panose="02070309020205020404" pitchFamily="49" charset="0"/>
+                <a:cs typeface="Courier New" panose="02070309020205020404" pitchFamily="49" charset="0"/>
+              </a:rPr>
+            </a:br>
+            <a:br>
+              <a:rPr lang="en-US" dirty="0">
+                <a:latin typeface="Courier New" panose="02070309020205020404" pitchFamily="49" charset="0"/>
+                <a:cs typeface="Courier New" panose="02070309020205020404" pitchFamily="49" charset="0"/>
+              </a:rPr>
+            </a:br>
+            <a:r>
+              <a:rPr lang="en-US" dirty="0" err="1">
+                <a:latin typeface="Courier New" panose="02070309020205020404" pitchFamily="49" charset="0"/>
+                <a:cs typeface="Courier New" panose="02070309020205020404" pitchFamily="49" charset="0"/>
+              </a:rPr>
+              <a:t>p.where</a:t>
+            </a:r>
+            <a:r>
+              <a:rPr lang="en-US" dirty="0">
+                <a:latin typeface="Courier New" panose="02070309020205020404" pitchFamily="49" charset="0"/>
+                <a:cs typeface="Courier New" panose="02070309020205020404" pitchFamily="49" charset="0"/>
+              </a:rPr>
+              <a:t>('</a:t>
+            </a:r>
+            <a:r>
+              <a:rPr lang="en-US" dirty="0" err="1">
+                <a:latin typeface="Courier New" panose="02070309020205020404" pitchFamily="49" charset="0"/>
+                <a:cs typeface="Courier New" panose="02070309020205020404" pitchFamily="49" charset="0"/>
+              </a:rPr>
+              <a:t>unitprice</a:t>
+            </a:r>
+            <a:r>
+              <a:rPr lang="en-US" dirty="0">
+                <a:latin typeface="Courier New" panose="02070309020205020404" pitchFamily="49" charset="0"/>
+                <a:cs typeface="Courier New" panose="02070309020205020404" pitchFamily="49" charset="0"/>
+              </a:rPr>
+              <a:t> between 50 and 100')</a:t>
+            </a:r>
+            <a:br>
+              <a:rPr lang="en-US" dirty="0">
+                <a:latin typeface="Courier New" panose="02070309020205020404" pitchFamily="49" charset="0"/>
+                <a:cs typeface="Courier New" panose="02070309020205020404" pitchFamily="49" charset="0"/>
+              </a:rPr>
+            </a:br>
+            <a:br>
+              <a:rPr lang="en-US" dirty="0">
+                <a:latin typeface="Courier New" panose="02070309020205020404" pitchFamily="49" charset="0"/>
+                <a:cs typeface="Courier New" panose="02070309020205020404" pitchFamily="49" charset="0"/>
+              </a:rPr>
+            </a:br>
+            <a:r>
+              <a:rPr lang="en-US" dirty="0" err="1">
+                <a:latin typeface="Courier New" panose="02070309020205020404" pitchFamily="49" charset="0"/>
+                <a:cs typeface="Courier New" panose="02070309020205020404" pitchFamily="49" charset="0"/>
+              </a:rPr>
+              <a:t>p.where</a:t>
+            </a:r>
+            <a:r>
+              <a:rPr lang="en-US" dirty="0">
+                <a:latin typeface="Courier New" panose="02070309020205020404" pitchFamily="49" charset="0"/>
+                <a:cs typeface="Courier New" panose="02070309020205020404" pitchFamily="49" charset="0"/>
+              </a:rPr>
+              <a:t>((</a:t>
+            </a:r>
+            <a:r>
+              <a:rPr lang="en-US" dirty="0" err="1">
+                <a:latin typeface="Courier New" panose="02070309020205020404" pitchFamily="49" charset="0"/>
+                <a:cs typeface="Courier New" panose="02070309020205020404" pitchFamily="49" charset="0"/>
+              </a:rPr>
+              <a:t>p.unitprice</a:t>
+            </a:r>
+            <a:r>
+              <a:rPr lang="en-US" dirty="0">
+                <a:latin typeface="Courier New" panose="02070309020205020404" pitchFamily="49" charset="0"/>
+                <a:cs typeface="Courier New" panose="02070309020205020404" pitchFamily="49" charset="0"/>
+              </a:rPr>
+              <a:t> &gt;=50) &amp; (</a:t>
+            </a:r>
+            <a:r>
+              <a:rPr lang="en-US" dirty="0" err="1">
+                <a:latin typeface="Courier New" panose="02070309020205020404" pitchFamily="49" charset="0"/>
+                <a:cs typeface="Courier New" panose="02070309020205020404" pitchFamily="49" charset="0"/>
+              </a:rPr>
+              <a:t>p.unitprice</a:t>
+            </a:r>
+            <a:r>
+              <a:rPr lang="en-US" dirty="0">
+                <a:latin typeface="Courier New" panose="02070309020205020404" pitchFamily="49" charset="0"/>
+                <a:cs typeface="Courier New" panose="02070309020205020404" pitchFamily="49" charset="0"/>
+              </a:rPr>
+              <a:t> &lt;= 100))</a:t>
+            </a:r>
+          </a:p>
+          <a:p>
+            <a:pPr lvl="1"/>
             <a:endParaRPr lang="en-US" dirty="0">
               <a:latin typeface="Courier New" panose="02070309020205020404" pitchFamily="49" charset="0"/>
               <a:cs typeface="Courier New" panose="02070309020205020404" pitchFamily="49" charset="0"/>
             </a:endParaRPr>
           </a:p>
           <a:p>
-            <a:pPr marL="228600" lvl="1" indent="0">
-              <a:buNone/>
-            </a:pPr>
-            <a:r>
-              <a:rPr lang="en-US" dirty="0">
-                <a:latin typeface="Courier New" panose="02070309020205020404" pitchFamily="49" charset="0"/>
-                <a:cs typeface="Courier New" panose="02070309020205020404" pitchFamily="49" charset="0"/>
-              </a:rPr>
-              <a:t>df4 = spark.read.format('csv').option('header','true').</a:t>
-            </a:r>
-            <a:br>
-              <a:rPr lang="en-US" dirty="0">
-                <a:latin typeface="Courier New" panose="02070309020205020404" pitchFamily="49" charset="0"/>
-                <a:cs typeface="Courier New" panose="02070309020205020404" pitchFamily="49" charset="0"/>
-              </a:rPr>
-            </a:br>
-            <a:r>
-              <a:rPr lang="en-US" dirty="0">
-                <a:latin typeface="Courier New" panose="02070309020205020404" pitchFamily="49" charset="0"/>
-                <a:cs typeface="Courier New" panose="02070309020205020404" pitchFamily="49" charset="0"/>
-              </a:rPr>
-              <a:t>  option('inferSchema','true').load(filename)</a:t>
-            </a:r>
-          </a:p>
-          <a:p>
-            <a:pPr marL="228600" lvl="1" indent="0">
-              <a:buNone/>
-            </a:pPr>
-            <a:br>
-              <a:rPr lang="en-US" dirty="0">
-                <a:latin typeface="Courier New" panose="02070309020205020404" pitchFamily="49" charset="0"/>
-                <a:cs typeface="Courier New" panose="02070309020205020404" pitchFamily="49" charset="0"/>
-              </a:rPr>
-            </a:br>
-            <a:r>
-              <a:rPr lang="en-US" dirty="0">
-                <a:latin typeface="Courier New" panose="02070309020205020404" pitchFamily="49" charset="0"/>
-                <a:cs typeface="Courier New" panose="02070309020205020404" pitchFamily="49" charset="0"/>
-              </a:rPr>
-              <a:t>df4 = spark.read.csv(filename, header = True,</a:t>
-            </a:r>
-            <a:br>
-              <a:rPr lang="en-US" dirty="0">
-                <a:latin typeface="Courier New" panose="02070309020205020404" pitchFamily="49" charset="0"/>
-                <a:cs typeface="Courier New" panose="02070309020205020404" pitchFamily="49" charset="0"/>
-              </a:rPr>
-            </a:br>
-            <a:r>
-              <a:rPr lang="en-US" dirty="0">
-                <a:latin typeface="Courier New" panose="02070309020205020404" pitchFamily="49" charset="0"/>
-                <a:cs typeface="Courier New" panose="02070309020205020404" pitchFamily="49" charset="0"/>
-              </a:rPr>
-              <a:t>  inferSchema = True)</a:t>
-            </a:r>
-          </a:p>
-          <a:p>
-            <a:pPr marL="228600" lvl="1" indent="0">
-              <a:buNone/>
-            </a:pPr>
+            <a:pPr lvl="1"/>
             <a:endParaRPr lang="en-US" dirty="0">
               <a:latin typeface="Courier New" panose="02070309020205020404" pitchFamily="49" charset="0"/>
               <a:cs typeface="Courier New" panose="02070309020205020404" pitchFamily="49" charset="0"/>
             </a:endParaRPr>
-          </a:p>
-          <a:p>
-            <a:pPr marL="228600" lvl="1" indent="0">
-              <a:buNone/>
-            </a:pPr>
-            <a:endParaRPr lang="en-US" dirty="0">
-              <a:latin typeface="Courier New" panose="02070309020205020404" pitchFamily="49" charset="0"/>
-              <a:cs typeface="Courier New" panose="02070309020205020404" pitchFamily="49" charset="0"/>
-            </a:endParaRPr>
-          </a:p>
-          <a:p>
-            <a:endParaRPr lang="en-US" dirty="0"/>
           </a:p>
         </p:txBody>
       </p:sp>
@@ -8711,7 +9370,7 @@
           <a:p>
             <a:r>
               <a:rPr lang="en-US" dirty="0"/>
-              <a:t>Reading CSV Files</a:t>
+              <a:t>Filtering Data</a:t>
             </a:r>
           </a:p>
         </p:txBody>
@@ -8719,7 +9378,7 @@
     </p:spTree>
     <p:extLst>
       <p:ext uri="{BB962C8B-B14F-4D97-AF65-F5344CB8AC3E}">
-        <p14:creationId xmlns:p14="http://schemas.microsoft.com/office/powerpoint/2010/main" val="926687632"/>
+        <p14:creationId xmlns:p14="http://schemas.microsoft.com/office/powerpoint/2010/main" val="1639812335"/>
       </p:ext>
     </p:extLst>
   </p:cSld>
@@ -8756,36 +9415,14 @@
             <p:ph idx="1"/>
           </p:nvPr>
         </p:nvSpPr>
-        <p:spPr>
-          <a:xfrm>
-            <a:off x="581025" y="1155614"/>
-            <a:ext cx="8402554" cy="5072616"/>
-          </a:xfrm>
-        </p:spPr>
+        <p:spPr/>
         <p:txBody>
           <a:bodyPr/>
           <a:lstStyle/>
           <a:p>
             <a:r>
               <a:rPr lang="en-US" dirty="0"/>
-              <a:t>The write method on a DataFrame can be used just like the </a:t>
-            </a:r>
-            <a:r>
-              <a:rPr lang="en-US" dirty="0">
-                <a:latin typeface="Courier New" panose="02070309020205020404" pitchFamily="49" charset="0"/>
-                <a:cs typeface="Courier New" panose="02070309020205020404" pitchFamily="49" charset="0"/>
-              </a:rPr>
-              <a:t>read</a:t>
-            </a:r>
-            <a:r>
-              <a:rPr lang="en-US" dirty="0"/>
-              <a:t> function using many different options</a:t>
-            </a:r>
-          </a:p>
-          <a:p>
-            <a:r>
-              <a:rPr lang="en-US" dirty="0"/>
-              <a:t>Some options are built-in such as:</a:t>
+              <a:t>DataFrames can be joined to other DataFrames just as you would in SQL and all the expected types are supported</a:t>
             </a:r>
           </a:p>
           <a:p>
@@ -8795,7 +9432,7 @@
                 <a:latin typeface="Courier New" panose="02070309020205020404" pitchFamily="49" charset="0"/>
                 <a:cs typeface="Courier New" panose="02070309020205020404" pitchFamily="49" charset="0"/>
               </a:rPr>
-              <a:t>jdbc</a:t>
+              <a:t>INNER</a:t>
             </a:r>
           </a:p>
           <a:p>
@@ -8805,7 +9442,7 @@
                 <a:latin typeface="Courier New" panose="02070309020205020404" pitchFamily="49" charset="0"/>
                 <a:cs typeface="Courier New" panose="02070309020205020404" pitchFamily="49" charset="0"/>
               </a:rPr>
-              <a:t>json spark.read.json(filename)df.write.json(file)</a:t>
+              <a:t>LEFT</a:t>
             </a:r>
           </a:p>
           <a:p>
@@ -8815,7 +9452,7 @@
                 <a:latin typeface="Courier New" panose="02070309020205020404" pitchFamily="49" charset="0"/>
                 <a:cs typeface="Courier New" panose="02070309020205020404" pitchFamily="49" charset="0"/>
               </a:rPr>
-              <a:t>orc  spark.read.orc(filename) df.write.orc(file)</a:t>
+              <a:t>RIGHT</a:t>
             </a:r>
           </a:p>
           <a:p>
@@ -8825,47 +9462,19 @@
                 <a:latin typeface="Courier New" panose="02070309020205020404" pitchFamily="49" charset="0"/>
                 <a:cs typeface="Courier New" panose="02070309020205020404" pitchFamily="49" charset="0"/>
               </a:rPr>
-              <a:t>parquet spark.read.parquet(file) df.write.parquet(file)</a:t>
-            </a:r>
-          </a:p>
-          <a:p>
-            <a:pPr lvl="1"/>
-            <a:r>
-              <a:rPr lang="en-US" dirty="0">
-                <a:latin typeface="Courier New" panose="02070309020205020404" pitchFamily="49" charset="0"/>
-                <a:cs typeface="Courier New" panose="02070309020205020404" pitchFamily="49" charset="0"/>
-              </a:rPr>
-              <a:t>text  spark.read.text(file) df.write.text(file)</a:t>
-            </a:r>
-          </a:p>
-          <a:p>
-            <a:r>
-              <a:rPr lang="en-US" dirty="0"/>
-              <a:t>Other formats can use the option to supply a custom Java class that can be downloaded and installed on the computer</a:t>
-            </a:r>
-          </a:p>
-          <a:p>
-            <a:pPr lvl="1"/>
-            <a:r>
-              <a:rPr lang="en-US" dirty="0"/>
-              <a:t>AVRO: </a:t>
-            </a:r>
-            <a:r>
-              <a:rPr lang="en-US" dirty="0">
-                <a:latin typeface="Courier New" panose="02070309020205020404" pitchFamily="49" charset="0"/>
-                <a:cs typeface="Courier New" panose="02070309020205020404" pitchFamily="49" charset="0"/>
-              </a:rPr>
-              <a:t>spark.read.format("com.databricks.spark.avro").load("kv.avro")</a:t>
-            </a:r>
-          </a:p>
-          <a:p>
-            <a:pPr lvl="1"/>
-            <a:r>
-              <a:rPr lang="en-US" dirty="0">
-                <a:latin typeface="+mn-lt"/>
-                <a:cs typeface="Courier New" panose="02070309020205020404" pitchFamily="49" charset="0"/>
-              </a:rPr>
-              <a:t>Cassandra:</a:t>
+              <a:t>FULL</a:t>
+            </a:r>
+          </a:p>
+          <a:p>
+            <a:pPr marL="0" indent="0">
+              <a:buNone/>
+            </a:pPr>
+            <a:r>
+              <a:rPr lang="en-US" dirty="0">
+                <a:latin typeface="Courier New" panose="02070309020205020404" pitchFamily="49" charset="0"/>
+                <a:cs typeface="Courier New" panose="02070309020205020404" pitchFamily="49" charset="0"/>
+              </a:rPr>
+              <a:t>tab1 = sc.parallelize([(1, 'Alpha'), (2, 'Beta'), (3, 'Delta')]).toDF('ID:int, code:string')</a:t>
             </a:r>
             <a:br>
               <a:rPr lang="en-US" dirty="0">
@@ -8873,13 +9482,114 @@
                 <a:cs typeface="Courier New" panose="02070309020205020404" pitchFamily="49" charset="0"/>
               </a:rPr>
             </a:br>
-            <a:r>
-              <a:rPr lang="en-US" dirty="0">
-                <a:latin typeface="Courier New" panose="02070309020205020404" pitchFamily="49" charset="0"/>
-                <a:cs typeface="Courier New" panose="02070309020205020404" pitchFamily="49" charset="0"/>
-              </a:rPr>
-              <a:t>sqlContext.read.format("org.apache.spark.sql.cassandra").options(table = table_name, keyspace = keys_space_name).load()</a:t>
-            </a:r>
+            <a:br>
+              <a:rPr lang="en-US" dirty="0">
+                <a:latin typeface="Courier New" panose="02070309020205020404" pitchFamily="49" charset="0"/>
+                <a:cs typeface="Courier New" panose="02070309020205020404" pitchFamily="49" charset="0"/>
+              </a:rPr>
+            </a:br>
+            <a:r>
+              <a:rPr lang="en-US" dirty="0">
+                <a:latin typeface="Courier New" panose="02070309020205020404" pitchFamily="49" charset="0"/>
+                <a:cs typeface="Courier New" panose="02070309020205020404" pitchFamily="49" charset="0"/>
+              </a:rPr>
+              <a:t>tab2 = sc.parallelize([(100, 'One', 1), (101, 'Two', 2), (102, 'Three', 1), (103, 'Four', 4)]) \</a:t>
+            </a:r>
+            <a:br>
+              <a:rPr lang="en-US" dirty="0">
+                <a:latin typeface="Courier New" panose="02070309020205020404" pitchFamily="49" charset="0"/>
+                <a:cs typeface="Courier New" panose="02070309020205020404" pitchFamily="49" charset="0"/>
+              </a:rPr>
+            </a:br>
+            <a:r>
+              <a:rPr lang="en-US" dirty="0">
+                <a:latin typeface="Courier New" panose="02070309020205020404" pitchFamily="49" charset="0"/>
+                <a:cs typeface="Courier New" panose="02070309020205020404" pitchFamily="49" charset="0"/>
+              </a:rPr>
+              <a:t>.toDF('ID:int, name:string, parentID:int')</a:t>
+            </a:r>
+            <a:br>
+              <a:rPr lang="en-US" dirty="0">
+                <a:latin typeface="Courier New" panose="02070309020205020404" pitchFamily="49" charset="0"/>
+                <a:cs typeface="Courier New" panose="02070309020205020404" pitchFamily="49" charset="0"/>
+              </a:rPr>
+            </a:br>
+            <a:br>
+              <a:rPr lang="en-US" dirty="0">
+                <a:latin typeface="Courier New" panose="02070309020205020404" pitchFamily="49" charset="0"/>
+                <a:cs typeface="Courier New" panose="02070309020205020404" pitchFamily="49" charset="0"/>
+              </a:rPr>
+            </a:br>
+            <a:r>
+              <a:rPr lang="en-US" dirty="0">
+                <a:latin typeface="Courier New" panose="02070309020205020404" pitchFamily="49" charset="0"/>
+                <a:cs typeface="Courier New" panose="02070309020205020404" pitchFamily="49" charset="0"/>
+              </a:rPr>
+              <a:t>tab1.join(tab2, tab1.ID == tab2.parentID).show()</a:t>
+            </a:r>
+            <a:br>
+              <a:rPr lang="en-US" dirty="0">
+                <a:latin typeface="Courier New" panose="02070309020205020404" pitchFamily="49" charset="0"/>
+                <a:cs typeface="Courier New" panose="02070309020205020404" pitchFamily="49" charset="0"/>
+              </a:rPr>
+            </a:br>
+            <a:r>
+              <a:rPr lang="en-US" dirty="0">
+                <a:latin typeface="Courier New" panose="02070309020205020404" pitchFamily="49" charset="0"/>
+                <a:cs typeface="Courier New" panose="02070309020205020404" pitchFamily="49" charset="0"/>
+              </a:rPr>
+              <a:t>tab1.join(tab2, tab1.ID == tab2.parentID, 'left').show()</a:t>
+            </a:r>
+            <a:br>
+              <a:rPr lang="en-US" dirty="0">
+                <a:latin typeface="Courier New" panose="02070309020205020404" pitchFamily="49" charset="0"/>
+                <a:cs typeface="Courier New" panose="02070309020205020404" pitchFamily="49" charset="0"/>
+              </a:rPr>
+            </a:br>
+            <a:r>
+              <a:rPr lang="en-US" dirty="0">
+                <a:latin typeface="Courier New" panose="02070309020205020404" pitchFamily="49" charset="0"/>
+                <a:cs typeface="Courier New" panose="02070309020205020404" pitchFamily="49" charset="0"/>
+              </a:rPr>
+              <a:t>tab1.join(tab2, tab1.ID == tab2.parentID, 'right').show()</a:t>
+            </a:r>
+            <a:br>
+              <a:rPr lang="en-US" dirty="0">
+                <a:latin typeface="Courier New" panose="02070309020205020404" pitchFamily="49" charset="0"/>
+                <a:cs typeface="Courier New" panose="02070309020205020404" pitchFamily="49" charset="0"/>
+              </a:rPr>
+            </a:br>
+            <a:r>
+              <a:rPr lang="en-US" dirty="0">
+                <a:latin typeface="Courier New" panose="02070309020205020404" pitchFamily="49" charset="0"/>
+                <a:cs typeface="Courier New" panose="02070309020205020404" pitchFamily="49" charset="0"/>
+              </a:rPr>
+              <a:t>tab1.join(tab2, tab1.ID == tab2.parentID, 'full').show()</a:t>
+            </a:r>
+          </a:p>
+          <a:p>
+            <a:pPr marL="0" indent="0">
+              <a:buNone/>
+            </a:pPr>
+            <a:endParaRPr lang="en-US" dirty="0">
+              <a:latin typeface="Courier New" panose="02070309020205020404" pitchFamily="49" charset="0"/>
+              <a:cs typeface="Courier New" panose="02070309020205020404" pitchFamily="49" charset="0"/>
+            </a:endParaRPr>
+          </a:p>
+          <a:p>
+            <a:pPr marL="0" indent="0">
+              <a:buNone/>
+            </a:pPr>
+            <a:br>
+              <a:rPr lang="en-US" dirty="0">
+                <a:latin typeface="Courier New" panose="02070309020205020404" pitchFamily="49" charset="0"/>
+                <a:cs typeface="Courier New" panose="02070309020205020404" pitchFamily="49" charset="0"/>
+              </a:rPr>
+            </a:br>
+            <a:endParaRPr lang="en-US" dirty="0">
+              <a:latin typeface="Courier New" panose="02070309020205020404" pitchFamily="49" charset="0"/>
+              <a:cs typeface="Courier New" panose="02070309020205020404" pitchFamily="49" charset="0"/>
+            </a:endParaRPr>
           </a:p>
         </p:txBody>
       </p:sp>
@@ -8900,7 +9610,7 @@
           <a:p>
             <a:r>
               <a:rPr lang="en-US" dirty="0"/>
-              <a:t>Writing Files</a:t>
+              <a:t>JOIN</a:t>
             </a:r>
           </a:p>
         </p:txBody>
@@ -8908,7 +9618,7 @@
     </p:spTree>
     <p:extLst>
       <p:ext uri="{BB962C8B-B14F-4D97-AF65-F5344CB8AC3E}">
-        <p14:creationId xmlns:p14="http://schemas.microsoft.com/office/powerpoint/2010/main" val="4135539595"/>
+        <p14:creationId xmlns:p14="http://schemas.microsoft.com/office/powerpoint/2010/main" val="2832165533"/>
       </p:ext>
     </p:extLst>
   </p:cSld>
@@ -8937,13 +9647,7 @@
       </p:grpSpPr>
       <p:sp>
         <p:nvSpPr>
-          <p:cNvPr id="5" name="Content Placeholder 4">
-            <a:extLst>
-              <a:ext uri="{FF2B5EF4-FFF2-40B4-BE49-F238E27FC236}">
-                <a16:creationId xmlns:a16="http://schemas.microsoft.com/office/drawing/2014/main" id="{577F11C9-892C-4A32-919F-9BED09ACF1C9}"/>
-              </a:ext>
-            </a:extLst>
-          </p:cNvPr>
+          <p:cNvPr id="2" name="Content Placeholder 1"/>
           <p:cNvSpPr>
             <a:spLocks noGrp="1"/>
           </p:cNvSpPr>
@@ -8958,149 +9662,146 @@
           <a:p>
             <a:r>
               <a:rPr lang="en-US" dirty="0"/>
-              <a:t>A lot of standard SQL is supported by Spark </a:t>
-            </a:r>
-          </a:p>
-          <a:p>
+              <a:t>Grouping in Spark works a little differently—the </a:t>
+            </a:r>
+            <a:r>
+              <a:rPr lang="en-US" dirty="0">
+                <a:latin typeface="Courier New" panose="02070309020205020404" pitchFamily="49" charset="0"/>
+                <a:cs typeface="Courier New" panose="02070309020205020404" pitchFamily="49" charset="0"/>
+              </a:rPr>
+              <a:t>groupBy</a:t>
+            </a:r>
             <a:r>
               <a:rPr lang="en-US" dirty="0"/>
-              <a:t>Using the </a:t>
-            </a:r>
-            <a:r>
-              <a:rPr lang="en-US" dirty="0">
-                <a:latin typeface="Courier New" panose="02070309020205020404" pitchFamily="49" charset="0"/>
-                <a:cs typeface="Courier New" panose="02070309020205020404" pitchFamily="49" charset="0"/>
-              </a:rPr>
-              <a:t>expr</a:t>
-            </a:r>
-            <a:r>
-              <a:rPr lang="en-US" dirty="0"/>
-              <a:t> function in combination with </a:t>
-            </a:r>
-            <a:r>
-              <a:rPr lang="en-US" dirty="0">
-                <a:latin typeface="Courier New" panose="02070309020205020404" pitchFamily="49" charset="0"/>
-                <a:cs typeface="Courier New" panose="02070309020205020404" pitchFamily="49" charset="0"/>
-              </a:rPr>
-              <a:t>withColumn</a:t>
-            </a:r>
-            <a:r>
-              <a:rPr lang="en-US" dirty="0"/>
-              <a:t> you can add calculated columns to a DataFrame if you can code the calculation as standard SQL</a:t>
+              <a:t> method creates a grouped DataFrame which can then have aggregate methods called on it</a:t>
             </a:r>
           </a:p>
           <a:p>
             <a:pPr marL="228600" lvl="1" indent="0">
               <a:buNone/>
             </a:pPr>
-            <a:r>
-              <a:rPr lang="en-US" dirty="0">
-                <a:latin typeface="Courier New" panose="02070309020205020404" pitchFamily="49" charset="0"/>
-                <a:cs typeface="Courier New" panose="02070309020205020404" pitchFamily="49" charset="0"/>
-              </a:rPr>
-              <a:t>from pyspark.sql.functions import expr</a:t>
-            </a:r>
-          </a:p>
-          <a:p>
-            <a:pPr marL="228600" lvl="1" indent="0">
-              <a:buNone/>
-            </a:pPr>
-            <a:r>
-              <a:rPr lang="en-US" dirty="0">
-                <a:latin typeface="Courier New" panose="02070309020205020404" pitchFamily="49" charset="0"/>
-                <a:cs typeface="Courier New" panose="02070309020205020404" pitchFamily="49" charset="0"/>
-              </a:rPr>
-              <a:t>x2.withColumn('uppername', expr('upper(name)')).show()</a:t>
-            </a:r>
-          </a:p>
-          <a:p>
-            <a:r>
+            <a:br>
               <a:rPr lang="en-US" dirty="0"/>
-              <a:t>Sometimes you just want to easily rename a column</a:t>
+            </a:br>
+            <a:r>
+              <a:rPr lang="en-US" dirty="0">
+                <a:latin typeface="Courier New" panose="02070309020205020404" pitchFamily="49" charset="0"/>
+                <a:cs typeface="Courier New" panose="02070309020205020404" pitchFamily="49" charset="0"/>
+              </a:rPr>
+              <a:t>tab3 = sc.parallelize([(1, 10), (1, 20), (1, 30), (2, 40), (2,50)]).toDF('groupID:int, amount:int')</a:t>
+            </a:r>
+            <a:br>
+              <a:rPr lang="en-US" dirty="0">
+                <a:latin typeface="Courier New" panose="02070309020205020404" pitchFamily="49" charset="0"/>
+                <a:cs typeface="Courier New" panose="02070309020205020404" pitchFamily="49" charset="0"/>
+              </a:rPr>
+            </a:br>
+            <a:r>
+              <a:rPr lang="en-US" dirty="0">
+                <a:latin typeface="Courier New" panose="02070309020205020404" pitchFamily="49" charset="0"/>
+                <a:cs typeface="Courier New" panose="02070309020205020404" pitchFamily="49" charset="0"/>
+              </a:rPr>
+              <a:t>x = tab3.groupby('groupID')</a:t>
+            </a:r>
+            <a:endParaRPr lang="en-US" dirty="0"/>
+          </a:p>
+          <a:p>
+            <a:r>
+              <a:rPr lang="en-US" dirty="0"/>
+              <a:t>There are various different syntaxes to accomplish the same results</a:t>
             </a:r>
           </a:p>
           <a:p>
             <a:pPr lvl="1"/>
             <a:r>
-              <a:rPr lang="en-US" dirty="0">
-                <a:latin typeface="Courier New" panose="02070309020205020404" pitchFamily="49" charset="0"/>
-                <a:cs typeface="Courier New" panose="02070309020205020404" pitchFamily="49" charset="0"/>
-              </a:rPr>
-              <a:t>withColumnRenamed(oldname, newname)</a:t>
-            </a:r>
-          </a:p>
-          <a:p>
-            <a:r>
               <a:rPr lang="en-US" dirty="0"/>
-              <a:t>Like </a:t>
-            </a:r>
-            <a:r>
-              <a:rPr lang="en-US" dirty="0">
-                <a:latin typeface="Courier New" panose="02070309020205020404" pitchFamily="49" charset="0"/>
-                <a:cs typeface="Courier New" panose="02070309020205020404" pitchFamily="49" charset="0"/>
-              </a:rPr>
-              <a:t>collect() </a:t>
-            </a:r>
-            <a:r>
+              <a:t>Call the method after grouping</a:t>
+            </a:r>
+            <a:br>
               <a:rPr lang="en-US" dirty="0"/>
-              <a:t>the </a:t>
-            </a:r>
-            <a:r>
-              <a:rPr lang="en-US" dirty="0">
-                <a:latin typeface="Courier New" panose="02070309020205020404" pitchFamily="49" charset="0"/>
-                <a:cs typeface="Courier New" panose="02070309020205020404" pitchFamily="49" charset="0"/>
-              </a:rPr>
-              <a:t>toLocalIterator()</a:t>
-            </a:r>
+            </a:br>
+            <a:r>
+              <a:rPr lang="en-US" dirty="0">
+                <a:latin typeface="Courier New" panose="02070309020205020404" pitchFamily="49" charset="0"/>
+                <a:cs typeface="Courier New" panose="02070309020205020404" pitchFamily="49" charset="0"/>
+              </a:rPr>
+              <a:t>x.max().show()</a:t>
+            </a:r>
+          </a:p>
+          <a:p>
+            <a:pPr lvl="1"/>
             <a:r>
               <a:rPr lang="en-US" dirty="0"/>
-              <a:t> method will return all the results to the driver node, but it does it as a generator instead of a </a:t>
-            </a:r>
-            <a:r>
-              <a:rPr lang="en-US" dirty="0">
-                <a:latin typeface="Courier New" panose="02070309020205020404" pitchFamily="49" charset="0"/>
-                <a:cs typeface="Courier New" panose="02070309020205020404" pitchFamily="49" charset="0"/>
-              </a:rPr>
-              <a:t>list</a:t>
+              <a:t>Use the </a:t>
+            </a:r>
+            <a:r>
+              <a:rPr lang="en-US" dirty="0">
+                <a:latin typeface="Courier New" panose="02070309020205020404" pitchFamily="49" charset="0"/>
+                <a:cs typeface="Courier New" panose="02070309020205020404" pitchFamily="49" charset="0"/>
+              </a:rPr>
+              <a:t>agg</a:t>
             </a:r>
             <a:r>
               <a:rPr lang="en-US" dirty="0"/>
-              <a:t> </a:t>
-            </a:r>
-          </a:p>
-          <a:p>
-            <a:r>
+              <a:t> method with a dictionary</a:t>
+            </a:r>
+            <a:br>
               <a:rPr lang="en-US" dirty="0"/>
-              <a:t>Just like SQL there are methods </a:t>
-            </a:r>
-            <a:r>
-              <a:rPr lang="en-US" dirty="0">
-                <a:latin typeface="Courier New" panose="02070309020205020404" pitchFamily="49" charset="0"/>
-                <a:cs typeface="Courier New" panose="02070309020205020404" pitchFamily="49" charset="0"/>
-              </a:rPr>
-              <a:t>union, unionAll, subtract</a:t>
-            </a:r>
-            <a:r>
-              <a:rPr lang="en-US" dirty="0">
-                <a:latin typeface="+mn-lt"/>
-                <a:cs typeface="Courier New" panose="02070309020205020404" pitchFamily="49" charset="0"/>
-              </a:rPr>
-              <a:t>, </a:t>
-            </a:r>
+            </a:br>
+            <a:r>
+              <a:rPr lang="en-US" dirty="0">
+                <a:latin typeface="Courier New" panose="02070309020205020404" pitchFamily="49" charset="0"/>
+                <a:cs typeface="Courier New" panose="02070309020205020404" pitchFamily="49" charset="0"/>
+              </a:rPr>
+              <a:t>x.agg({'amount':'sum', 'amount':'max'}).show()</a:t>
+            </a:r>
+          </a:p>
+          <a:p>
+            <a:pPr lvl="1"/>
             <a:r>
               <a:rPr lang="en-US" dirty="0"/>
-              <a:t>and</a:t>
-            </a:r>
-            <a:r>
-              <a:rPr lang="en-US" dirty="0">
-                <a:latin typeface="Courier New" panose="02070309020205020404" pitchFamily="49" charset="0"/>
-                <a:cs typeface="Courier New" panose="02070309020205020404" pitchFamily="49" charset="0"/>
-              </a:rPr>
-              <a:t> intersect</a:t>
-            </a:r>
-            <a:endParaRPr lang="en-US" dirty="0"/>
-          </a:p>
-          <a:p>
+              <a:t>Use the </a:t>
+            </a:r>
+            <a:r>
+              <a:rPr lang="en-US" dirty="0">
+                <a:latin typeface="Courier New" panose="02070309020205020404" pitchFamily="49" charset="0"/>
+                <a:cs typeface="Courier New" panose="02070309020205020404" pitchFamily="49" charset="0"/>
+              </a:rPr>
+              <a:t>agg</a:t>
+            </a:r>
+            <a:r>
+              <a:rPr lang="en-US" dirty="0"/>
+              <a:t> method with the function names</a:t>
+            </a:r>
+            <a:br>
+              <a:rPr lang="en-US" dirty="0"/>
+            </a:br>
+            <a:r>
+              <a:rPr lang="en-US" dirty="0">
+                <a:latin typeface="Courier New" panose="02070309020205020404" pitchFamily="49" charset="0"/>
+                <a:cs typeface="Courier New" panose="02070309020205020404" pitchFamily="49" charset="0"/>
+              </a:rPr>
+              <a:t>from pyspark.sql import functions as F</a:t>
+            </a:r>
+            <a:br>
+              <a:rPr lang="en-US" dirty="0">
+                <a:latin typeface="Courier New" panose="02070309020205020404" pitchFamily="49" charset="0"/>
+                <a:cs typeface="Courier New" panose="02070309020205020404" pitchFamily="49" charset="0"/>
+              </a:rPr>
+            </a:br>
+            <a:r>
+              <a:rPr lang="en-US" dirty="0">
+                <a:latin typeface="Courier New" panose="02070309020205020404" pitchFamily="49" charset="0"/>
+                <a:cs typeface="Courier New" panose="02070309020205020404" pitchFamily="49" charset="0"/>
+              </a:rPr>
+              <a:t>x.agg(F.sum('amount'), F.max('amount')).show()</a:t>
+            </a:r>
+            <a:br>
+              <a:rPr lang="en-US" dirty="0">
+                <a:latin typeface="Courier New" panose="02070309020205020404" pitchFamily="49" charset="0"/>
+                <a:cs typeface="Courier New" panose="02070309020205020404" pitchFamily="49" charset="0"/>
+              </a:rPr>
+            </a:br>
             <a:endParaRPr lang="en-US" dirty="0"/>
           </a:p>
         </p:txBody>
@@ -9122,7 +9823,7 @@
           <a:p>
             <a:r>
               <a:rPr lang="en-US" dirty="0"/>
-              <a:t>Miscellaneous Useful Methods</a:t>
+              <a:t>Grouping and Aggregating</a:t>
             </a:r>
           </a:p>
         </p:txBody>
@@ -9130,7 +9831,7 @@
     </p:spTree>
     <p:extLst>
       <p:ext uri="{BB962C8B-B14F-4D97-AF65-F5344CB8AC3E}">
-        <p14:creationId xmlns:p14="http://schemas.microsoft.com/office/powerpoint/2010/main" val="1785131013"/>
+        <p14:creationId xmlns:p14="http://schemas.microsoft.com/office/powerpoint/2010/main" val="2762489557"/>
       </p:ext>
     </p:extLst>
   </p:cSld>
@@ -9159,7 +9860,13 @@
       </p:grpSpPr>
       <p:sp>
         <p:nvSpPr>
-          <p:cNvPr id="2" name="Content Placeholder 1"/>
+          <p:cNvPr id="5" name="Content Placeholder 4">
+            <a:extLst>
+              <a:ext uri="{FF2B5EF4-FFF2-40B4-BE49-F238E27FC236}">
+                <a16:creationId xmlns:a16="http://schemas.microsoft.com/office/drawing/2014/main" id="{577F11C9-892C-4A32-919F-9BED09ACF1C9}"/>
+              </a:ext>
+            </a:extLst>
+          </p:cNvPr>
           <p:cNvSpPr>
             <a:spLocks noGrp="1"/>
           </p:cNvSpPr>
@@ -9167,25 +9874,42 @@
             <p:ph idx="1"/>
           </p:nvPr>
         </p:nvSpPr>
-        <p:spPr>
-          <a:xfrm>
-            <a:off x="270668" y="1123530"/>
-            <a:ext cx="8873332" cy="5229144"/>
-          </a:xfrm>
-        </p:spPr>
+        <p:spPr/>
         <p:txBody>
           <a:bodyPr/>
           <a:lstStyle/>
           <a:p>
             <a:r>
               <a:rPr lang="en-US" dirty="0"/>
-              <a:t>Sometimes it is necessary to write complex functions using Python</a:t>
+              <a:t>A lot of standard SQL is supported by Spark </a:t>
             </a:r>
           </a:p>
           <a:p>
             <a:r>
               <a:rPr lang="en-US" dirty="0"/>
-              <a:t>Import the helper functions in pyspark.sql</a:t>
+              <a:t>Using the </a:t>
+            </a:r>
+            <a:r>
+              <a:rPr lang="en-US" dirty="0">
+                <a:latin typeface="Courier New" panose="02070309020205020404" pitchFamily="49" charset="0"/>
+                <a:cs typeface="Courier New" panose="02070309020205020404" pitchFamily="49" charset="0"/>
+              </a:rPr>
+              <a:t>expr</a:t>
+            </a:r>
+            <a:r>
+              <a:rPr lang="en-US" dirty="0"/>
+              <a:t> function in combination with </a:t>
+            </a:r>
+            <a:r>
+              <a:rPr lang="en-US" dirty="0">
+                <a:latin typeface="Courier New" panose="02070309020205020404" pitchFamily="49" charset="0"/>
+                <a:cs typeface="Courier New" panose="02070309020205020404" pitchFamily="49" charset="0"/>
+              </a:rPr>
+              <a:t>withColumn</a:t>
+            </a:r>
+            <a:r>
+              <a:rPr lang="en-US" dirty="0"/>
+              <a:t> you can add calculated columns to a DataFrame if you can code the calculation as standard SQL</a:t>
             </a:r>
           </a:p>
           <a:p>
@@ -9197,7 +9921,7 @@
                 <a:latin typeface="Courier New" panose="02070309020205020404" pitchFamily="49" charset="0"/>
                 <a:cs typeface="Courier New" panose="02070309020205020404" pitchFamily="49" charset="0"/>
               </a:rPr>
-              <a:t>from pyspark.sql.functions import udf</a:t>
+              <a:t>from pyspark.sql.functions import expr</a:t>
             </a:r>
           </a:p>
           <a:p>
@@ -9209,141 +9933,98 @@
                 <a:latin typeface="Courier New" panose="02070309020205020404" pitchFamily="49" charset="0"/>
                 <a:cs typeface="Courier New" panose="02070309020205020404" pitchFamily="49" charset="0"/>
               </a:rPr>
-              <a:t>from pyspark.sql.types import *</a:t>
-            </a:r>
-          </a:p>
-          <a:p>
-            <a:pPr marL="228600" lvl="1" indent="0">
-              <a:buNone/>
-            </a:pPr>
-            <a:r>
-              <a:rPr lang="en-US" dirty="0">
-                <a:latin typeface="Courier New" panose="02070309020205020404" pitchFamily="49" charset="0"/>
-                <a:cs typeface="Courier New" panose="02070309020205020404" pitchFamily="49" charset="0"/>
-              </a:rPr>
-              <a:t>from pyspark.sql.functions import to_date</a:t>
+              <a:t>x2.withColumn('uppername', expr('upper(name)')).show()</a:t>
             </a:r>
           </a:p>
           <a:p>
             <a:r>
               <a:rPr lang="en-US" dirty="0"/>
-              <a:t>Write whatever custom function you need:</a:t>
-            </a:r>
-            <a:br>
+              <a:t>Sometimes you just want to easily rename a column</a:t>
+            </a:r>
+          </a:p>
+          <a:p>
+            <a:pPr lvl="1"/>
+            <a:r>
+              <a:rPr lang="en-US" dirty="0">
+                <a:latin typeface="Courier New" panose="02070309020205020404" pitchFamily="49" charset="0"/>
+                <a:cs typeface="Courier New" panose="02070309020205020404" pitchFamily="49" charset="0"/>
+              </a:rPr>
+              <a:t>withColumnRenamed(oldname, newname)</a:t>
+            </a:r>
+          </a:p>
+          <a:p>
+            <a:r>
               <a:rPr lang="en-US" dirty="0"/>
-            </a:br>
-            <a:r>
-              <a:rPr lang="en-US" dirty="0">
-                <a:latin typeface="Courier New" panose="02070309020205020404" pitchFamily="49" charset="0"/>
-                <a:cs typeface="Courier New" panose="02070309020205020404" pitchFamily="49" charset="0"/>
-              </a:rPr>
-              <a:t>def city(x):</a:t>
-            </a:r>
-            <a:br>
-              <a:rPr lang="en-US" dirty="0">
-                <a:latin typeface="Courier New" panose="02070309020205020404" pitchFamily="49" charset="0"/>
-                <a:cs typeface="Courier New" panose="02070309020205020404" pitchFamily="49" charset="0"/>
-              </a:rPr>
-            </a:br>
-            <a:r>
-              <a:rPr lang="en-US" dirty="0">
-                <a:latin typeface="Courier New" panose="02070309020205020404" pitchFamily="49" charset="0"/>
-                <a:cs typeface="Courier New" panose="02070309020205020404" pitchFamily="49" charset="0"/>
-              </a:rPr>
-              <a:t>    return x[:x.find(',')]</a:t>
-            </a:r>
-            <a:br>
-              <a:rPr lang="en-US" dirty="0">
-                <a:latin typeface="Courier New" panose="02070309020205020404" pitchFamily="49" charset="0"/>
-                <a:cs typeface="Courier New" panose="02070309020205020404" pitchFamily="49" charset="0"/>
-              </a:rPr>
-            </a:br>
-            <a:r>
-              <a:rPr lang="en-US" dirty="0">
-                <a:latin typeface="Courier New" panose="02070309020205020404" pitchFamily="49" charset="0"/>
-                <a:cs typeface="Courier New" panose="02070309020205020404" pitchFamily="49" charset="0"/>
-              </a:rPr>
-              <a:t>def country(x):</a:t>
-            </a:r>
-            <a:br>
-              <a:rPr lang="en-US" dirty="0">
-                <a:latin typeface="Courier New" panose="02070309020205020404" pitchFamily="49" charset="0"/>
-                <a:cs typeface="Courier New" panose="02070309020205020404" pitchFamily="49" charset="0"/>
-              </a:rPr>
-            </a:br>
-            <a:r>
-              <a:rPr lang="en-US" dirty="0">
-                <a:latin typeface="Courier New" panose="02070309020205020404" pitchFamily="49" charset="0"/>
-                <a:cs typeface="Courier New" panose="02070309020205020404" pitchFamily="49" charset="0"/>
-              </a:rPr>
-              <a:t>    return x[x.find(',') + 1 :]</a:t>
-            </a:r>
-          </a:p>
-          <a:p>
+              <a:t>Like </a:t>
+            </a:r>
+            <a:r>
+              <a:rPr lang="en-US" dirty="0">
+                <a:latin typeface="Courier New" panose="02070309020205020404" pitchFamily="49" charset="0"/>
+                <a:cs typeface="Courier New" panose="02070309020205020404" pitchFamily="49" charset="0"/>
+              </a:rPr>
+              <a:t>collect() </a:t>
+            </a:r>
             <a:r>
               <a:rPr lang="en-US" dirty="0"/>
-              <a:t>Call the built-in function or use the </a:t>
-            </a:r>
-            <a:r>
-              <a:rPr lang="en-US" dirty="0">
-                <a:latin typeface="Courier New" panose="02070309020205020404" pitchFamily="49" charset="0"/>
-                <a:cs typeface="Courier New" panose="02070309020205020404" pitchFamily="49" charset="0"/>
-              </a:rPr>
-              <a:t>udf</a:t>
+              <a:t>the </a:t>
+            </a:r>
+            <a:r>
+              <a:rPr lang="en-US" dirty="0">
+                <a:latin typeface="Courier New" panose="02070309020205020404" pitchFamily="49" charset="0"/>
+                <a:cs typeface="Courier New" panose="02070309020205020404" pitchFamily="49" charset="0"/>
+              </a:rPr>
+              <a:t>toLocalIterator()</a:t>
             </a:r>
             <a:r>
               <a:rPr lang="en-US" dirty="0"/>
-              <a:t> function to wrap and call your UDF:</a:t>
-            </a:r>
-            <a:br>
+              <a:t> method will return all the results to the driver node, but it does it as a generator instead of a </a:t>
+            </a:r>
+            <a:r>
+              <a:rPr lang="en-US" dirty="0">
+                <a:latin typeface="Courier New" panose="02070309020205020404" pitchFamily="49" charset="0"/>
+                <a:cs typeface="Courier New" panose="02070309020205020404" pitchFamily="49" charset="0"/>
+              </a:rPr>
+              <a:t>list</a:t>
+            </a:r>
+            <a:r>
               <a:rPr lang="en-US" dirty="0"/>
-            </a:br>
-            <a:r>
-              <a:rPr lang="en-US" sz="1600" dirty="0">
-                <a:latin typeface="Courier New" panose="02070309020205020404" pitchFamily="49" charset="0"/>
-                <a:cs typeface="Courier New" panose="02070309020205020404" pitchFamily="49" charset="0"/>
-              </a:rPr>
-              <a:t>df4.withColumn('City', udf(city, StringType())(df4.CityCountry)) \</a:t>
-            </a:r>
-            <a:br>
-              <a:rPr lang="en-US" sz="1600" dirty="0">
-                <a:latin typeface="Courier New" panose="02070309020205020404" pitchFamily="49" charset="0"/>
-                <a:cs typeface="Courier New" panose="02070309020205020404" pitchFamily="49" charset="0"/>
-              </a:rPr>
-            </a:br>
-            <a:r>
-              <a:rPr lang="en-US" sz="1600" dirty="0">
-                <a:latin typeface="Courier New" panose="02070309020205020404" pitchFamily="49" charset="0"/>
-                <a:cs typeface="Courier New" panose="02070309020205020404" pitchFamily="49" charset="0"/>
-              </a:rPr>
-              <a:t>.withColumn('Country', udf(country, StringType())(df4.CityCountry)) \</a:t>
-            </a:r>
-            <a:br>
-              <a:rPr lang="en-US" sz="1600" dirty="0">
-                <a:latin typeface="Courier New" panose="02070309020205020404" pitchFamily="49" charset="0"/>
-                <a:cs typeface="Courier New" panose="02070309020205020404" pitchFamily="49" charset="0"/>
-              </a:rPr>
-            </a:br>
-            <a:r>
-              <a:rPr lang="en-US" sz="1600" dirty="0">
-                <a:latin typeface="Courier New" panose="02070309020205020404" pitchFamily="49" charset="0"/>
-                <a:cs typeface="Courier New" panose="02070309020205020404" pitchFamily="49" charset="0"/>
-              </a:rPr>
-              <a:t>.withColumn('Date', to_date(df4.Date, 'dd-MMM-yy')) \</a:t>
-            </a:r>
-            <a:br>
-              <a:rPr lang="en-US" sz="1600" dirty="0">
-                <a:latin typeface="Courier New" panose="02070309020205020404" pitchFamily="49" charset="0"/>
-                <a:cs typeface="Courier New" panose="02070309020205020404" pitchFamily="49" charset="0"/>
-              </a:rPr>
-            </a:br>
-            <a:r>
-              <a:rPr lang="en-US" sz="1600" dirty="0">
-                <a:latin typeface="Courier New" panose="02070309020205020404" pitchFamily="49" charset="0"/>
-                <a:cs typeface="Courier New" panose="02070309020205020404" pitchFamily="49" charset="0"/>
-              </a:rPr>
-              <a:t>.drop(df4.CityCountry)</a:t>
-            </a:r>
+              <a:t> </a:t>
+            </a:r>
+          </a:p>
+          <a:p>
+            <a:r>
+              <a:rPr lang="en-US" dirty="0"/>
+              <a:t>Just like SQL there are methods </a:t>
+            </a:r>
+            <a:r>
+              <a:rPr lang="en-US" dirty="0">
+                <a:latin typeface="Courier New" panose="02070309020205020404" pitchFamily="49" charset="0"/>
+                <a:cs typeface="Courier New" panose="02070309020205020404" pitchFamily="49" charset="0"/>
+              </a:rPr>
+              <a:t>union, unionAll, subtract</a:t>
+            </a:r>
+            <a:r>
+              <a:rPr lang="en-US" dirty="0">
+                <a:latin typeface="+mn-lt"/>
+                <a:cs typeface="Courier New" panose="02070309020205020404" pitchFamily="49" charset="0"/>
+              </a:rPr>
+              <a:t>, </a:t>
+            </a:r>
+            <a:r>
+              <a:rPr lang="en-US" dirty="0"/>
+              <a:t>and</a:t>
+            </a:r>
+            <a:r>
+              <a:rPr lang="en-US" dirty="0">
+                <a:latin typeface="Courier New" panose="02070309020205020404" pitchFamily="49" charset="0"/>
+                <a:cs typeface="Courier New" panose="02070309020205020404" pitchFamily="49" charset="0"/>
+              </a:rPr>
+              <a:t> intersect</a:t>
+            </a:r>
+            <a:endParaRPr lang="en-US" dirty="0"/>
+          </a:p>
+          <a:p>
+            <a:endParaRPr lang="en-US" dirty="0"/>
           </a:p>
         </p:txBody>
       </p:sp>
@@ -9364,7 +10045,7 @@
           <a:p>
             <a:r>
               <a:rPr lang="en-US" dirty="0"/>
-              <a:t>User Defined Functions</a:t>
+              <a:t>Miscellaneous Useful Methods</a:t>
             </a:r>
           </a:p>
         </p:txBody>
@@ -9372,7 +10053,7 @@
     </p:spTree>
     <p:extLst>
       <p:ext uri="{BB962C8B-B14F-4D97-AF65-F5344CB8AC3E}">
-        <p14:creationId xmlns:p14="http://schemas.microsoft.com/office/powerpoint/2010/main" val="3221363704"/>
+        <p14:creationId xmlns:p14="http://schemas.microsoft.com/office/powerpoint/2010/main" val="1785131013"/>
       </p:ext>
     </p:extLst>
   </p:cSld>
@@ -9401,7 +10082,7 @@
       </p:grpSpPr>
       <p:sp>
         <p:nvSpPr>
-          <p:cNvPr id="3" name="Content Placeholder 2"/>
+          <p:cNvPr id="2" name="Content Placeholder 1"/>
           <p:cNvSpPr>
             <a:spLocks noGrp="1"/>
           </p:cNvSpPr>
@@ -9409,45 +10090,189 @@
             <p:ph idx="1"/>
           </p:nvPr>
         </p:nvSpPr>
-        <p:spPr/>
+        <p:spPr>
+          <a:xfrm>
+            <a:off x="270668" y="1123530"/>
+            <a:ext cx="8873332" cy="5229144"/>
+          </a:xfrm>
+        </p:spPr>
         <p:txBody>
           <a:bodyPr/>
           <a:lstStyle/>
           <a:p>
-            <a:pPr marL="0" indent="0">
+            <a:r>
+              <a:rPr lang="en-US" dirty="0"/>
+              <a:t>Sometimes it is necessary to write complex functions using Python</a:t>
+            </a:r>
+          </a:p>
+          <a:p>
+            <a:r>
+              <a:rPr lang="en-US" dirty="0"/>
+              <a:t>Import the helper functions in pyspark.sql</a:t>
+            </a:r>
+          </a:p>
+          <a:p>
+            <a:pPr marL="228600" lvl="1" indent="0">
               <a:buNone/>
             </a:pPr>
             <a:r>
+              <a:rPr lang="en-US" dirty="0">
+                <a:latin typeface="Courier New" panose="02070309020205020404" pitchFamily="49" charset="0"/>
+                <a:cs typeface="Courier New" panose="02070309020205020404" pitchFamily="49" charset="0"/>
+              </a:rPr>
+              <a:t>from pyspark.sql.functions import udf</a:t>
+            </a:r>
+          </a:p>
+          <a:p>
+            <a:pPr marL="228600" lvl="1" indent="0">
+              <a:buNone/>
+            </a:pPr>
+            <a:r>
+              <a:rPr lang="en-US" dirty="0">
+                <a:latin typeface="Courier New" panose="02070309020205020404" pitchFamily="49" charset="0"/>
+                <a:cs typeface="Courier New" panose="02070309020205020404" pitchFamily="49" charset="0"/>
+              </a:rPr>
+              <a:t>from pyspark.sql.types import *</a:t>
+            </a:r>
+          </a:p>
+          <a:p>
+            <a:pPr marL="228600" lvl="1" indent="0">
+              <a:buNone/>
+            </a:pPr>
+            <a:r>
+              <a:rPr lang="en-US" dirty="0">
+                <a:latin typeface="Courier New" panose="02070309020205020404" pitchFamily="49" charset="0"/>
+                <a:cs typeface="Courier New" panose="02070309020205020404" pitchFamily="49" charset="0"/>
+              </a:rPr>
+              <a:t>from pyspark.sql.functions import to_date</a:t>
+            </a:r>
+          </a:p>
+          <a:p>
+            <a:r>
               <a:rPr lang="en-US" dirty="0"/>
-              <a:t>In this chapter, we have:</a:t>
-            </a:r>
-          </a:p>
-          <a:p>
-            <a:r>
+              <a:t>Write whatever custom function you need:</a:t>
+            </a:r>
+            <a:br>
               <a:rPr lang="en-US" dirty="0"/>
-              <a:t>Introduced DataFrames</a:t>
+            </a:br>
+            <a:r>
+              <a:rPr lang="en-US" dirty="0">
+                <a:latin typeface="Courier New" panose="02070309020205020404" pitchFamily="49" charset="0"/>
+                <a:cs typeface="Courier New" panose="02070309020205020404" pitchFamily="49" charset="0"/>
+              </a:rPr>
+              <a:t>def city(x):</a:t>
+            </a:r>
+            <a:br>
+              <a:rPr lang="en-US" dirty="0">
+                <a:latin typeface="Courier New" panose="02070309020205020404" pitchFamily="49" charset="0"/>
+                <a:cs typeface="Courier New" panose="02070309020205020404" pitchFamily="49" charset="0"/>
+              </a:rPr>
+            </a:br>
+            <a:r>
+              <a:rPr lang="en-US" dirty="0">
+                <a:latin typeface="Courier New" panose="02070309020205020404" pitchFamily="49" charset="0"/>
+                <a:cs typeface="Courier New" panose="02070309020205020404" pitchFamily="49" charset="0"/>
+              </a:rPr>
+              <a:t>    return x[:x.find(',')]</a:t>
+            </a:r>
+            <a:br>
+              <a:rPr lang="en-US" dirty="0">
+                <a:latin typeface="Courier New" panose="02070309020205020404" pitchFamily="49" charset="0"/>
+                <a:cs typeface="Courier New" panose="02070309020205020404" pitchFamily="49" charset="0"/>
+              </a:rPr>
+            </a:br>
+            <a:r>
+              <a:rPr lang="en-US" dirty="0">
+                <a:latin typeface="Courier New" panose="02070309020205020404" pitchFamily="49" charset="0"/>
+                <a:cs typeface="Courier New" panose="02070309020205020404" pitchFamily="49" charset="0"/>
+              </a:rPr>
+              <a:t>def country(x):</a:t>
+            </a:r>
+            <a:br>
+              <a:rPr lang="en-US" dirty="0">
+                <a:latin typeface="Courier New" panose="02070309020205020404" pitchFamily="49" charset="0"/>
+                <a:cs typeface="Courier New" panose="02070309020205020404" pitchFamily="49" charset="0"/>
+              </a:rPr>
+            </a:br>
+            <a:r>
+              <a:rPr lang="en-US" dirty="0">
+                <a:latin typeface="Courier New" panose="02070309020205020404" pitchFamily="49" charset="0"/>
+                <a:cs typeface="Courier New" panose="02070309020205020404" pitchFamily="49" charset="0"/>
+              </a:rPr>
+              <a:t>    return x[x.find(',') + 1 :]</a:t>
             </a:r>
           </a:p>
           <a:p>
             <a:r>
               <a:rPr lang="en-US" dirty="0"/>
-              <a:t>Shown how to create a structured object using DataFrames</a:t>
-            </a:r>
-          </a:p>
-          <a:p>
+              <a:t>Call the built-in function or use the </a:t>
+            </a:r>
+            <a:r>
+              <a:rPr lang="en-US" dirty="0">
+                <a:latin typeface="Courier New" panose="02070309020205020404" pitchFamily="49" charset="0"/>
+                <a:cs typeface="Courier New" panose="02070309020205020404" pitchFamily="49" charset="0"/>
+              </a:rPr>
+              <a:t>udf</a:t>
+            </a:r>
             <a:r>
               <a:rPr lang="en-US" dirty="0"/>
-              <a:t>Applied transformations and actions on DataFrames</a:t>
-            </a:r>
-          </a:p>
-          <a:p>
-            <a:endParaRPr lang="en-US" dirty="0"/>
+              <a:t> function to wrap and call your UDF:</a:t>
+            </a:r>
+            <a:br>
+              <a:rPr lang="en-US" dirty="0"/>
+            </a:br>
+            <a:r>
+              <a:rPr lang="en-US" sz="1600" dirty="0">
+                <a:latin typeface="Courier New" panose="02070309020205020404" pitchFamily="49" charset="0"/>
+                <a:cs typeface="Courier New" panose="02070309020205020404" pitchFamily="49" charset="0"/>
+              </a:rPr>
+              <a:t>df4.withColumn('City', udf(city, StringType())(df4.CityCountry)) \</a:t>
+            </a:r>
+            <a:br>
+              <a:rPr lang="en-US" sz="1600" dirty="0">
+                <a:latin typeface="Courier New" panose="02070309020205020404" pitchFamily="49" charset="0"/>
+                <a:cs typeface="Courier New" panose="02070309020205020404" pitchFamily="49" charset="0"/>
+              </a:rPr>
+            </a:br>
+            <a:r>
+              <a:rPr lang="en-US" sz="1600" dirty="0">
+                <a:latin typeface="Courier New" panose="02070309020205020404" pitchFamily="49" charset="0"/>
+                <a:cs typeface="Courier New" panose="02070309020205020404" pitchFamily="49" charset="0"/>
+              </a:rPr>
+              <a:t>.withColumn('Country', udf(country, StringType())(df4.CityCountry)) \</a:t>
+            </a:r>
+            <a:br>
+              <a:rPr lang="en-US" sz="1600" dirty="0">
+                <a:latin typeface="Courier New" panose="02070309020205020404" pitchFamily="49" charset="0"/>
+                <a:cs typeface="Courier New" panose="02070309020205020404" pitchFamily="49" charset="0"/>
+              </a:rPr>
+            </a:br>
+            <a:r>
+              <a:rPr lang="en-US" sz="1600" dirty="0">
+                <a:latin typeface="Courier New" panose="02070309020205020404" pitchFamily="49" charset="0"/>
+                <a:cs typeface="Courier New" panose="02070309020205020404" pitchFamily="49" charset="0"/>
+              </a:rPr>
+              <a:t>.withColumn('Date', to_date(df4.Date, 'dd-MMM-yy')) \</a:t>
+            </a:r>
+            <a:br>
+              <a:rPr lang="en-US" sz="1600" dirty="0">
+                <a:latin typeface="Courier New" panose="02070309020205020404" pitchFamily="49" charset="0"/>
+                <a:cs typeface="Courier New" panose="02070309020205020404" pitchFamily="49" charset="0"/>
+              </a:rPr>
+            </a:br>
+            <a:r>
+              <a:rPr lang="en-US" sz="1600" dirty="0">
+                <a:latin typeface="Courier New" panose="02070309020205020404" pitchFamily="49" charset="0"/>
+                <a:cs typeface="Courier New" panose="02070309020205020404" pitchFamily="49" charset="0"/>
+              </a:rPr>
+              <a:t>.drop(df4.CityCountry)</a:t>
+            </a:r>
           </a:p>
         </p:txBody>
       </p:sp>
       <p:sp>
         <p:nvSpPr>
-          <p:cNvPr id="2" name="Title 1"/>
+          <p:cNvPr id="3" name="Title 2"/>
           <p:cNvSpPr>
             <a:spLocks noGrp="1"/>
           </p:cNvSpPr>
@@ -9462,7 +10287,7 @@
           <a:p>
             <a:r>
               <a:rPr lang="en-US" dirty="0"/>
-              <a:t>Chapter Summary</a:t>
+              <a:t>User Defined Functions</a:t>
             </a:r>
           </a:p>
         </p:txBody>
@@ -9470,7 +10295,7 @@
     </p:spTree>
     <p:extLst>
       <p:ext uri="{BB962C8B-B14F-4D97-AF65-F5344CB8AC3E}">
-        <p14:creationId xmlns:p14="http://schemas.microsoft.com/office/powerpoint/2010/main" val="4133957086"/>
+        <p14:creationId xmlns:p14="http://schemas.microsoft.com/office/powerpoint/2010/main" val="3221363704"/>
       </p:ext>
     </p:extLst>
   </p:cSld>
@@ -9569,6 +10394,104 @@
     <p:extLst>
       <p:ext uri="{BB962C8B-B14F-4D97-AF65-F5344CB8AC3E}">
         <p14:creationId xmlns:p14="http://schemas.microsoft.com/office/powerpoint/2010/main" val="880506761"/>
+      </p:ext>
+    </p:extLst>
+  </p:cSld>
+  <p:clrMapOvr>
+    <a:masterClrMapping/>
+  </p:clrMapOvr>
+</p:sld>
+</file>
+
+<file path=ppt/slides/slide20.xml><?xml version="1.0" encoding="utf-8"?>
+<p:sld xmlns:a="http://schemas.openxmlformats.org/drawingml/2006/main" xmlns:r="http://schemas.openxmlformats.org/officeDocument/2006/relationships" xmlns:p="http://schemas.openxmlformats.org/presentationml/2006/main">
+  <p:cSld>
+    <p:spTree>
+      <p:nvGrpSpPr>
+        <p:cNvPr id="1" name=""/>
+        <p:cNvGrpSpPr/>
+        <p:nvPr/>
+      </p:nvGrpSpPr>
+      <p:grpSpPr>
+        <a:xfrm>
+          <a:off x="0" y="0"/>
+          <a:ext cx="0" cy="0"/>
+          <a:chOff x="0" y="0"/>
+          <a:chExt cx="0" cy="0"/>
+        </a:xfrm>
+      </p:grpSpPr>
+      <p:sp>
+        <p:nvSpPr>
+          <p:cNvPr id="3" name="Content Placeholder 2"/>
+          <p:cNvSpPr>
+            <a:spLocks noGrp="1"/>
+          </p:cNvSpPr>
+          <p:nvPr>
+            <p:ph idx="1"/>
+          </p:nvPr>
+        </p:nvSpPr>
+        <p:spPr/>
+        <p:txBody>
+          <a:bodyPr/>
+          <a:lstStyle/>
+          <a:p>
+            <a:pPr marL="0" indent="0">
+              <a:buNone/>
+            </a:pPr>
+            <a:r>
+              <a:rPr lang="en-US" dirty="0"/>
+              <a:t>In this chapter, we have:</a:t>
+            </a:r>
+          </a:p>
+          <a:p>
+            <a:r>
+              <a:rPr lang="en-US" dirty="0"/>
+              <a:t>Introduced DataFrames</a:t>
+            </a:r>
+          </a:p>
+          <a:p>
+            <a:r>
+              <a:rPr lang="en-US" dirty="0"/>
+              <a:t>Shown how to create a structured object using DataFrames</a:t>
+            </a:r>
+          </a:p>
+          <a:p>
+            <a:r>
+              <a:rPr lang="en-US" dirty="0"/>
+              <a:t>Applied transformations and actions on DataFrames</a:t>
+            </a:r>
+          </a:p>
+          <a:p>
+            <a:endParaRPr lang="en-US" dirty="0"/>
+          </a:p>
+        </p:txBody>
+      </p:sp>
+      <p:sp>
+        <p:nvSpPr>
+          <p:cNvPr id="2" name="Title 1"/>
+          <p:cNvSpPr>
+            <a:spLocks noGrp="1"/>
+          </p:cNvSpPr>
+          <p:nvPr>
+            <p:ph type="title"/>
+          </p:nvPr>
+        </p:nvSpPr>
+        <p:spPr/>
+        <p:txBody>
+          <a:bodyPr/>
+          <a:lstStyle/>
+          <a:p>
+            <a:r>
+              <a:rPr lang="en-US" dirty="0"/>
+              <a:t>Chapter Summary</a:t>
+            </a:r>
+          </a:p>
+        </p:txBody>
+      </p:sp>
+    </p:spTree>
+    <p:extLst>
+      <p:ext uri="{BB962C8B-B14F-4D97-AF65-F5344CB8AC3E}">
+        <p14:creationId xmlns:p14="http://schemas.microsoft.com/office/powerpoint/2010/main" val="4133957086"/>
       </p:ext>
     </p:extLst>
   </p:cSld>
@@ -10398,54 +11321,41 @@
             <p:ph idx="1"/>
           </p:nvPr>
         </p:nvSpPr>
-        <p:spPr>
-          <a:xfrm>
-            <a:off x="581025" y="1155614"/>
-            <a:ext cx="8367032" cy="5072616"/>
-          </a:xfrm>
-        </p:spPr>
+        <p:spPr/>
         <p:txBody>
           <a:bodyPr/>
           <a:lstStyle/>
           <a:p>
             <a:r>
               <a:rPr lang="en-US" dirty="0"/>
-              <a:t>An existing RDD can also be turned into a DataFrame using the </a:t>
-            </a:r>
-            <a:r>
-              <a:rPr lang="en-US" dirty="0">
-                <a:latin typeface="Courier New" panose="02070309020205020404" pitchFamily="49" charset="0"/>
-                <a:cs typeface="Courier New" panose="02070309020205020404" pitchFamily="49" charset="0"/>
-              </a:rPr>
-              <a:t>toDF</a:t>
-            </a:r>
-            <a:r>
-              <a:rPr lang="en-US" dirty="0"/>
-              <a:t> method</a:t>
-            </a:r>
-          </a:p>
-          <a:p>
-            <a:pPr lvl="1"/>
-            <a:r>
-              <a:rPr lang="en-US" dirty="0"/>
-              <a:t>Using the credit card csv file from before:</a:t>
+              <a:t>Sometimes a schema object is required or just preferred</a:t>
             </a:r>
             <a:br>
               <a:rPr lang="en-US" dirty="0"/>
             </a:br>
-            <a:r>
-              <a:rPr lang="en-US" dirty="0">
-                <a:latin typeface="Courier New" panose="02070309020205020404" pitchFamily="49" charset="0"/>
-                <a:cs typeface="Courier New" panose="02070309020205020404" pitchFamily="49" charset="0"/>
-              </a:rPr>
-              <a:t>cc = </a:t>
+            <a:br>
+              <a:rPr lang="en-US" dirty="0"/>
+            </a:br>
+            <a:r>
+              <a:rPr lang="en-US" dirty="0">
+                <a:latin typeface="Courier New" panose="02070309020205020404" pitchFamily="49" charset="0"/>
+                <a:cs typeface="Courier New" panose="02070309020205020404" pitchFamily="49" charset="0"/>
+              </a:rPr>
+              <a:t>schema = </a:t>
             </a:r>
             <a:r>
               <a:rPr lang="en-US" dirty="0" err="1">
                 <a:latin typeface="Courier New" panose="02070309020205020404" pitchFamily="49" charset="0"/>
                 <a:cs typeface="Courier New" panose="02070309020205020404" pitchFamily="49" charset="0"/>
               </a:rPr>
-              <a:t>sc.textFile</a:t>
+              <a:t>StructType</a:t>
+            </a:r>
+            <a:r>
+              <a:rPr lang="en-US" dirty="0">
+                <a:latin typeface="Courier New" panose="02070309020205020404" pitchFamily="49" charset="0"/>
+                <a:cs typeface="Courier New" panose="02070309020205020404" pitchFamily="49" charset="0"/>
+              </a:rPr>
+              <a:t>([</a:t>
             </a:r>
             <a:br>
               <a:rPr lang="en-US" dirty="0">
@@ -10458,7 +11368,35 @@
                 <a:latin typeface="Courier New" panose="02070309020205020404" pitchFamily="49" charset="0"/>
                 <a:cs typeface="Courier New" panose="02070309020205020404" pitchFamily="49" charset="0"/>
               </a:rPr>
-              <a:t>              ('/class/datasets/finance/CreditCard.csv')</a:t>
+              <a:t>    </a:t>
+            </a:r>
+            <a:r>
+              <a:rPr lang="en-US" dirty="0" err="1">
+                <a:latin typeface="Courier New" panose="02070309020205020404" pitchFamily="49" charset="0"/>
+                <a:cs typeface="Courier New" panose="02070309020205020404" pitchFamily="49" charset="0"/>
+              </a:rPr>
+              <a:t>StructField</a:t>
+            </a:r>
+            <a:r>
+              <a:rPr lang="en-US" dirty="0">
+                <a:latin typeface="Courier New" panose="02070309020205020404" pitchFamily="49" charset="0"/>
+                <a:cs typeface="Courier New" panose="02070309020205020404" pitchFamily="49" charset="0"/>
+              </a:rPr>
+              <a:t>('ID', </a:t>
+            </a:r>
+            <a:r>
+              <a:rPr lang="en-US" dirty="0" err="1">
+                <a:latin typeface="Courier New" panose="02070309020205020404" pitchFamily="49" charset="0"/>
+                <a:cs typeface="Courier New" panose="02070309020205020404" pitchFamily="49" charset="0"/>
+              </a:rPr>
+              <a:t>IntegerType</a:t>
+            </a:r>
+            <a:r>
+              <a:rPr lang="en-US" dirty="0">
+                <a:latin typeface="Courier New" panose="02070309020205020404" pitchFamily="49" charset="0"/>
+                <a:cs typeface="Courier New" panose="02070309020205020404" pitchFamily="49" charset="0"/>
+              </a:rPr>
+              <a:t>()),</a:t>
             </a:r>
             <a:br>
               <a:rPr lang="en-US" dirty="0">
@@ -10471,7 +11409,35 @@
                 <a:latin typeface="Courier New" panose="02070309020205020404" pitchFamily="49" charset="0"/>
                 <a:cs typeface="Courier New" panose="02070309020205020404" pitchFamily="49" charset="0"/>
               </a:rPr>
-              <a:t>first = cc.first()</a:t>
+              <a:t>    </a:t>
+            </a:r>
+            <a:r>
+              <a:rPr lang="en-US" dirty="0" err="1">
+                <a:latin typeface="Courier New" panose="02070309020205020404" pitchFamily="49" charset="0"/>
+                <a:cs typeface="Courier New" panose="02070309020205020404" pitchFamily="49" charset="0"/>
+              </a:rPr>
+              <a:t>StructField</a:t>
+            </a:r>
+            <a:r>
+              <a:rPr lang="en-US" dirty="0">
+                <a:latin typeface="Courier New" panose="02070309020205020404" pitchFamily="49" charset="0"/>
+                <a:cs typeface="Courier New" panose="02070309020205020404" pitchFamily="49" charset="0"/>
+              </a:rPr>
+              <a:t>('Name', </a:t>
+            </a:r>
+            <a:r>
+              <a:rPr lang="en-US" dirty="0" err="1">
+                <a:latin typeface="Courier New" panose="02070309020205020404" pitchFamily="49" charset="0"/>
+                <a:cs typeface="Courier New" panose="02070309020205020404" pitchFamily="49" charset="0"/>
+              </a:rPr>
+              <a:t>StringType</a:t>
+            </a:r>
+            <a:r>
+              <a:rPr lang="en-US" dirty="0">
+                <a:latin typeface="Courier New" panose="02070309020205020404" pitchFamily="49" charset="0"/>
+                <a:cs typeface="Courier New" panose="02070309020205020404" pitchFamily="49" charset="0"/>
+              </a:rPr>
+              <a:t>())</a:t>
             </a:r>
             <a:br>
               <a:rPr lang="en-US" dirty="0">
@@ -10484,7 +11450,7 @@
                 <a:latin typeface="Courier New" panose="02070309020205020404" pitchFamily="49" charset="0"/>
                 <a:cs typeface="Courier New" panose="02070309020205020404" pitchFamily="49" charset="0"/>
               </a:rPr>
-              <a:t>cc = cc.filter(lambda x : x != first)</a:t>
+              <a:t>])</a:t>
             </a:r>
             <a:br>
               <a:rPr lang="en-US" dirty="0">
@@ -10497,7 +11463,21 @@
                 <a:latin typeface="Courier New" panose="02070309020205020404" pitchFamily="49" charset="0"/>
                 <a:cs typeface="Courier New" panose="02070309020205020404" pitchFamily="49" charset="0"/>
               </a:rPr>
-              <a:t>import datetime</a:t>
+              <a:t>x3 = </a:t>
+            </a:r>
+            <a:r>
+              <a:rPr lang="en-US" dirty="0" err="1">
+                <a:latin typeface="Courier New" panose="02070309020205020404" pitchFamily="49" charset="0"/>
+                <a:cs typeface="Courier New" panose="02070309020205020404" pitchFamily="49" charset="0"/>
+              </a:rPr>
+              <a:t>spark.createDataFrame</a:t>
+            </a:r>
+            <a:r>
+              <a:rPr lang="en-US" dirty="0">
+                <a:latin typeface="Courier New" panose="02070309020205020404" pitchFamily="49" charset="0"/>
+                <a:cs typeface="Courier New" panose="02070309020205020404" pitchFamily="49" charset="0"/>
+              </a:rPr>
+              <a:t>(x, schema = schema)</a:t>
             </a:r>
             <a:br>
               <a:rPr lang="en-US" dirty="0">
@@ -10510,7 +11490,7 @@
                 <a:latin typeface="Courier New" panose="02070309020205020404" pitchFamily="49" charset="0"/>
                 <a:cs typeface="Courier New" panose="02070309020205020404" pitchFamily="49" charset="0"/>
               </a:rPr>
-              <a:t>cc = cc.map(lambda x : x.split(','))</a:t>
+              <a:t>x3.show()</a:t>
             </a:r>
             <a:br>
               <a:rPr lang="en-US" dirty="0">
@@ -10523,8 +11503,13 @@
                 <a:latin typeface="Courier New" panose="02070309020205020404" pitchFamily="49" charset="0"/>
                 <a:cs typeface="Courier New" panose="02070309020205020404" pitchFamily="49" charset="0"/>
               </a:rPr>
-              <a:t>cc = cc.map(lambda x : (x[0][1:], x[1][1:-1], </a:t>
-            </a:r>
+              <a:t>print(x3)</a:t>
+            </a:r>
+          </a:p>
+          <a:p>
+            <a:pPr marL="0" indent="0">
+              <a:buNone/>
+            </a:pPr>
             <a:br>
               <a:rPr lang="en-US" dirty="0">
                 <a:latin typeface="Courier New" panose="02070309020205020404" pitchFamily="49" charset="0"/>
@@ -10536,7 +11521,7 @@
                 <a:latin typeface="Courier New" panose="02070309020205020404" pitchFamily="49" charset="0"/>
                 <a:cs typeface="Courier New" panose="02070309020205020404" pitchFamily="49" charset="0"/>
               </a:rPr>
-              <a:t>  datetime.datetime.strptime(x[2], '%d-%b-%y').date(), </a:t>
+              <a:t>+---+-----+</a:t>
             </a:r>
             <a:br>
               <a:rPr lang="en-US" dirty="0">
@@ -10549,7 +11534,7 @@
                 <a:latin typeface="Courier New" panose="02070309020205020404" pitchFamily="49" charset="0"/>
                 <a:cs typeface="Courier New" panose="02070309020205020404" pitchFamily="49" charset="0"/>
               </a:rPr>
-              <a:t>  x[3], x[4], x[5], float(x[6])))</a:t>
+              <a:t>| ID| Name|</a:t>
             </a:r>
             <a:br>
               <a:rPr lang="en-US" dirty="0">
@@ -10562,7 +11547,7 @@
                 <a:latin typeface="Courier New" panose="02070309020205020404" pitchFamily="49" charset="0"/>
                 <a:cs typeface="Courier New" panose="02070309020205020404" pitchFamily="49" charset="0"/>
               </a:rPr>
-              <a:t>df = cc.toDF()</a:t>
+              <a:t>+---+-----+</a:t>
             </a:r>
             <a:br>
               <a:rPr lang="en-US" dirty="0">
@@ -10575,7 +11560,7 @@
                 <a:latin typeface="Courier New" panose="02070309020205020404" pitchFamily="49" charset="0"/>
                 <a:cs typeface="Courier New" panose="02070309020205020404" pitchFamily="49" charset="0"/>
               </a:rPr>
-              <a:t>df.show()</a:t>
+              <a:t>|  1|alpha|</a:t>
             </a:r>
             <a:br>
               <a:rPr lang="en-US" dirty="0">
@@ -10588,7 +11573,7 @@
                 <a:latin typeface="Courier New" panose="02070309020205020404" pitchFamily="49" charset="0"/>
                 <a:cs typeface="Courier New" panose="02070309020205020404" pitchFamily="49" charset="0"/>
               </a:rPr>
-              <a:t>df = cc.toDF(['City', 'Country', 'Date', 'CardType', </a:t>
+              <a:t>|  2| beta|</a:t>
             </a:r>
             <a:br>
               <a:rPr lang="en-US" dirty="0">
@@ -10601,7 +11586,7 @@
                 <a:latin typeface="Courier New" panose="02070309020205020404" pitchFamily="49" charset="0"/>
                 <a:cs typeface="Courier New" panose="02070309020205020404" pitchFamily="49" charset="0"/>
               </a:rPr>
-              <a:t>  'TranType', 'Gender', 'Amount'])</a:t>
+              <a:t>+---+-----+</a:t>
             </a:r>
             <a:br>
               <a:rPr lang="en-US" dirty="0">
@@ -10609,30 +11594,21 @@
                 <a:cs typeface="Courier New" panose="02070309020205020404" pitchFamily="49" charset="0"/>
               </a:rPr>
             </a:br>
-            <a:r>
-              <a:rPr lang="en-US" dirty="0">
-                <a:latin typeface="Courier New" panose="02070309020205020404" pitchFamily="49" charset="0"/>
-                <a:cs typeface="Courier New" panose="02070309020205020404" pitchFamily="49" charset="0"/>
-              </a:rPr>
-              <a:t>df.show()</a:t>
-            </a:r>
-          </a:p>
-          <a:p>
-            <a:pPr lvl="1"/>
-            <a:endParaRPr lang="en-US" dirty="0">
-              <a:latin typeface="Courier New" panose="02070309020205020404" pitchFamily="49" charset="0"/>
-              <a:cs typeface="Courier New" panose="02070309020205020404" pitchFamily="49" charset="0"/>
-            </a:endParaRPr>
-          </a:p>
-          <a:p>
-            <a:pPr lvl="1"/>
-            <a:endParaRPr lang="en-US" dirty="0">
-              <a:latin typeface="Courier New" panose="02070309020205020404" pitchFamily="49" charset="0"/>
-              <a:cs typeface="Courier New" panose="02070309020205020404" pitchFamily="49" charset="0"/>
-            </a:endParaRPr>
-          </a:p>
-          <a:p>
-            <a:pPr lvl="1"/>
+            <a:br>
+              <a:rPr lang="en-US" dirty="0">
+                <a:latin typeface="Courier New" panose="02070309020205020404" pitchFamily="49" charset="0"/>
+                <a:cs typeface="Courier New" panose="02070309020205020404" pitchFamily="49" charset="0"/>
+              </a:rPr>
+            </a:br>
+            <a:r>
+              <a:rPr lang="en-US" dirty="0">
+                <a:latin typeface="Courier New" panose="02070309020205020404" pitchFamily="49" charset="0"/>
+                <a:cs typeface="Courier New" panose="02070309020205020404" pitchFamily="49" charset="0"/>
+              </a:rPr>
+              <a:t>DataFrame[ID: int, Name: string]</a:t>
+            </a:r>
+          </a:p>
+          <a:p>
             <a:endParaRPr lang="en-US" dirty="0">
               <a:latin typeface="Courier New" panose="02070309020205020404" pitchFamily="49" charset="0"/>
               <a:cs typeface="Courier New" panose="02070309020205020404" pitchFamily="49" charset="0"/>
@@ -10657,7 +11633,7 @@
           <a:p>
             <a:r>
               <a:rPr lang="en-US" dirty="0"/>
-              <a:t>Convert RDD to DataFrame</a:t>
+              <a:t>Schema Objects</a:t>
             </a:r>
           </a:p>
         </p:txBody>
@@ -10665,7 +11641,7 @@
     </p:spTree>
     <p:extLst>
       <p:ext uri="{BB962C8B-B14F-4D97-AF65-F5344CB8AC3E}">
-        <p14:creationId xmlns:p14="http://schemas.microsoft.com/office/powerpoint/2010/main" val="1370880662"/>
+        <p14:creationId xmlns:p14="http://schemas.microsoft.com/office/powerpoint/2010/main" val="2565680110"/>
       </p:ext>
     </p:extLst>
   </p:cSld>
@@ -10709,110 +11685,59 @@
           <a:p>
             <a:r>
               <a:rPr lang="en-US" dirty="0"/>
-              <a:t>DataFrames have methods with names similar to SQL commands</a:t>
-            </a:r>
-          </a:p>
-          <a:p>
-            <a:pPr marL="228600" lvl="1" indent="0">
-              <a:buNone/>
-            </a:pPr>
-            <a:endParaRPr lang="en-US" dirty="0">
-              <a:latin typeface="Courier New" panose="02070309020205020404" pitchFamily="49" charset="0"/>
-              <a:cs typeface="Courier New" panose="02070309020205020404" pitchFamily="49" charset="0"/>
-            </a:endParaRPr>
-          </a:p>
-          <a:p>
-            <a:pPr marL="228600" lvl="1" indent="0">
-              <a:buNone/>
-            </a:pPr>
-            <a:r>
-              <a:rPr lang="en-US" dirty="0">
-                <a:latin typeface="Courier New" panose="02070309020205020404" pitchFamily="49" charset="0"/>
-                <a:cs typeface="Courier New" panose="02070309020205020404" pitchFamily="49" charset="0"/>
-              </a:rPr>
-              <a:t>df.select('City', 'Country', 'Amount').show(10)</a:t>
-            </a:r>
-          </a:p>
-          <a:p>
-            <a:pPr marL="228600" lvl="1" indent="0">
-              <a:buNone/>
-            </a:pPr>
-            <a:endParaRPr lang="en-US" dirty="0">
-              <a:latin typeface="Courier New" panose="02070309020205020404" pitchFamily="49" charset="0"/>
-              <a:cs typeface="Courier New" panose="02070309020205020404" pitchFamily="49" charset="0"/>
-            </a:endParaRPr>
-          </a:p>
-          <a:p>
-            <a:pPr marL="228600" lvl="1" indent="0">
-              <a:buNone/>
-            </a:pPr>
+              <a:t>Alternatively, RDD's have a </a:t>
+            </a:r>
             <a:r>
               <a:rPr lang="en-US" dirty="0" err="1">
                 <a:latin typeface="Courier New" panose="02070309020205020404" pitchFamily="49" charset="0"/>
                 <a:cs typeface="Courier New" panose="02070309020205020404" pitchFamily="49" charset="0"/>
               </a:rPr>
-              <a:t>df.select</a:t>
-            </a:r>
-            <a:r>
-              <a:rPr lang="en-US" dirty="0">
-                <a:latin typeface="Courier New" panose="02070309020205020404" pitchFamily="49" charset="0"/>
-                <a:cs typeface="Courier New" panose="02070309020205020404" pitchFamily="49" charset="0"/>
-              </a:rPr>
-              <a:t>(</a:t>
+              <a:t>toDF</a:t>
+            </a:r>
+            <a:r>
+              <a:rPr lang="en-US" dirty="0">
+                <a:latin typeface="Courier New" panose="02070309020205020404" pitchFamily="49" charset="0"/>
+                <a:cs typeface="Courier New" panose="02070309020205020404" pitchFamily="49" charset="0"/>
+              </a:rPr>
+              <a:t>() </a:t>
+            </a:r>
+            <a:r>
+              <a:rPr lang="en-US" dirty="0"/>
+              <a:t>method which works the same as </a:t>
             </a:r>
             <a:r>
               <a:rPr lang="en-US" dirty="0" err="1">
                 <a:latin typeface="Courier New" panose="02070309020205020404" pitchFamily="49" charset="0"/>
                 <a:cs typeface="Courier New" panose="02070309020205020404" pitchFamily="49" charset="0"/>
               </a:rPr>
-              <a:t>df.City</a:t>
-            </a:r>
-            <a:r>
-              <a:rPr lang="en-US" dirty="0">
-                <a:latin typeface="Courier New" panose="02070309020205020404" pitchFamily="49" charset="0"/>
-                <a:cs typeface="Courier New" panose="02070309020205020404" pitchFamily="49" charset="0"/>
-              </a:rPr>
-              <a:t>, </a:t>
-            </a:r>
-            <a:r>
-              <a:rPr lang="en-US" dirty="0" err="1">
-                <a:latin typeface="Courier New" panose="02070309020205020404" pitchFamily="49" charset="0"/>
-                <a:cs typeface="Courier New" panose="02070309020205020404" pitchFamily="49" charset="0"/>
-              </a:rPr>
-              <a:t>df.Country</a:t>
-            </a:r>
-            <a:r>
-              <a:rPr lang="en-US" dirty="0">
-                <a:latin typeface="Courier New" panose="02070309020205020404" pitchFamily="49" charset="0"/>
-                <a:cs typeface="Courier New" panose="02070309020205020404" pitchFamily="49" charset="0"/>
-              </a:rPr>
-              <a:t>).distinct().show()</a:t>
+              <a:t>spark.createDataFrame</a:t>
+            </a:r>
+            <a:r>
+              <a:rPr lang="en-US" dirty="0">
+                <a:latin typeface="Courier New" panose="02070309020205020404" pitchFamily="49" charset="0"/>
+                <a:cs typeface="Courier New" panose="02070309020205020404" pitchFamily="49" charset="0"/>
+              </a:rPr>
+              <a:t>()</a:t>
             </a:r>
             <a:br>
-              <a:rPr lang="en-US" dirty="0">
-                <a:latin typeface="Courier New" panose="02070309020205020404" pitchFamily="49" charset="0"/>
-                <a:cs typeface="Courier New" panose="02070309020205020404" pitchFamily="49" charset="0"/>
-              </a:rPr>
+              <a:rPr lang="en-US" dirty="0"/>
             </a:br>
             <a:br>
-              <a:rPr lang="en-US" dirty="0">
-                <a:latin typeface="Courier New" panose="02070309020205020404" pitchFamily="49" charset="0"/>
-                <a:cs typeface="Courier New" panose="02070309020205020404" pitchFamily="49" charset="0"/>
-              </a:rPr>
+              <a:rPr lang="en-US" dirty="0"/>
             </a:br>
             <a:r>
               <a:rPr lang="en-US" dirty="0" err="1">
                 <a:latin typeface="Courier New" panose="02070309020205020404" pitchFamily="49" charset="0"/>
                 <a:cs typeface="Courier New" panose="02070309020205020404" pitchFamily="49" charset="0"/>
               </a:rPr>
-              <a:t>df.sort</a:t>
-            </a:r>
-            <a:r>
-              <a:rPr lang="en-US" dirty="0">
-                <a:latin typeface="Courier New" panose="02070309020205020404" pitchFamily="49" charset="0"/>
-                <a:cs typeface="Courier New" panose="02070309020205020404" pitchFamily="49" charset="0"/>
-              </a:rPr>
-              <a:t>('Amount').show()</a:t>
+              <a:t>x.toDF</a:t>
+            </a:r>
+            <a:r>
+              <a:rPr lang="en-US" dirty="0">
+                <a:latin typeface="Courier New" panose="02070309020205020404" pitchFamily="49" charset="0"/>
+                <a:cs typeface="Courier New" panose="02070309020205020404" pitchFamily="49" charset="0"/>
+              </a:rPr>
+              <a:t>()</a:t>
             </a:r>
             <a:br>
               <a:rPr lang="en-US" dirty="0">
@@ -10820,60 +11745,108 @@
                 <a:cs typeface="Courier New" panose="02070309020205020404" pitchFamily="49" charset="0"/>
               </a:rPr>
             </a:br>
-            <a:endParaRPr lang="en-US" dirty="0">
-              <a:latin typeface="Courier New" panose="02070309020205020404" pitchFamily="49" charset="0"/>
-              <a:cs typeface="Courier New" panose="02070309020205020404" pitchFamily="49" charset="0"/>
-            </a:endParaRPr>
-          </a:p>
-          <a:p>
-            <a:pPr marL="228600" lvl="1" indent="0">
-              <a:buNone/>
-            </a:pPr>
-            <a:r>
-              <a:rPr lang="en-US" dirty="0">
-                <a:latin typeface="Courier New" panose="02070309020205020404" pitchFamily="49" charset="0"/>
-                <a:cs typeface="Courier New" panose="02070309020205020404" pitchFamily="49" charset="0"/>
-              </a:rPr>
-              <a:t>df.sort(df.Amount, ascending = False).show()</a:t>
-            </a:r>
-          </a:p>
-          <a:p>
-            <a:pPr marL="228600" lvl="1" indent="0">
-              <a:buNone/>
-            </a:pPr>
-            <a:endParaRPr lang="en-US" dirty="0">
-              <a:latin typeface="Courier New" panose="02070309020205020404" pitchFamily="49" charset="0"/>
-              <a:cs typeface="Courier New" panose="02070309020205020404" pitchFamily="49" charset="0"/>
-            </a:endParaRPr>
-          </a:p>
-          <a:p>
-            <a:pPr marL="228600" lvl="1" indent="0">
-              <a:buNone/>
-            </a:pPr>
-            <a:r>
-              <a:rPr lang="en-US" dirty="0">
-                <a:latin typeface="Courier New" panose="02070309020205020404" pitchFamily="49" charset="0"/>
-                <a:cs typeface="Courier New" panose="02070309020205020404" pitchFamily="49" charset="0"/>
-              </a:rPr>
-              <a:t>df.select('City', 'Amount').orderBy(df.City).show()</a:t>
-            </a:r>
-          </a:p>
-          <a:p>
-            <a:pPr lvl="1"/>
-            <a:endParaRPr lang="en-US" dirty="0">
-              <a:latin typeface="Courier New" panose="02070309020205020404" pitchFamily="49" charset="0"/>
-              <a:cs typeface="Courier New" panose="02070309020205020404" pitchFamily="49" charset="0"/>
-            </a:endParaRPr>
-          </a:p>
-          <a:p>
-            <a:pPr lvl="1"/>
-            <a:endParaRPr lang="en-US" dirty="0">
-              <a:latin typeface="Courier New" panose="02070309020205020404" pitchFamily="49" charset="0"/>
-              <a:cs typeface="Courier New" panose="02070309020205020404" pitchFamily="49" charset="0"/>
-            </a:endParaRPr>
-          </a:p>
-          <a:p>
-            <a:pPr lvl="1"/>
+            <a:br>
+              <a:rPr lang="en-US" dirty="0">
+                <a:latin typeface="Courier New" panose="02070309020205020404" pitchFamily="49" charset="0"/>
+                <a:cs typeface="Courier New" panose="02070309020205020404" pitchFamily="49" charset="0"/>
+              </a:rPr>
+            </a:br>
+            <a:r>
+              <a:rPr lang="en-US" dirty="0" err="1">
+                <a:latin typeface="Courier New" panose="02070309020205020404" pitchFamily="49" charset="0"/>
+                <a:cs typeface="Courier New" panose="02070309020205020404" pitchFamily="49" charset="0"/>
+              </a:rPr>
+              <a:t>x.toDF</a:t>
+            </a:r>
+            <a:r>
+              <a:rPr lang="en-US" dirty="0">
+                <a:latin typeface="Courier New" panose="02070309020205020404" pitchFamily="49" charset="0"/>
+                <a:cs typeface="Courier New" panose="02070309020205020404" pitchFamily="49" charset="0"/>
+              </a:rPr>
+              <a:t>(['ID', 'Name'])</a:t>
+            </a:r>
+            <a:br>
+              <a:rPr lang="en-US" dirty="0">
+                <a:latin typeface="Courier New" panose="02070309020205020404" pitchFamily="49" charset="0"/>
+                <a:cs typeface="Courier New" panose="02070309020205020404" pitchFamily="49" charset="0"/>
+              </a:rPr>
+            </a:br>
+            <a:br>
+              <a:rPr lang="en-US" dirty="0">
+                <a:latin typeface="Courier New" panose="02070309020205020404" pitchFamily="49" charset="0"/>
+                <a:cs typeface="Courier New" panose="02070309020205020404" pitchFamily="49" charset="0"/>
+              </a:rPr>
+            </a:br>
+            <a:r>
+              <a:rPr lang="en-US" dirty="0" err="1">
+                <a:latin typeface="Courier New" panose="02070309020205020404" pitchFamily="49" charset="0"/>
+                <a:cs typeface="Courier New" panose="02070309020205020404" pitchFamily="49" charset="0"/>
+              </a:rPr>
+              <a:t>x.toDF</a:t>
+            </a:r>
+            <a:r>
+              <a:rPr lang="en-US" dirty="0">
+                <a:latin typeface="Courier New" panose="02070309020205020404" pitchFamily="49" charset="0"/>
+                <a:cs typeface="Courier New" panose="02070309020205020404" pitchFamily="49" charset="0"/>
+              </a:rPr>
+              <a:t>('</a:t>
+            </a:r>
+            <a:r>
+              <a:rPr lang="en-US" dirty="0" err="1">
+                <a:latin typeface="Courier New" panose="02070309020205020404" pitchFamily="49" charset="0"/>
+                <a:cs typeface="Courier New" panose="02070309020205020404" pitchFamily="49" charset="0"/>
+              </a:rPr>
+              <a:t>ID:int</a:t>
+            </a:r>
+            <a:r>
+              <a:rPr lang="en-US" dirty="0">
+                <a:latin typeface="Courier New" panose="02070309020205020404" pitchFamily="49" charset="0"/>
+                <a:cs typeface="Courier New" panose="02070309020205020404" pitchFamily="49" charset="0"/>
+              </a:rPr>
+              <a:t>, </a:t>
+            </a:r>
+            <a:r>
+              <a:rPr lang="en-US" dirty="0" err="1">
+                <a:latin typeface="Courier New" panose="02070309020205020404" pitchFamily="49" charset="0"/>
+                <a:cs typeface="Courier New" panose="02070309020205020404" pitchFamily="49" charset="0"/>
+              </a:rPr>
+              <a:t>Name:string</a:t>
+            </a:r>
+            <a:r>
+              <a:rPr lang="en-US" dirty="0">
+                <a:latin typeface="Courier New" panose="02070309020205020404" pitchFamily="49" charset="0"/>
+                <a:cs typeface="Courier New" panose="02070309020205020404" pitchFamily="49" charset="0"/>
+              </a:rPr>
+              <a:t>')</a:t>
+            </a:r>
+            <a:br>
+              <a:rPr lang="en-US" dirty="0">
+                <a:latin typeface="Courier New" panose="02070309020205020404" pitchFamily="49" charset="0"/>
+                <a:cs typeface="Courier New" panose="02070309020205020404" pitchFamily="49" charset="0"/>
+              </a:rPr>
+            </a:br>
+            <a:br>
+              <a:rPr lang="en-US" dirty="0">
+                <a:latin typeface="Courier New" panose="02070309020205020404" pitchFamily="49" charset="0"/>
+                <a:cs typeface="Courier New" panose="02070309020205020404" pitchFamily="49" charset="0"/>
+              </a:rPr>
+            </a:br>
+            <a:r>
+              <a:rPr lang="en-US" dirty="0" err="1">
+                <a:latin typeface="Courier New" panose="02070309020205020404" pitchFamily="49" charset="0"/>
+                <a:cs typeface="Courier New" panose="02070309020205020404" pitchFamily="49" charset="0"/>
+              </a:rPr>
+              <a:t>x.toDF</a:t>
+            </a:r>
+            <a:r>
+              <a:rPr lang="en-US" dirty="0">
+                <a:latin typeface="Courier New" panose="02070309020205020404" pitchFamily="49" charset="0"/>
+                <a:cs typeface="Courier New" panose="02070309020205020404" pitchFamily="49" charset="0"/>
+              </a:rPr>
+              <a:t>(schema = schema1)</a:t>
+            </a:r>
+          </a:p>
+          <a:p>
             <a:endParaRPr lang="en-US" dirty="0">
               <a:latin typeface="Courier New" panose="02070309020205020404" pitchFamily="49" charset="0"/>
               <a:cs typeface="Courier New" panose="02070309020205020404" pitchFamily="49" charset="0"/>
@@ -10897,8 +11870,22 @@
           <a:lstStyle/>
           <a:p>
             <a:r>
+              <a:rPr lang="en-US" dirty="0" err="1">
+                <a:latin typeface="Courier New" panose="02070309020205020404" pitchFamily="49" charset="0"/>
+                <a:cs typeface="Courier New" panose="02070309020205020404" pitchFamily="49" charset="0"/>
+              </a:rPr>
+              <a:t>toDF</a:t>
+            </a:r>
+            <a:r>
+              <a:rPr lang="en-US" dirty="0">
+                <a:latin typeface="Courier New" panose="02070309020205020404" pitchFamily="49" charset="0"/>
+                <a:cs typeface="Courier New" panose="02070309020205020404" pitchFamily="49" charset="0"/>
+              </a:rPr>
+              <a:t>()</a:t>
+            </a:r>
+            <a:r>
               <a:rPr lang="en-US" dirty="0"/>
-              <a:t>Selecting Columns</a:t>
+              <a:t> Method</a:t>
             </a:r>
           </a:p>
         </p:txBody>
@@ -10906,7 +11893,7 @@
     </p:spTree>
     <p:extLst>
       <p:ext uri="{BB962C8B-B14F-4D97-AF65-F5344CB8AC3E}">
-        <p14:creationId xmlns:p14="http://schemas.microsoft.com/office/powerpoint/2010/main" val="1774561427"/>
+        <p14:creationId xmlns:p14="http://schemas.microsoft.com/office/powerpoint/2010/main" val="2790653908"/>
       </p:ext>
     </p:extLst>
   </p:cSld>
@@ -10950,83 +11937,95 @@
           <a:p>
             <a:r>
               <a:rPr lang="en-US" dirty="0"/>
-              <a:t>New columns can be added to a DataFrame</a:t>
-            </a:r>
-            <a:br>
+              <a:t>There are many file formats directly supported for reading and writing</a:t>
+            </a:r>
+          </a:p>
+          <a:p>
+            <a:pPr lvl="1"/>
+            <a:r>
+              <a:rPr lang="en-US" dirty="0">
+                <a:latin typeface="Courier New" panose="02070309020205020404" pitchFamily="49" charset="0"/>
+                <a:cs typeface="Courier New" panose="02070309020205020404" pitchFamily="49" charset="0"/>
+              </a:rPr>
+              <a:t>csv</a:t>
+            </a:r>
+          </a:p>
+          <a:p>
+            <a:pPr lvl="1"/>
+            <a:r>
+              <a:rPr lang="en-US" dirty="0">
+                <a:latin typeface="Courier New" panose="02070309020205020404" pitchFamily="49" charset="0"/>
+                <a:cs typeface="Courier New" panose="02070309020205020404" pitchFamily="49" charset="0"/>
+              </a:rPr>
+              <a:t>json</a:t>
+            </a:r>
+          </a:p>
+          <a:p>
+            <a:pPr lvl="1"/>
+            <a:r>
+              <a:rPr lang="en-US" dirty="0">
+                <a:latin typeface="Courier New" panose="02070309020205020404" pitchFamily="49" charset="0"/>
+                <a:cs typeface="Courier New" panose="02070309020205020404" pitchFamily="49" charset="0"/>
+              </a:rPr>
+              <a:t>orc</a:t>
+            </a:r>
+          </a:p>
+          <a:p>
+            <a:pPr lvl="1"/>
+            <a:r>
+              <a:rPr lang="en-US" dirty="0">
+                <a:latin typeface="Courier New" panose="02070309020205020404" pitchFamily="49" charset="0"/>
+                <a:cs typeface="Courier New" panose="02070309020205020404" pitchFamily="49" charset="0"/>
+              </a:rPr>
+              <a:t>parquet</a:t>
+            </a:r>
+          </a:p>
+          <a:p>
+            <a:pPr lvl="1"/>
+            <a:r>
+              <a:rPr lang="en-US" dirty="0">
+                <a:latin typeface="Courier New" panose="02070309020205020404" pitchFamily="49" charset="0"/>
+                <a:cs typeface="Courier New" panose="02070309020205020404" pitchFamily="49" charset="0"/>
+              </a:rPr>
+              <a:t>jdbc</a:t>
+            </a:r>
+          </a:p>
+          <a:p>
+            <a:r>
               <a:rPr lang="en-US" dirty="0"/>
-            </a:br>
-            <a:br>
+              <a:t>Other formats can be loaded using custom Java classes</a:t>
+            </a:r>
+          </a:p>
+          <a:p>
+            <a:pPr lvl="1"/>
+            <a:r>
               <a:rPr lang="en-US" dirty="0"/>
-            </a:br>
-            <a:r>
-              <a:rPr lang="en-US" dirty="0">
-                <a:latin typeface="Courier New" panose="02070309020205020404" pitchFamily="49" charset="0"/>
-                <a:cs typeface="Courier New" panose="02070309020205020404" pitchFamily="49" charset="0"/>
-              </a:rPr>
-              <a:t>df2 = df.withColumn('Discount', df.Amount * .03)</a:t>
-            </a:r>
-            <a:br>
-              <a:rPr lang="en-US" dirty="0">
-                <a:latin typeface="Courier New" panose="02070309020205020404" pitchFamily="49" charset="0"/>
-                <a:cs typeface="Courier New" panose="02070309020205020404" pitchFamily="49" charset="0"/>
-              </a:rPr>
-            </a:br>
-            <a:r>
-              <a:rPr lang="en-US" dirty="0">
-                <a:latin typeface="Courier New" panose="02070309020205020404" pitchFamily="49" charset="0"/>
-                <a:cs typeface="Courier New" panose="02070309020205020404" pitchFamily="49" charset="0"/>
-              </a:rPr>
-              <a:t>df2.show()</a:t>
-            </a:r>
-            <a:br>
-              <a:rPr lang="en-US" dirty="0">
-                <a:latin typeface="Courier New" panose="02070309020205020404" pitchFamily="49" charset="0"/>
-                <a:cs typeface="Courier New" panose="02070309020205020404" pitchFamily="49" charset="0"/>
-              </a:rPr>
-            </a:br>
-            <a:endParaRPr lang="en-US" dirty="0">
-              <a:latin typeface="Courier New" panose="02070309020205020404" pitchFamily="49" charset="0"/>
-              <a:cs typeface="Courier New" panose="02070309020205020404" pitchFamily="49" charset="0"/>
-            </a:endParaRPr>
-          </a:p>
-          <a:p>
+              <a:t>Cassandra</a:t>
+            </a:r>
+          </a:p>
+          <a:p>
+            <a:pPr lvl="1"/>
             <a:r>
               <a:rPr lang="en-US" dirty="0"/>
-              <a:t>Columns can be removed when not needed</a:t>
-            </a:r>
-          </a:p>
-          <a:p>
-            <a:pPr marL="228600" lvl="1" indent="0">
-              <a:buNone/>
-            </a:pPr>
-            <a:endParaRPr lang="en-US" dirty="0">
-              <a:latin typeface="Courier New" panose="02070309020205020404" pitchFamily="49" charset="0"/>
-              <a:cs typeface="Courier New" panose="02070309020205020404" pitchFamily="49" charset="0"/>
-            </a:endParaRPr>
-          </a:p>
-          <a:p>
-            <a:pPr marL="228600" lvl="1" indent="0">
-              <a:buNone/>
-            </a:pPr>
-            <a:r>
-              <a:rPr lang="en-US" dirty="0">
-                <a:latin typeface="Courier New" panose="02070309020205020404" pitchFamily="49" charset="0"/>
-                <a:cs typeface="Courier New" panose="02070309020205020404" pitchFamily="49" charset="0"/>
-              </a:rPr>
-              <a:t>df3 = df2.drop(df2.Country)</a:t>
-            </a:r>
-          </a:p>
-          <a:p>
-            <a:pPr marL="228600" lvl="1" indent="0">
-              <a:buNone/>
-            </a:pPr>
-            <a:r>
-              <a:rPr lang="en-US" dirty="0">
-                <a:latin typeface="Courier New" panose="02070309020205020404" pitchFamily="49" charset="0"/>
-                <a:cs typeface="Courier New" panose="02070309020205020404" pitchFamily="49" charset="0"/>
-              </a:rPr>
-              <a:t>df3.show()</a:t>
-            </a:r>
+              <a:t>Mongo</a:t>
+            </a:r>
+          </a:p>
+          <a:p>
+            <a:pPr lvl="1"/>
+            <a:r>
+              <a:rPr lang="en-US" dirty="0"/>
+              <a:t>HBase</a:t>
+            </a:r>
+          </a:p>
+          <a:p>
+            <a:pPr lvl="1"/>
+            <a:r>
+              <a:rPr lang="en-US" dirty="0"/>
+              <a:t>AVRO</a:t>
+            </a:r>
+          </a:p>
+          <a:p>
+            <a:endParaRPr lang="en-US" dirty="0"/>
           </a:p>
         </p:txBody>
       </p:sp>
@@ -11047,7 +12046,7 @@
           <a:p>
             <a:r>
               <a:rPr lang="en-US" dirty="0"/>
-              <a:t>Calculated Columns</a:t>
+              <a:t>Reading Files</a:t>
             </a:r>
           </a:p>
         </p:txBody>
@@ -11055,7 +12054,7 @@
     </p:spTree>
     <p:extLst>
       <p:ext uri="{BB962C8B-B14F-4D97-AF65-F5344CB8AC3E}">
-        <p14:creationId xmlns:p14="http://schemas.microsoft.com/office/powerpoint/2010/main" val="2611173546"/>
+        <p14:creationId xmlns:p14="http://schemas.microsoft.com/office/powerpoint/2010/main" val="856217166"/>
       </p:ext>
     </p:extLst>
   </p:cSld>
@@ -12268,6 +13267,29 @@
 </file>
 
 <file path=customXml/item1.xml><?xml version="1.0" encoding="utf-8"?>
+<?mso-contentType ?>
+<FormTemplates xmlns="http://schemas.microsoft.com/sharepoint/v3/contenttype/forms">
+  <Display>DocumentLibraryForm</Display>
+  <Edit>DocumentLibraryForm</Edit>
+  <New>DocumentLibraryForm</New>
+</FormTemplates>
+</file>
+
+<file path=customXml/item2.xml><?xml version="1.0" encoding="utf-8"?>
+<p:properties xmlns:p="http://schemas.microsoft.com/office/2006/metadata/properties" xmlns:xsi="http://www.w3.org/2001/XMLSchema-instance" xmlns:pc="http://schemas.microsoft.com/office/infopath/2007/PartnerControls">
+  <documentManagement>
+    <_dlc_DocId xmlns="037063e9-a85e-4c78-8627-f1a9315663e5">EVEA5JW6U4JV-6-9770</_dlc_DocId>
+    <_dlc_DocIdUrl xmlns="037063e9-a85e-4c78-8627-f1a9315663e5">
+      <Url>https://portal.roitraining.com/Courses/_layouts/DocIdRedir.aspx?ID=EVEA5JW6U4JV-6-9770</Url>
+      <Description>EVEA5JW6U4JV-6-9770</Description>
+    </_dlc_DocIdUrl>
+    <Date_x0020_last_x0020_used xmlns="027ed24f-5970-4294-be5c-0919c5aaa214" xsi:nil="true"/>
+    <Customization_x0020_Information xmlns="027ed24f-5970-4294-be5c-0919c5aaa214" xsi:nil="true"/>
+  </documentManagement>
+</p:properties>
+</file>
+
+<file path=customXml/item3.xml><?xml version="1.0" encoding="utf-8"?>
 <ct:contentTypeSchema xmlns:ct="http://schemas.microsoft.com/office/2006/metadata/contentType" xmlns:ma="http://schemas.microsoft.com/office/2006/metadata/properties/metaAttributes" ct:_="" ma:_="" ma:contentTypeName="Document" ma:contentTypeID="0x0101006B08A054FD435346B287BB258D6D8C2A" ma:contentTypeVersion="2" ma:contentTypeDescription="Create a new document." ma:contentTypeScope="" ma:versionID="6146b90b4382322d8952632f355192b7">
   <xsd:schema xmlns:xsd="http://www.w3.org/2001/XMLSchema" xmlns:xs="http://www.w3.org/2001/XMLSchema" xmlns:p="http://schemas.microsoft.com/office/2006/metadata/properties" xmlns:ns2="027ed24f-5970-4294-be5c-0919c5aaa214" xmlns:ns3="037063e9-a85e-4c78-8627-f1a9315663e5" targetNamespace="http://schemas.microsoft.com/office/2006/metadata/properties" ma:root="true" ma:fieldsID="b5d91f802dafd2e22aeea528efbe2d3e" ns2:_="" ns3:_="">
     <xsd:import namespace="027ed24f-5970-4294-be5c-0919c5aaa214"/>
@@ -12433,7 +13455,7 @@
 </ct:contentTypeSchema>
 </file>
 
-<file path=customXml/item2.xml><?xml version="1.0" encoding="utf-8"?>
+<file path=customXml/item4.xml><?xml version="1.0" encoding="utf-8"?>
 <?mso-contentType ?>
 <spe:Receivers xmlns:spe="http://schemas.microsoft.com/sharepoint/events">
   <Receiver>
@@ -12479,30 +13501,32 @@
 </spe:Receivers>
 </file>
 
-<file path=customXml/item3.xml><?xml version="1.0" encoding="utf-8"?>
-<?mso-contentType ?>
-<FormTemplates xmlns="http://schemas.microsoft.com/sharepoint/v3/contenttype/forms">
-  <Display>DocumentLibraryForm</Display>
-  <Edit>DocumentLibraryForm</Edit>
-  <New>DocumentLibraryForm</New>
-</FormTemplates>
+<file path=customXml/itemProps1.xml><?xml version="1.0" encoding="utf-8"?>
+<ds:datastoreItem xmlns:ds="http://schemas.openxmlformats.org/officeDocument/2006/customXml" ds:itemID="{2DA015F3-603C-4688-A5F3-81D587DAB8C9}">
+  <ds:schemaRefs>
+    <ds:schemaRef ds:uri="http://schemas.microsoft.com/sharepoint/v3/contenttype/forms"/>
+  </ds:schemaRefs>
+</ds:datastoreItem>
 </file>
 
-<file path=customXml/item4.xml><?xml version="1.0" encoding="utf-8"?>
-<p:properties xmlns:p="http://schemas.microsoft.com/office/2006/metadata/properties" xmlns:xsi="http://www.w3.org/2001/XMLSchema-instance" xmlns:pc="http://schemas.microsoft.com/office/infopath/2007/PartnerControls">
-  <documentManagement>
-    <_dlc_DocId xmlns="037063e9-a85e-4c78-8627-f1a9315663e5">EVEA5JW6U4JV-6-9770</_dlc_DocId>
-    <_dlc_DocIdUrl xmlns="037063e9-a85e-4c78-8627-f1a9315663e5">
-      <Url>https://portal.roitraining.com/Courses/_layouts/DocIdRedir.aspx?ID=EVEA5JW6U4JV-6-9770</Url>
-      <Description>EVEA5JW6U4JV-6-9770</Description>
-    </_dlc_DocIdUrl>
-    <Date_x0020_last_x0020_used xmlns="027ed24f-5970-4294-be5c-0919c5aaa214" xsi:nil="true"/>
-    <Customization_x0020_Information xmlns="027ed24f-5970-4294-be5c-0919c5aaa214" xsi:nil="true"/>
-  </documentManagement>
-</p:properties>
+<file path=customXml/itemProps2.xml><?xml version="1.0" encoding="utf-8"?>
+<ds:datastoreItem xmlns:ds="http://schemas.openxmlformats.org/officeDocument/2006/customXml" ds:itemID="{F47B9207-CE5C-49AD-B414-15CBFA246D65}">
+  <ds:schemaRefs>
+    <ds:schemaRef ds:uri="http://purl.org/dc/terms/"/>
+    <ds:schemaRef ds:uri="037063e9-a85e-4c78-8627-f1a9315663e5"/>
+    <ds:schemaRef ds:uri="http://schemas.microsoft.com/office/2006/documentManagement/types"/>
+    <ds:schemaRef ds:uri="http://schemas.microsoft.com/office/infopath/2007/PartnerControls"/>
+    <ds:schemaRef ds:uri="http://purl.org/dc/elements/1.1/"/>
+    <ds:schemaRef ds:uri="http://schemas.microsoft.com/office/2006/metadata/properties"/>
+    <ds:schemaRef ds:uri="http://schemas.openxmlformats.org/package/2006/metadata/core-properties"/>
+    <ds:schemaRef ds:uri="027ed24f-5970-4294-be5c-0919c5aaa214"/>
+    <ds:schemaRef ds:uri="http://www.w3.org/XML/1998/namespace"/>
+    <ds:schemaRef ds:uri="http://purl.org/dc/dcmitype/"/>
+  </ds:schemaRefs>
+</ds:datastoreItem>
 </file>
 
-<file path=customXml/itemProps1.xml><?xml version="1.0" encoding="utf-8"?>
+<file path=customXml/itemProps3.xml><?xml version="1.0" encoding="utf-8"?>
 <ds:datastoreItem xmlns:ds="http://schemas.openxmlformats.org/officeDocument/2006/customXml" ds:itemID="{B8E0886B-5092-4138-9EEE-28D3BFD5A483}">
   <ds:schemaRefs>
     <ds:schemaRef ds:uri="http://schemas.microsoft.com/office/2006/metadata/contentType"/>
@@ -12521,35 +13545,10 @@
 </ds:datastoreItem>
 </file>
 
-<file path=customXml/itemProps2.xml><?xml version="1.0" encoding="utf-8"?>
+<file path=customXml/itemProps4.xml><?xml version="1.0" encoding="utf-8"?>
 <ds:datastoreItem xmlns:ds="http://schemas.openxmlformats.org/officeDocument/2006/customXml" ds:itemID="{B9043294-8302-4947-B882-02D6486F929C}">
   <ds:schemaRefs>
     <ds:schemaRef ds:uri="http://schemas.microsoft.com/sharepoint/events"/>
   </ds:schemaRefs>
 </ds:datastoreItem>
-</file>
-
-<file path=customXml/itemProps3.xml><?xml version="1.0" encoding="utf-8"?>
-<ds:datastoreItem xmlns:ds="http://schemas.openxmlformats.org/officeDocument/2006/customXml" ds:itemID="{2DA015F3-603C-4688-A5F3-81D587DAB8C9}">
-  <ds:schemaRefs>
-    <ds:schemaRef ds:uri="http://schemas.microsoft.com/sharepoint/v3/contenttype/forms"/>
-  </ds:schemaRefs>
-</ds:datastoreItem>
-</file>
-
-<file path=customXml/itemProps4.xml><?xml version="1.0" encoding="utf-8"?>
-<ds:datastoreItem xmlns:ds="http://schemas.openxmlformats.org/officeDocument/2006/customXml" ds:itemID="{F47B9207-CE5C-49AD-B414-15CBFA246D65}">
-  <ds:schemaRefs>
-    <ds:schemaRef ds:uri="http://purl.org/dc/terms/"/>
-    <ds:schemaRef ds:uri="037063e9-a85e-4c78-8627-f1a9315663e5"/>
-    <ds:schemaRef ds:uri="http://schemas.microsoft.com/office/2006/documentManagement/types"/>
-    <ds:schemaRef ds:uri="http://schemas.microsoft.com/office/infopath/2007/PartnerControls"/>
-    <ds:schemaRef ds:uri="http://purl.org/dc/elements/1.1/"/>
-    <ds:schemaRef ds:uri="http://schemas.microsoft.com/office/2006/metadata/properties"/>
-    <ds:schemaRef ds:uri="http://schemas.openxmlformats.org/package/2006/metadata/core-properties"/>
-    <ds:schemaRef ds:uri="027ed24f-5970-4294-be5c-0919c5aaa214"/>
-    <ds:schemaRef ds:uri="http://www.w3.org/XML/1998/namespace"/>
-    <ds:schemaRef ds:uri="http://purl.org/dc/dcmitype/"/>
-  </ds:schemaRefs>
-</ds:datastoreItem>
 </file>
--- a/Day2/Day2_DataFrames.pptx
+++ b/Day2/Day2_DataFrames.pptx
@@ -5,10 +5,10 @@
     <p:sldMasterId id="2147483684" r:id="rId5"/>
   </p:sldMasterIdLst>
   <p:notesMasterIdLst>
-    <p:notesMasterId r:id="rId26"/>
+    <p:notesMasterId r:id="rId25"/>
   </p:notesMasterIdLst>
   <p:handoutMasterIdLst>
-    <p:handoutMasterId r:id="rId27"/>
+    <p:handoutMasterId r:id="rId26"/>
   </p:handoutMasterIdLst>
   <p:sldIdLst>
     <p:sldId id="257" r:id="rId6"/>
@@ -29,8 +29,7 @@
     <p:sldId id="391" r:id="rId21"/>
     <p:sldId id="387" r:id="rId22"/>
     <p:sldId id="393" r:id="rId23"/>
-    <p:sldId id="394" r:id="rId24"/>
-    <p:sldId id="395" r:id="rId25"/>
+    <p:sldId id="395" r:id="rId24"/>
   </p:sldIdLst>
   <p:sldSz cx="9144000" cy="6858000" type="screen4x3"/>
   <p:notesSz cx="7053263" cy="9356725"/>
@@ -1837,7 +1836,7 @@
       </p:grpSpPr>
       <p:sp>
         <p:nvSpPr>
-          <p:cNvPr id="2" name="Slide Image Placeholder 1"/>
+          <p:cNvPr id="7" name="Slide Image Placeholder 6"/>
           <p:cNvSpPr>
             <a:spLocks noGrp="1" noRot="1" noChangeAspect="1"/>
           </p:cNvSpPr>
@@ -1854,7 +1853,7 @@
       </p:sp>
       <p:sp>
         <p:nvSpPr>
-          <p:cNvPr id="3" name="Notes Placeholder 2"/>
+          <p:cNvPr id="8" name="Notes Placeholder 7"/>
           <p:cNvSpPr>
             <a:spLocks noGrp="1"/>
           </p:cNvSpPr>
@@ -1874,7 +1873,7 @@
     </p:spTree>
     <p:extLst>
       <p:ext uri="{BB962C8B-B14F-4D97-AF65-F5344CB8AC3E}">
-        <p14:creationId xmlns:p14="http://schemas.microsoft.com/office/powerpoint/2010/main" val="1884008156"/>
+        <p14:creationId xmlns:p14="http://schemas.microsoft.com/office/powerpoint/2010/main" val="2599506137"/>
       </p:ext>
     </p:extLst>
   </p:cSld>
@@ -1941,72 +1940,6 @@
     <p:extLst>
       <p:ext uri="{BB962C8B-B14F-4D97-AF65-F5344CB8AC3E}">
         <p14:creationId xmlns:p14="http://schemas.microsoft.com/office/powerpoint/2010/main" val="367320650"/>
-      </p:ext>
-    </p:extLst>
-  </p:cSld>
-  <p:clrMapOvr>
-    <a:masterClrMapping/>
-  </p:clrMapOvr>
-</p:notes>
-</file>
-
-<file path=ppt/notesSlides/notesSlide20.xml><?xml version="1.0" encoding="utf-8"?>
-<p:notes xmlns:a="http://schemas.openxmlformats.org/drawingml/2006/main" xmlns:r="http://schemas.openxmlformats.org/officeDocument/2006/relationships" xmlns:p="http://schemas.openxmlformats.org/presentationml/2006/main">
-  <p:cSld>
-    <p:spTree>
-      <p:nvGrpSpPr>
-        <p:cNvPr id="1" name=""/>
-        <p:cNvGrpSpPr/>
-        <p:nvPr/>
-      </p:nvGrpSpPr>
-      <p:grpSpPr>
-        <a:xfrm>
-          <a:off x="0" y="0"/>
-          <a:ext cx="0" cy="0"/>
-          <a:chOff x="0" y="0"/>
-          <a:chExt cx="0" cy="0"/>
-        </a:xfrm>
-      </p:grpSpPr>
-      <p:sp>
-        <p:nvSpPr>
-          <p:cNvPr id="7" name="Slide Image Placeholder 6"/>
-          <p:cNvSpPr>
-            <a:spLocks noGrp="1" noRot="1" noChangeAspect="1"/>
-          </p:cNvSpPr>
-          <p:nvPr>
-            <p:ph type="sldImg"/>
-          </p:nvPr>
-        </p:nvSpPr>
-        <p:spPr>
-          <a:xfrm>
-            <a:off x="1189038" y="701675"/>
-            <a:ext cx="4676775" cy="3508375"/>
-          </a:xfrm>
-        </p:spPr>
-      </p:sp>
-      <p:sp>
-        <p:nvSpPr>
-          <p:cNvPr id="8" name="Notes Placeholder 7"/>
-          <p:cNvSpPr>
-            <a:spLocks noGrp="1"/>
-          </p:cNvSpPr>
-          <p:nvPr>
-            <p:ph type="body" idx="1"/>
-          </p:nvPr>
-        </p:nvSpPr>
-        <p:spPr/>
-        <p:txBody>
-          <a:bodyPr/>
-          <a:lstStyle/>
-          <a:p>
-            <a:endParaRPr lang="en-US" dirty="0"/>
-          </a:p>
-        </p:txBody>
-      </p:sp>
-    </p:spTree>
-    <p:extLst>
-      <p:ext uri="{BB962C8B-B14F-4D97-AF65-F5344CB8AC3E}">
-        <p14:creationId xmlns:p14="http://schemas.microsoft.com/office/powerpoint/2010/main" val="2599506137"/>
       </p:ext>
     </p:extLst>
   </p:cSld>
@@ -10082,7 +10015,7 @@
       </p:grpSpPr>
       <p:sp>
         <p:nvSpPr>
-          <p:cNvPr id="2" name="Content Placeholder 1"/>
+          <p:cNvPr id="3" name="Content Placeholder 2"/>
           <p:cNvSpPr>
             <a:spLocks noGrp="1"/>
           </p:cNvSpPr>
@@ -10090,189 +10023,45 @@
             <p:ph idx="1"/>
           </p:nvPr>
         </p:nvSpPr>
-        <p:spPr>
-          <a:xfrm>
-            <a:off x="270668" y="1123530"/>
-            <a:ext cx="8873332" cy="5229144"/>
-          </a:xfrm>
-        </p:spPr>
+        <p:spPr/>
         <p:txBody>
           <a:bodyPr/>
           <a:lstStyle/>
           <a:p>
-            <a:r>
-              <a:rPr lang="en-US" dirty="0"/>
-              <a:t>Sometimes it is necessary to write complex functions using Python</a:t>
-            </a:r>
-          </a:p>
-          <a:p>
-            <a:r>
-              <a:rPr lang="en-US" dirty="0"/>
-              <a:t>Import the helper functions in pyspark.sql</a:t>
-            </a:r>
-          </a:p>
-          <a:p>
-            <a:pPr marL="228600" lvl="1" indent="0">
+            <a:pPr marL="0" indent="0">
               <a:buNone/>
             </a:pPr>
             <a:r>
-              <a:rPr lang="en-US" dirty="0">
-                <a:latin typeface="Courier New" panose="02070309020205020404" pitchFamily="49" charset="0"/>
-                <a:cs typeface="Courier New" panose="02070309020205020404" pitchFamily="49" charset="0"/>
-              </a:rPr>
-              <a:t>from pyspark.sql.functions import udf</a:t>
-            </a:r>
-          </a:p>
-          <a:p>
-            <a:pPr marL="228600" lvl="1" indent="0">
-              <a:buNone/>
-            </a:pPr>
-            <a:r>
-              <a:rPr lang="en-US" dirty="0">
-                <a:latin typeface="Courier New" panose="02070309020205020404" pitchFamily="49" charset="0"/>
-                <a:cs typeface="Courier New" panose="02070309020205020404" pitchFamily="49" charset="0"/>
-              </a:rPr>
-              <a:t>from pyspark.sql.types import *</a:t>
-            </a:r>
-          </a:p>
-          <a:p>
-            <a:pPr marL="228600" lvl="1" indent="0">
-              <a:buNone/>
-            </a:pPr>
-            <a:r>
-              <a:rPr lang="en-US" dirty="0">
-                <a:latin typeface="Courier New" panose="02070309020205020404" pitchFamily="49" charset="0"/>
-                <a:cs typeface="Courier New" panose="02070309020205020404" pitchFamily="49" charset="0"/>
-              </a:rPr>
-              <a:t>from pyspark.sql.functions import to_date</a:t>
-            </a:r>
-          </a:p>
-          <a:p>
-            <a:r>
               <a:rPr lang="en-US" dirty="0"/>
-              <a:t>Write whatever custom function you need:</a:t>
-            </a:r>
-            <a:br>
+              <a:t>In this chapter, we have:</a:t>
+            </a:r>
+          </a:p>
+          <a:p>
+            <a:r>
               <a:rPr lang="en-US" dirty="0"/>
-            </a:br>
-            <a:r>
-              <a:rPr lang="en-US" dirty="0">
-                <a:latin typeface="Courier New" panose="02070309020205020404" pitchFamily="49" charset="0"/>
-                <a:cs typeface="Courier New" panose="02070309020205020404" pitchFamily="49" charset="0"/>
-              </a:rPr>
-              <a:t>def city(x):</a:t>
-            </a:r>
-            <a:br>
-              <a:rPr lang="en-US" dirty="0">
-                <a:latin typeface="Courier New" panose="02070309020205020404" pitchFamily="49" charset="0"/>
-                <a:cs typeface="Courier New" panose="02070309020205020404" pitchFamily="49" charset="0"/>
-              </a:rPr>
-            </a:br>
-            <a:r>
-              <a:rPr lang="en-US" dirty="0">
-                <a:latin typeface="Courier New" panose="02070309020205020404" pitchFamily="49" charset="0"/>
-                <a:cs typeface="Courier New" panose="02070309020205020404" pitchFamily="49" charset="0"/>
-              </a:rPr>
-              <a:t>    return x[:x.find(',')]</a:t>
-            </a:r>
-            <a:br>
-              <a:rPr lang="en-US" dirty="0">
-                <a:latin typeface="Courier New" panose="02070309020205020404" pitchFamily="49" charset="0"/>
-                <a:cs typeface="Courier New" panose="02070309020205020404" pitchFamily="49" charset="0"/>
-              </a:rPr>
-            </a:br>
-            <a:r>
-              <a:rPr lang="en-US" dirty="0">
-                <a:latin typeface="Courier New" panose="02070309020205020404" pitchFamily="49" charset="0"/>
-                <a:cs typeface="Courier New" panose="02070309020205020404" pitchFamily="49" charset="0"/>
-              </a:rPr>
-              <a:t>def country(x):</a:t>
-            </a:r>
-            <a:br>
-              <a:rPr lang="en-US" dirty="0">
-                <a:latin typeface="Courier New" panose="02070309020205020404" pitchFamily="49" charset="0"/>
-                <a:cs typeface="Courier New" panose="02070309020205020404" pitchFamily="49" charset="0"/>
-              </a:rPr>
-            </a:br>
-            <a:r>
-              <a:rPr lang="en-US" dirty="0">
-                <a:latin typeface="Courier New" panose="02070309020205020404" pitchFamily="49" charset="0"/>
-                <a:cs typeface="Courier New" panose="02070309020205020404" pitchFamily="49" charset="0"/>
-              </a:rPr>
-              <a:t>    return x[x.find(',') + 1 :]</a:t>
+              <a:t>Introduced DataFrames</a:t>
             </a:r>
           </a:p>
           <a:p>
             <a:r>
               <a:rPr lang="en-US" dirty="0"/>
-              <a:t>Call the built-in function or use the </a:t>
-            </a:r>
-            <a:r>
-              <a:rPr lang="en-US" dirty="0">
-                <a:latin typeface="Courier New" panose="02070309020205020404" pitchFamily="49" charset="0"/>
-                <a:cs typeface="Courier New" panose="02070309020205020404" pitchFamily="49" charset="0"/>
-              </a:rPr>
-              <a:t>udf</a:t>
-            </a:r>
+              <a:t>Shown how to create a structured object using DataFrames</a:t>
+            </a:r>
+          </a:p>
+          <a:p>
             <a:r>
               <a:rPr lang="en-US" dirty="0"/>
-              <a:t> function to wrap and call your UDF:</a:t>
-            </a:r>
-            <a:br>
-              <a:rPr lang="en-US" dirty="0"/>
-            </a:br>
-            <a:r>
-              <a:rPr lang="en-US" sz="1600" dirty="0">
-                <a:latin typeface="Courier New" panose="02070309020205020404" pitchFamily="49" charset="0"/>
-                <a:cs typeface="Courier New" panose="02070309020205020404" pitchFamily="49" charset="0"/>
-              </a:rPr>
-              <a:t>df4.withColumn('City', udf(city, StringType())(df4.CityCountry)) \</a:t>
-            </a:r>
-            <a:br>
-              <a:rPr lang="en-US" sz="1600" dirty="0">
-                <a:latin typeface="Courier New" panose="02070309020205020404" pitchFamily="49" charset="0"/>
-                <a:cs typeface="Courier New" panose="02070309020205020404" pitchFamily="49" charset="0"/>
-              </a:rPr>
-            </a:br>
-            <a:r>
-              <a:rPr lang="en-US" sz="1600" dirty="0">
-                <a:latin typeface="Courier New" panose="02070309020205020404" pitchFamily="49" charset="0"/>
-                <a:cs typeface="Courier New" panose="02070309020205020404" pitchFamily="49" charset="0"/>
-              </a:rPr>
-              <a:t>.withColumn('Country', udf(country, StringType())(df4.CityCountry)) \</a:t>
-            </a:r>
-            <a:br>
-              <a:rPr lang="en-US" sz="1600" dirty="0">
-                <a:latin typeface="Courier New" panose="02070309020205020404" pitchFamily="49" charset="0"/>
-                <a:cs typeface="Courier New" panose="02070309020205020404" pitchFamily="49" charset="0"/>
-              </a:rPr>
-            </a:br>
-            <a:r>
-              <a:rPr lang="en-US" sz="1600" dirty="0">
-                <a:latin typeface="Courier New" panose="02070309020205020404" pitchFamily="49" charset="0"/>
-                <a:cs typeface="Courier New" panose="02070309020205020404" pitchFamily="49" charset="0"/>
-              </a:rPr>
-              <a:t>.withColumn('Date', to_date(df4.Date, 'dd-MMM-yy')) \</a:t>
-            </a:r>
-            <a:br>
-              <a:rPr lang="en-US" sz="1600" dirty="0">
-                <a:latin typeface="Courier New" panose="02070309020205020404" pitchFamily="49" charset="0"/>
-                <a:cs typeface="Courier New" panose="02070309020205020404" pitchFamily="49" charset="0"/>
-              </a:rPr>
-            </a:br>
-            <a:r>
-              <a:rPr lang="en-US" sz="1600" dirty="0">
-                <a:latin typeface="Courier New" panose="02070309020205020404" pitchFamily="49" charset="0"/>
-                <a:cs typeface="Courier New" panose="02070309020205020404" pitchFamily="49" charset="0"/>
-              </a:rPr>
-              <a:t>.drop(df4.CityCountry)</a:t>
-            </a:r>
+              <a:t>Applied transformations and actions on DataFrames</a:t>
+            </a:r>
+          </a:p>
+          <a:p>
+            <a:endParaRPr lang="en-US" dirty="0"/>
           </a:p>
         </p:txBody>
       </p:sp>
       <p:sp>
         <p:nvSpPr>
-          <p:cNvPr id="3" name="Title 2"/>
+          <p:cNvPr id="2" name="Title 1"/>
           <p:cNvSpPr>
             <a:spLocks noGrp="1"/>
           </p:cNvSpPr>
@@ -10287,7 +10076,7 @@
           <a:p>
             <a:r>
               <a:rPr lang="en-US" dirty="0"/>
-              <a:t>User Defined Functions</a:t>
+              <a:t>Chapter Summary</a:t>
             </a:r>
           </a:p>
         </p:txBody>
@@ -10295,7 +10084,7 @@
     </p:spTree>
     <p:extLst>
       <p:ext uri="{BB962C8B-B14F-4D97-AF65-F5344CB8AC3E}">
-        <p14:creationId xmlns:p14="http://schemas.microsoft.com/office/powerpoint/2010/main" val="3221363704"/>
+        <p14:creationId xmlns:p14="http://schemas.microsoft.com/office/powerpoint/2010/main" val="4133957086"/>
       </p:ext>
     </p:extLst>
   </p:cSld>
@@ -10394,104 +10183,6 @@
     <p:extLst>
       <p:ext uri="{BB962C8B-B14F-4D97-AF65-F5344CB8AC3E}">
         <p14:creationId xmlns:p14="http://schemas.microsoft.com/office/powerpoint/2010/main" val="880506761"/>
-      </p:ext>
-    </p:extLst>
-  </p:cSld>
-  <p:clrMapOvr>
-    <a:masterClrMapping/>
-  </p:clrMapOvr>
-</p:sld>
-</file>
-
-<file path=ppt/slides/slide20.xml><?xml version="1.0" encoding="utf-8"?>
-<p:sld xmlns:a="http://schemas.openxmlformats.org/drawingml/2006/main" xmlns:r="http://schemas.openxmlformats.org/officeDocument/2006/relationships" xmlns:p="http://schemas.openxmlformats.org/presentationml/2006/main">
-  <p:cSld>
-    <p:spTree>
-      <p:nvGrpSpPr>
-        <p:cNvPr id="1" name=""/>
-        <p:cNvGrpSpPr/>
-        <p:nvPr/>
-      </p:nvGrpSpPr>
-      <p:grpSpPr>
-        <a:xfrm>
-          <a:off x="0" y="0"/>
-          <a:ext cx="0" cy="0"/>
-          <a:chOff x="0" y="0"/>
-          <a:chExt cx="0" cy="0"/>
-        </a:xfrm>
-      </p:grpSpPr>
-      <p:sp>
-        <p:nvSpPr>
-          <p:cNvPr id="3" name="Content Placeholder 2"/>
-          <p:cNvSpPr>
-            <a:spLocks noGrp="1"/>
-          </p:cNvSpPr>
-          <p:nvPr>
-            <p:ph idx="1"/>
-          </p:nvPr>
-        </p:nvSpPr>
-        <p:spPr/>
-        <p:txBody>
-          <a:bodyPr/>
-          <a:lstStyle/>
-          <a:p>
-            <a:pPr marL="0" indent="0">
-              <a:buNone/>
-            </a:pPr>
-            <a:r>
-              <a:rPr lang="en-US" dirty="0"/>
-              <a:t>In this chapter, we have:</a:t>
-            </a:r>
-          </a:p>
-          <a:p>
-            <a:r>
-              <a:rPr lang="en-US" dirty="0"/>
-              <a:t>Introduced DataFrames</a:t>
-            </a:r>
-          </a:p>
-          <a:p>
-            <a:r>
-              <a:rPr lang="en-US" dirty="0"/>
-              <a:t>Shown how to create a structured object using DataFrames</a:t>
-            </a:r>
-          </a:p>
-          <a:p>
-            <a:r>
-              <a:rPr lang="en-US" dirty="0"/>
-              <a:t>Applied transformations and actions on DataFrames</a:t>
-            </a:r>
-          </a:p>
-          <a:p>
-            <a:endParaRPr lang="en-US" dirty="0"/>
-          </a:p>
-        </p:txBody>
-      </p:sp>
-      <p:sp>
-        <p:nvSpPr>
-          <p:cNvPr id="2" name="Title 1"/>
-          <p:cNvSpPr>
-            <a:spLocks noGrp="1"/>
-          </p:cNvSpPr>
-          <p:nvPr>
-            <p:ph type="title"/>
-          </p:nvPr>
-        </p:nvSpPr>
-        <p:spPr/>
-        <p:txBody>
-          <a:bodyPr/>
-          <a:lstStyle/>
-          <a:p>
-            <a:r>
-              <a:rPr lang="en-US" dirty="0"/>
-              <a:t>Chapter Summary</a:t>
-            </a:r>
-          </a:p>
-        </p:txBody>
-      </p:sp>
-    </p:spTree>
-    <p:extLst>
-      <p:ext uri="{BB962C8B-B14F-4D97-AF65-F5344CB8AC3E}">
-        <p14:creationId xmlns:p14="http://schemas.microsoft.com/office/powerpoint/2010/main" val="4133957086"/>
       </p:ext>
     </p:extLst>
   </p:cSld>
@@ -13276,17 +12967,49 @@
 </file>
 
 <file path=customXml/item2.xml><?xml version="1.0" encoding="utf-8"?>
-<p:properties xmlns:p="http://schemas.microsoft.com/office/2006/metadata/properties" xmlns:xsi="http://www.w3.org/2001/XMLSchema-instance" xmlns:pc="http://schemas.microsoft.com/office/infopath/2007/PartnerControls">
-  <documentManagement>
-    <_dlc_DocId xmlns="037063e9-a85e-4c78-8627-f1a9315663e5">EVEA5JW6U4JV-6-9770</_dlc_DocId>
-    <_dlc_DocIdUrl xmlns="037063e9-a85e-4c78-8627-f1a9315663e5">
-      <Url>https://portal.roitraining.com/Courses/_layouts/DocIdRedir.aspx?ID=EVEA5JW6U4JV-6-9770</Url>
-      <Description>EVEA5JW6U4JV-6-9770</Description>
-    </_dlc_DocIdUrl>
-    <Date_x0020_last_x0020_used xmlns="027ed24f-5970-4294-be5c-0919c5aaa214" xsi:nil="true"/>
-    <Customization_x0020_Information xmlns="027ed24f-5970-4294-be5c-0919c5aaa214" xsi:nil="true"/>
-  </documentManagement>
-</p:properties>
+<?mso-contentType ?>
+<spe:Receivers xmlns:spe="http://schemas.microsoft.com/sharepoint/events">
+  <Receiver>
+    <Name>Document ID Generator</Name>
+    <Synchronization>Synchronous</Synchronization>
+    <Type>10001</Type>
+    <SequenceNumber>1000</SequenceNumber>
+    <Assembly>Microsoft.Office.DocumentManagement, Version=14.0.0.0, Culture=neutral, PublicKeyToken=71e9bce111e9429c</Assembly>
+    <Class>Microsoft.Office.DocumentManagement.Internal.DocIdHandler</Class>
+    <Data/>
+    <Filter/>
+  </Receiver>
+  <Receiver>
+    <Name>Document ID Generator</Name>
+    <Synchronization>Synchronous</Synchronization>
+    <Type>10002</Type>
+    <SequenceNumber>1001</SequenceNumber>
+    <Assembly>Microsoft.Office.DocumentManagement, Version=14.0.0.0, Culture=neutral, PublicKeyToken=71e9bce111e9429c</Assembly>
+    <Class>Microsoft.Office.DocumentManagement.Internal.DocIdHandler</Class>
+    <Data/>
+    <Filter/>
+  </Receiver>
+  <Receiver>
+    <Name>Document ID Generator</Name>
+    <Synchronization>Synchronous</Synchronization>
+    <Type>10004</Type>
+    <SequenceNumber>1002</SequenceNumber>
+    <Assembly>Microsoft.Office.DocumentManagement, Version=14.0.0.0, Culture=neutral, PublicKeyToken=71e9bce111e9429c</Assembly>
+    <Class>Microsoft.Office.DocumentManagement.Internal.DocIdHandler</Class>
+    <Data/>
+    <Filter/>
+  </Receiver>
+  <Receiver>
+    <Name>Document ID Generator</Name>
+    <Synchronization>Synchronous</Synchronization>
+    <Type>10006</Type>
+    <SequenceNumber>1003</SequenceNumber>
+    <Assembly>Microsoft.Office.DocumentManagement, Version=14.0.0.0, Culture=neutral, PublicKeyToken=71e9bce111e9429c</Assembly>
+    <Class>Microsoft.Office.DocumentManagement.Internal.DocIdHandler</Class>
+    <Data/>
+    <Filter/>
+  </Receiver>
+</spe:Receivers>
 </file>
 
 <file path=customXml/item3.xml><?xml version="1.0" encoding="utf-8"?>
@@ -13456,49 +13179,17 @@
 </file>
 
 <file path=customXml/item4.xml><?xml version="1.0" encoding="utf-8"?>
-<?mso-contentType ?>
-<spe:Receivers xmlns:spe="http://schemas.microsoft.com/sharepoint/events">
-  <Receiver>
-    <Name>Document ID Generator</Name>
-    <Synchronization>Synchronous</Synchronization>
-    <Type>10001</Type>
-    <SequenceNumber>1000</SequenceNumber>
-    <Assembly>Microsoft.Office.DocumentManagement, Version=14.0.0.0, Culture=neutral, PublicKeyToken=71e9bce111e9429c</Assembly>
-    <Class>Microsoft.Office.DocumentManagement.Internal.DocIdHandler</Class>
-    <Data/>
-    <Filter/>
-  </Receiver>
-  <Receiver>
-    <Name>Document ID Generator</Name>
-    <Synchronization>Synchronous</Synchronization>
-    <Type>10002</Type>
-    <SequenceNumber>1001</SequenceNumber>
-    <Assembly>Microsoft.Office.DocumentManagement, Version=14.0.0.0, Culture=neutral, PublicKeyToken=71e9bce111e9429c</Assembly>
-    <Class>Microsoft.Office.DocumentManagement.Internal.DocIdHandler</Class>
-    <Data/>
-    <Filter/>
-  </Receiver>
-  <Receiver>
-    <Name>Document ID Generator</Name>
-    <Synchronization>Synchronous</Synchronization>
-    <Type>10004</Type>
-    <SequenceNumber>1002</SequenceNumber>
-    <Assembly>Microsoft.Office.DocumentManagement, Version=14.0.0.0, Culture=neutral, PublicKeyToken=71e9bce111e9429c</Assembly>
-    <Class>Microsoft.Office.DocumentManagement.Internal.DocIdHandler</Class>
-    <Data/>
-    <Filter/>
-  </Receiver>
-  <Receiver>
-    <Name>Document ID Generator</Name>
-    <Synchronization>Synchronous</Synchronization>
-    <Type>10006</Type>
-    <SequenceNumber>1003</SequenceNumber>
-    <Assembly>Microsoft.Office.DocumentManagement, Version=14.0.0.0, Culture=neutral, PublicKeyToken=71e9bce111e9429c</Assembly>
-    <Class>Microsoft.Office.DocumentManagement.Internal.DocIdHandler</Class>
-    <Data/>
-    <Filter/>
-  </Receiver>
-</spe:Receivers>
+<p:properties xmlns:p="http://schemas.microsoft.com/office/2006/metadata/properties" xmlns:xsi="http://www.w3.org/2001/XMLSchema-instance" xmlns:pc="http://schemas.microsoft.com/office/infopath/2007/PartnerControls">
+  <documentManagement>
+    <_dlc_DocId xmlns="037063e9-a85e-4c78-8627-f1a9315663e5">EVEA5JW6U4JV-6-9770</_dlc_DocId>
+    <_dlc_DocIdUrl xmlns="037063e9-a85e-4c78-8627-f1a9315663e5">
+      <Url>https://portal.roitraining.com/Courses/_layouts/DocIdRedir.aspx?ID=EVEA5JW6U4JV-6-9770</Url>
+      <Description>EVEA5JW6U4JV-6-9770</Description>
+    </_dlc_DocIdUrl>
+    <Date_x0020_last_x0020_used xmlns="027ed24f-5970-4294-be5c-0919c5aaa214" xsi:nil="true"/>
+    <Customization_x0020_Information xmlns="027ed24f-5970-4294-be5c-0919c5aaa214" xsi:nil="true"/>
+  </documentManagement>
+</p:properties>
 </file>
 
 <file path=customXml/itemProps1.xml><?xml version="1.0" encoding="utf-8"?>
@@ -13510,18 +13201,9 @@
 </file>
 
 <file path=customXml/itemProps2.xml><?xml version="1.0" encoding="utf-8"?>
-<ds:datastoreItem xmlns:ds="http://schemas.openxmlformats.org/officeDocument/2006/customXml" ds:itemID="{F47B9207-CE5C-49AD-B414-15CBFA246D65}">
+<ds:datastoreItem xmlns:ds="http://schemas.openxmlformats.org/officeDocument/2006/customXml" ds:itemID="{B9043294-8302-4947-B882-02D6486F929C}">
   <ds:schemaRefs>
-    <ds:schemaRef ds:uri="http://purl.org/dc/terms/"/>
-    <ds:schemaRef ds:uri="037063e9-a85e-4c78-8627-f1a9315663e5"/>
-    <ds:schemaRef ds:uri="http://schemas.microsoft.com/office/2006/documentManagement/types"/>
-    <ds:schemaRef ds:uri="http://schemas.microsoft.com/office/infopath/2007/PartnerControls"/>
-    <ds:schemaRef ds:uri="http://purl.org/dc/elements/1.1/"/>
-    <ds:schemaRef ds:uri="http://schemas.microsoft.com/office/2006/metadata/properties"/>
-    <ds:schemaRef ds:uri="http://schemas.openxmlformats.org/package/2006/metadata/core-properties"/>
-    <ds:schemaRef ds:uri="027ed24f-5970-4294-be5c-0919c5aaa214"/>
-    <ds:schemaRef ds:uri="http://www.w3.org/XML/1998/namespace"/>
-    <ds:schemaRef ds:uri="http://purl.org/dc/dcmitype/"/>
+    <ds:schemaRef ds:uri="http://schemas.microsoft.com/sharepoint/events"/>
   </ds:schemaRefs>
 </ds:datastoreItem>
 </file>
@@ -13546,9 +13228,18 @@
 </file>
 
 <file path=customXml/itemProps4.xml><?xml version="1.0" encoding="utf-8"?>
-<ds:datastoreItem xmlns:ds="http://schemas.openxmlformats.org/officeDocument/2006/customXml" ds:itemID="{B9043294-8302-4947-B882-02D6486F929C}">
+<ds:datastoreItem xmlns:ds="http://schemas.openxmlformats.org/officeDocument/2006/customXml" ds:itemID="{F47B9207-CE5C-49AD-B414-15CBFA246D65}">
   <ds:schemaRefs>
-    <ds:schemaRef ds:uri="http://schemas.microsoft.com/sharepoint/events"/>
+    <ds:schemaRef ds:uri="http://purl.org/dc/terms/"/>
+    <ds:schemaRef ds:uri="037063e9-a85e-4c78-8627-f1a9315663e5"/>
+    <ds:schemaRef ds:uri="http://schemas.microsoft.com/office/2006/documentManagement/types"/>
+    <ds:schemaRef ds:uri="http://schemas.microsoft.com/office/infopath/2007/PartnerControls"/>
+    <ds:schemaRef ds:uri="http://purl.org/dc/elements/1.1/"/>
+    <ds:schemaRef ds:uri="http://schemas.microsoft.com/office/2006/metadata/properties"/>
+    <ds:schemaRef ds:uri="http://schemas.openxmlformats.org/package/2006/metadata/core-properties"/>
+    <ds:schemaRef ds:uri="027ed24f-5970-4294-be5c-0919c5aaa214"/>
+    <ds:schemaRef ds:uri="http://www.w3.org/XML/1998/namespace"/>
+    <ds:schemaRef ds:uri="http://purl.org/dc/dcmitype/"/>
   </ds:schemaRefs>
 </ds:datastoreItem>
 </file>
--- a/Day2/Day2_DataFrames.pptx
+++ b/Day2/Day2_DataFrames.pptx
@@ -737,7 +737,7 @@
                 </a:solidFill>
                 <a:latin typeface="Tahoma" pitchFamily="34" charset="0"/>
               </a:rPr>
-              <a:t>Chapter 3-</a:t>
+              <a:t>Chapter 2-</a:t>
             </a:r>
             <a:fld id="{9C58707A-6F60-4D20-8A8B-4F90B88EA4F7}" type="slidenum">
               <a:rPr lang="en-US" sz="1200" smtClean="0">
@@ -6615,7 +6615,7 @@
                 </a:solidFill>
                 <a:latin typeface="Tahoma" charset="0"/>
               </a:rPr>
-              <a:t>© 2019</a:t>
+              <a:t>© 2020</a:t>
             </a:r>
             <a:r>
               <a:rPr lang="en-US" sz="700" b="0" baseline="0" dirty="0">
@@ -7832,46 +7832,11 @@
           <a:p>
             <a:pPr lvl="1"/>
             <a:r>
-              <a:rPr lang="en-US" dirty="0" err="1">
-                <a:latin typeface="Courier New" panose="02070309020205020404" pitchFamily="49" charset="0"/>
-                <a:cs typeface="Courier New" panose="02070309020205020404" pitchFamily="49" charset="0"/>
-              </a:rPr>
-              <a:t>json</a:t>
-            </a:r>
-            <a:r>
-              <a:rPr lang="en-US" dirty="0">
-                <a:latin typeface="Courier New" panose="02070309020205020404" pitchFamily="49" charset="0"/>
-                <a:cs typeface="Courier New" panose="02070309020205020404" pitchFamily="49" charset="0"/>
-              </a:rPr>
-              <a:t>    </a:t>
-            </a:r>
-            <a:r>
-              <a:rPr lang="en-US" dirty="0" err="1">
-                <a:latin typeface="Courier New" panose="02070309020205020404" pitchFamily="49" charset="0"/>
-                <a:cs typeface="Courier New" panose="02070309020205020404" pitchFamily="49" charset="0"/>
-              </a:rPr>
-              <a:t>spark.read.json</a:t>
-            </a:r>
-            <a:r>
-              <a:rPr lang="en-US" dirty="0">
-                <a:latin typeface="Courier New" panose="02070309020205020404" pitchFamily="49" charset="0"/>
-                <a:cs typeface="Courier New" panose="02070309020205020404" pitchFamily="49" charset="0"/>
-              </a:rPr>
-              <a:t>(filename) </a:t>
-            </a:r>
-            <a:r>
-              <a:rPr lang="en-US" dirty="0" err="1">
-                <a:latin typeface="Courier New" panose="02070309020205020404" pitchFamily="49" charset="0"/>
-                <a:cs typeface="Courier New" panose="02070309020205020404" pitchFamily="49" charset="0"/>
-              </a:rPr>
-              <a:t>df.write.json</a:t>
-            </a:r>
-            <a:r>
-              <a:rPr lang="en-US" dirty="0">
-                <a:latin typeface="Courier New" panose="02070309020205020404" pitchFamily="49" charset="0"/>
-                <a:cs typeface="Courier New" panose="02070309020205020404" pitchFamily="49" charset="0"/>
-              </a:rPr>
-              <a:t>(file)</a:t>
+              <a:rPr lang="en-US" dirty="0">
+                <a:latin typeface="Courier New" panose="02070309020205020404" pitchFamily="49" charset="0"/>
+                <a:cs typeface="Courier New" panose="02070309020205020404" pitchFamily="49" charset="0"/>
+              </a:rPr>
+              <a:t>json    spark.read.json(filename) df.write.json(file)</a:t>
             </a:r>
           </a:p>
           <a:p>
@@ -7881,35 +7846,7 @@
                 <a:latin typeface="Courier New" panose="02070309020205020404" pitchFamily="49" charset="0"/>
                 <a:cs typeface="Courier New" panose="02070309020205020404" pitchFamily="49" charset="0"/>
               </a:rPr>
-              <a:t>orc     </a:t>
-            </a:r>
-            <a:r>
-              <a:rPr lang="en-US" dirty="0" err="1">
-                <a:latin typeface="Courier New" panose="02070309020205020404" pitchFamily="49" charset="0"/>
-                <a:cs typeface="Courier New" panose="02070309020205020404" pitchFamily="49" charset="0"/>
-              </a:rPr>
-              <a:t>spark.read.orc</a:t>
-            </a:r>
-            <a:r>
-              <a:rPr lang="en-US" dirty="0">
-                <a:latin typeface="Courier New" panose="02070309020205020404" pitchFamily="49" charset="0"/>
-                <a:cs typeface="Courier New" panose="02070309020205020404" pitchFamily="49" charset="0"/>
-              </a:rPr>
-              <a:t>(filename)  </a:t>
-            </a:r>
-            <a:r>
-              <a:rPr lang="en-US" dirty="0" err="1">
-                <a:latin typeface="Courier New" panose="02070309020205020404" pitchFamily="49" charset="0"/>
-                <a:cs typeface="Courier New" panose="02070309020205020404" pitchFamily="49" charset="0"/>
-              </a:rPr>
-              <a:t>df.write.orc</a:t>
-            </a:r>
-            <a:r>
-              <a:rPr lang="en-US" dirty="0">
-                <a:latin typeface="Courier New" panose="02070309020205020404" pitchFamily="49" charset="0"/>
-                <a:cs typeface="Courier New" panose="02070309020205020404" pitchFamily="49" charset="0"/>
-              </a:rPr>
-              <a:t>(file)</a:t>
+              <a:t>orc     spark.read.orc(filename)  df.write.orc(file)</a:t>
             </a:r>
           </a:p>
           <a:p>
@@ -7919,21 +7856,7 @@
                 <a:latin typeface="Courier New" panose="02070309020205020404" pitchFamily="49" charset="0"/>
                 <a:cs typeface="Courier New" panose="02070309020205020404" pitchFamily="49" charset="0"/>
               </a:rPr>
-              <a:t>parquet spark.read.parquet(file)  </a:t>
-            </a:r>
-            <a:r>
-              <a:rPr lang="en-US" dirty="0" err="1">
-                <a:latin typeface="Courier New" panose="02070309020205020404" pitchFamily="49" charset="0"/>
-                <a:cs typeface="Courier New" panose="02070309020205020404" pitchFamily="49" charset="0"/>
-              </a:rPr>
-              <a:t>df.write.parquet</a:t>
-            </a:r>
-            <a:r>
-              <a:rPr lang="en-US" dirty="0">
-                <a:latin typeface="Courier New" panose="02070309020205020404" pitchFamily="49" charset="0"/>
-                <a:cs typeface="Courier New" panose="02070309020205020404" pitchFamily="49" charset="0"/>
-              </a:rPr>
-              <a:t>(file)</a:t>
+              <a:t>parquet spark.read.parquet(file)  df.write.parquet(file)</a:t>
             </a:r>
           </a:p>
           <a:p>
@@ -7943,35 +7866,7 @@
                 <a:latin typeface="Courier New" panose="02070309020205020404" pitchFamily="49" charset="0"/>
                 <a:cs typeface="Courier New" panose="02070309020205020404" pitchFamily="49" charset="0"/>
               </a:rPr>
-              <a:t>text    </a:t>
-            </a:r>
-            <a:r>
-              <a:rPr lang="en-US" dirty="0" err="1">
-                <a:latin typeface="Courier New" panose="02070309020205020404" pitchFamily="49" charset="0"/>
-                <a:cs typeface="Courier New" panose="02070309020205020404" pitchFamily="49" charset="0"/>
-              </a:rPr>
-              <a:t>spark.read.text</a:t>
-            </a:r>
-            <a:r>
-              <a:rPr lang="en-US" dirty="0">
-                <a:latin typeface="Courier New" panose="02070309020205020404" pitchFamily="49" charset="0"/>
-                <a:cs typeface="Courier New" panose="02070309020205020404" pitchFamily="49" charset="0"/>
-              </a:rPr>
-              <a:t>(file)     </a:t>
-            </a:r>
-            <a:r>
-              <a:rPr lang="en-US" dirty="0" err="1">
-                <a:latin typeface="Courier New" panose="02070309020205020404" pitchFamily="49" charset="0"/>
-                <a:cs typeface="Courier New" panose="02070309020205020404" pitchFamily="49" charset="0"/>
-              </a:rPr>
-              <a:t>df.write.text</a:t>
-            </a:r>
-            <a:r>
-              <a:rPr lang="en-US" dirty="0">
-                <a:latin typeface="Courier New" panose="02070309020205020404" pitchFamily="49" charset="0"/>
-                <a:cs typeface="Courier New" panose="02070309020205020404" pitchFamily="49" charset="0"/>
-              </a:rPr>
-              <a:t>(file)</a:t>
+              <a:t>text    spark.read.text(file)     df.write.text(file)</a:t>
             </a:r>
           </a:p>
           <a:p>
@@ -8110,46 +8005,11 @@
               <a:buNone/>
             </a:pPr>
             <a:r>
-              <a:rPr lang="en-US" dirty="0" err="1">
-                <a:latin typeface="Courier New" panose="02070309020205020404" pitchFamily="49" charset="0"/>
-                <a:cs typeface="Courier New" panose="02070309020205020404" pitchFamily="49" charset="0"/>
-              </a:rPr>
-              <a:t>prod.select</a:t>
-            </a:r>
-            <a:r>
-              <a:rPr lang="en-US" dirty="0">
-                <a:latin typeface="Courier New" panose="02070309020205020404" pitchFamily="49" charset="0"/>
-                <a:cs typeface="Courier New" panose="02070309020205020404" pitchFamily="49" charset="0"/>
-              </a:rPr>
-              <a:t>('productid', '</a:t>
-            </a:r>
-            <a:r>
-              <a:rPr lang="en-US" dirty="0" err="1">
-                <a:latin typeface="Courier New" panose="02070309020205020404" pitchFamily="49" charset="0"/>
-                <a:cs typeface="Courier New" panose="02070309020205020404" pitchFamily="49" charset="0"/>
-              </a:rPr>
-              <a:t>productname</a:t>
-            </a:r>
-            <a:r>
-              <a:rPr lang="en-US" dirty="0">
-                <a:latin typeface="Courier New" panose="02070309020205020404" pitchFamily="49" charset="0"/>
-                <a:cs typeface="Courier New" panose="02070309020205020404" pitchFamily="49" charset="0"/>
-              </a:rPr>
-              <a:t>', '</a:t>
-            </a:r>
-            <a:r>
-              <a:rPr lang="en-US" dirty="0" err="1">
-                <a:latin typeface="Courier New" panose="02070309020205020404" pitchFamily="49" charset="0"/>
-                <a:cs typeface="Courier New" panose="02070309020205020404" pitchFamily="49" charset="0"/>
-              </a:rPr>
-              <a:t>unitprice</a:t>
-            </a:r>
-            <a:r>
-              <a:rPr lang="en-US" dirty="0">
-                <a:latin typeface="Courier New" panose="02070309020205020404" pitchFamily="49" charset="0"/>
-                <a:cs typeface="Courier New" panose="02070309020205020404" pitchFamily="49" charset="0"/>
-              </a:rPr>
-              <a:t>')</a:t>
+              <a:rPr lang="en-US" dirty="0">
+                <a:latin typeface="Courier New" panose="02070309020205020404" pitchFamily="49" charset="0"/>
+                <a:cs typeface="Courier New" panose="02070309020205020404" pitchFamily="49" charset="0"/>
+              </a:rPr>
+              <a:t>prod.select('productid', 'productname', 'unitprice')</a:t>
             </a:r>
           </a:p>
           <a:p>
@@ -8163,46 +8023,11 @@
               </a:rPr>
             </a:br>
             <a:r>
-              <a:rPr lang="en-US" dirty="0" err="1">
-                <a:latin typeface="Courier New" panose="02070309020205020404" pitchFamily="49" charset="0"/>
-                <a:cs typeface="Courier New" panose="02070309020205020404" pitchFamily="49" charset="0"/>
-              </a:rPr>
-              <a:t>p.select</a:t>
-            </a:r>
-            <a:r>
-              <a:rPr lang="en-US" dirty="0">
-                <a:latin typeface="Courier New" panose="02070309020205020404" pitchFamily="49" charset="0"/>
-                <a:cs typeface="Courier New" panose="02070309020205020404" pitchFamily="49" charset="0"/>
-              </a:rPr>
-              <a:t>(</a:t>
-            </a:r>
-            <a:r>
-              <a:rPr lang="en-US" dirty="0" err="1">
-                <a:latin typeface="Courier New" panose="02070309020205020404" pitchFamily="49" charset="0"/>
-                <a:cs typeface="Courier New" panose="02070309020205020404" pitchFamily="49" charset="0"/>
-              </a:rPr>
-              <a:t>p.productid</a:t>
-            </a:r>
-            <a:r>
-              <a:rPr lang="en-US" dirty="0">
-                <a:latin typeface="Courier New" panose="02070309020205020404" pitchFamily="49" charset="0"/>
-                <a:cs typeface="Courier New" panose="02070309020205020404" pitchFamily="49" charset="0"/>
-              </a:rPr>
-              <a:t>, </a:t>
-            </a:r>
-            <a:r>
-              <a:rPr lang="en-US" dirty="0" err="1">
-                <a:latin typeface="Courier New" panose="02070309020205020404" pitchFamily="49" charset="0"/>
-                <a:cs typeface="Courier New" panose="02070309020205020404" pitchFamily="49" charset="0"/>
-              </a:rPr>
-              <a:t>p.productname</a:t>
-            </a:r>
-            <a:r>
-              <a:rPr lang="en-US" dirty="0">
-                <a:latin typeface="Courier New" panose="02070309020205020404" pitchFamily="49" charset="0"/>
-                <a:cs typeface="Courier New" panose="02070309020205020404" pitchFamily="49" charset="0"/>
-              </a:rPr>
-              <a:t>).distinct()</a:t>
+              <a:rPr lang="en-US" dirty="0">
+                <a:latin typeface="Courier New" panose="02070309020205020404" pitchFamily="49" charset="0"/>
+                <a:cs typeface="Courier New" panose="02070309020205020404" pitchFamily="49" charset="0"/>
+              </a:rPr>
+              <a:t>p.select(p.productid, p.productname).distinct()</a:t>
             </a:r>
           </a:p>
           <a:p>
@@ -8216,32 +8041,11 @@
               </a:rPr>
             </a:br>
             <a:r>
-              <a:rPr lang="en-US" dirty="0" err="1">
-                <a:latin typeface="Courier New" panose="02070309020205020404" pitchFamily="49" charset="0"/>
-                <a:cs typeface="Courier New" panose="02070309020205020404" pitchFamily="49" charset="0"/>
-              </a:rPr>
-              <a:t>p.select</a:t>
-            </a:r>
-            <a:r>
-              <a:rPr lang="en-US" dirty="0">
-                <a:latin typeface="Courier New" panose="02070309020205020404" pitchFamily="49" charset="0"/>
-                <a:cs typeface="Courier New" panose="02070309020205020404" pitchFamily="49" charset="0"/>
-              </a:rPr>
-              <a:t>(</a:t>
-            </a:r>
-            <a:r>
-              <a:rPr lang="en-US" dirty="0" err="1">
-                <a:latin typeface="Courier New" panose="02070309020205020404" pitchFamily="49" charset="0"/>
-                <a:cs typeface="Courier New" panose="02070309020205020404" pitchFamily="49" charset="0"/>
-              </a:rPr>
-              <a:t>p.categoryid</a:t>
-            </a:r>
-            <a:r>
-              <a:rPr lang="en-US" dirty="0">
-                <a:latin typeface="Courier New" panose="02070309020205020404" pitchFamily="49" charset="0"/>
-                <a:cs typeface="Courier New" panose="02070309020205020404" pitchFamily="49" charset="0"/>
-              </a:rPr>
-              <a:t>).distinct()</a:t>
+              <a:rPr lang="en-US" dirty="0">
+                <a:latin typeface="Courier New" panose="02070309020205020404" pitchFamily="49" charset="0"/>
+                <a:cs typeface="Courier New" panose="02070309020205020404" pitchFamily="49" charset="0"/>
+              </a:rPr>
+              <a:t>p.select(p.categoryid).distinct()</a:t>
             </a:r>
             <a:br>
               <a:rPr lang="en-US" dirty="0">
@@ -8256,32 +8060,11 @@
               </a:rPr>
             </a:br>
             <a:r>
-              <a:rPr lang="en-US" dirty="0" err="1">
-                <a:latin typeface="Courier New" panose="02070309020205020404" pitchFamily="49" charset="0"/>
-                <a:cs typeface="Courier New" panose="02070309020205020404" pitchFamily="49" charset="0"/>
-              </a:rPr>
-              <a:t>prod.sort</a:t>
-            </a:r>
-            <a:r>
-              <a:rPr lang="en-US" dirty="0">
-                <a:latin typeface="Courier New" panose="02070309020205020404" pitchFamily="49" charset="0"/>
-                <a:cs typeface="Courier New" panose="02070309020205020404" pitchFamily="49" charset="0"/>
-              </a:rPr>
-              <a:t>(</a:t>
-            </a:r>
-            <a:r>
-              <a:rPr lang="en-US" dirty="0" err="1">
-                <a:latin typeface="Courier New" panose="02070309020205020404" pitchFamily="49" charset="0"/>
-                <a:cs typeface="Courier New" panose="02070309020205020404" pitchFamily="49" charset="0"/>
-              </a:rPr>
-              <a:t>prod.unitprice</a:t>
-            </a:r>
-            <a:r>
-              <a:rPr lang="en-US" dirty="0">
-                <a:latin typeface="Courier New" panose="02070309020205020404" pitchFamily="49" charset="0"/>
-                <a:cs typeface="Courier New" panose="02070309020205020404" pitchFamily="49" charset="0"/>
-              </a:rPr>
-              <a:t>)</a:t>
+              <a:rPr lang="en-US" dirty="0">
+                <a:latin typeface="Courier New" panose="02070309020205020404" pitchFamily="49" charset="0"/>
+                <a:cs typeface="Courier New" panose="02070309020205020404" pitchFamily="49" charset="0"/>
+              </a:rPr>
+              <a:t>prod.sort(prod.unitprice)</a:t>
             </a:r>
             <a:br>
               <a:rPr lang="en-US" dirty="0">
@@ -8299,32 +8082,11 @@
               <a:buNone/>
             </a:pPr>
             <a:r>
-              <a:rPr lang="en-US" dirty="0" err="1">
-                <a:latin typeface="Courier New" panose="02070309020205020404" pitchFamily="49" charset="0"/>
-                <a:cs typeface="Courier New" panose="02070309020205020404" pitchFamily="49" charset="0"/>
-              </a:rPr>
-              <a:t>prod.orderBy</a:t>
-            </a:r>
-            <a:r>
-              <a:rPr lang="en-US" dirty="0">
-                <a:latin typeface="Courier New" panose="02070309020205020404" pitchFamily="49" charset="0"/>
-                <a:cs typeface="Courier New" panose="02070309020205020404" pitchFamily="49" charset="0"/>
-              </a:rPr>
-              <a:t>('</a:t>
-            </a:r>
-            <a:r>
-              <a:rPr lang="en-US" dirty="0" err="1">
-                <a:latin typeface="Courier New" panose="02070309020205020404" pitchFamily="49" charset="0"/>
-                <a:cs typeface="Courier New" panose="02070309020205020404" pitchFamily="49" charset="0"/>
-              </a:rPr>
-              <a:t>unitprice</a:t>
-            </a:r>
-            <a:r>
-              <a:rPr lang="en-US" dirty="0">
-                <a:latin typeface="Courier New" panose="02070309020205020404" pitchFamily="49" charset="0"/>
-                <a:cs typeface="Courier New" panose="02070309020205020404" pitchFamily="49" charset="0"/>
-              </a:rPr>
-              <a:t>', ascending = False)</a:t>
+              <a:rPr lang="en-US" dirty="0">
+                <a:latin typeface="Courier New" panose="02070309020205020404" pitchFamily="49" charset="0"/>
+                <a:cs typeface="Courier New" panose="02070309020205020404" pitchFamily="49" charset="0"/>
+              </a:rPr>
+              <a:t>prod.orderBy('unitprice', ascending = False)</a:t>
             </a:r>
           </a:p>
           <a:p>
@@ -8341,46 +8103,11 @@
               <a:buNone/>
             </a:pPr>
             <a:r>
-              <a:rPr lang="en-US" dirty="0" err="1">
-                <a:latin typeface="Courier New" panose="02070309020205020404" pitchFamily="49" charset="0"/>
-                <a:cs typeface="Courier New" panose="02070309020205020404" pitchFamily="49" charset="0"/>
-              </a:rPr>
-              <a:t>p.select</a:t>
-            </a:r>
-            <a:r>
-              <a:rPr lang="en-US" dirty="0">
-                <a:latin typeface="Courier New" panose="02070309020205020404" pitchFamily="49" charset="0"/>
-                <a:cs typeface="Courier New" panose="02070309020205020404" pitchFamily="49" charset="0"/>
-              </a:rPr>
-              <a:t>('productid', '</a:t>
-            </a:r>
-            <a:r>
-              <a:rPr lang="en-US" dirty="0" err="1">
-                <a:latin typeface="Courier New" panose="02070309020205020404" pitchFamily="49" charset="0"/>
-                <a:cs typeface="Courier New" panose="02070309020205020404" pitchFamily="49" charset="0"/>
-              </a:rPr>
-              <a:t>productname</a:t>
-            </a:r>
-            <a:r>
-              <a:rPr lang="en-US" dirty="0">
-                <a:latin typeface="Courier New" panose="02070309020205020404" pitchFamily="49" charset="0"/>
-                <a:cs typeface="Courier New" panose="02070309020205020404" pitchFamily="49" charset="0"/>
-              </a:rPr>
-              <a:t>', '</a:t>
-            </a:r>
-            <a:r>
-              <a:rPr lang="en-US" dirty="0" err="1">
-                <a:latin typeface="Courier New" panose="02070309020205020404" pitchFamily="49" charset="0"/>
-                <a:cs typeface="Courier New" panose="02070309020205020404" pitchFamily="49" charset="0"/>
-              </a:rPr>
-              <a:t>unitprice</a:t>
-            </a:r>
-            <a:r>
-              <a:rPr lang="en-US" dirty="0">
-                <a:latin typeface="Courier New" panose="02070309020205020404" pitchFamily="49" charset="0"/>
-                <a:cs typeface="Courier New" panose="02070309020205020404" pitchFamily="49" charset="0"/>
-              </a:rPr>
-              <a:t>') \</a:t>
+              <a:rPr lang="en-US" dirty="0">
+                <a:latin typeface="Courier New" panose="02070309020205020404" pitchFamily="49" charset="0"/>
+                <a:cs typeface="Courier New" panose="02070309020205020404" pitchFamily="49" charset="0"/>
+              </a:rPr>
+              <a:t>p.select('productid', 'productname', 'unitprice') \</a:t>
             </a:r>
             <a:br>
               <a:rPr lang="en-US" dirty="0">
@@ -8393,35 +8120,7 @@
                 <a:latin typeface="Courier New" panose="02070309020205020404" pitchFamily="49" charset="0"/>
                 <a:cs typeface="Courier New" panose="02070309020205020404" pitchFamily="49" charset="0"/>
               </a:rPr>
-              <a:t>    .</a:t>
-            </a:r>
-            <a:r>
-              <a:rPr lang="en-US" dirty="0" err="1">
-                <a:latin typeface="Courier New" panose="02070309020205020404" pitchFamily="49" charset="0"/>
-                <a:cs typeface="Courier New" panose="02070309020205020404" pitchFamily="49" charset="0"/>
-              </a:rPr>
-              <a:t>orderBy</a:t>
-            </a:r>
-            <a:r>
-              <a:rPr lang="en-US" dirty="0">
-                <a:latin typeface="Courier New" panose="02070309020205020404" pitchFamily="49" charset="0"/>
-                <a:cs typeface="Courier New" panose="02070309020205020404" pitchFamily="49" charset="0"/>
-              </a:rPr>
-              <a:t>('</a:t>
-            </a:r>
-            <a:r>
-              <a:rPr lang="en-US" dirty="0" err="1">
-                <a:latin typeface="Courier New" panose="02070309020205020404" pitchFamily="49" charset="0"/>
-                <a:cs typeface="Courier New" panose="02070309020205020404" pitchFamily="49" charset="0"/>
-              </a:rPr>
-              <a:t>unitprice</a:t>
-            </a:r>
-            <a:r>
-              <a:rPr lang="en-US" dirty="0">
-                <a:latin typeface="Courier New" panose="02070309020205020404" pitchFamily="49" charset="0"/>
-                <a:cs typeface="Courier New" panose="02070309020205020404" pitchFamily="49" charset="0"/>
-              </a:rPr>
-              <a:t>')</a:t>
+              <a:t>    .orderBy('unitprice')</a:t>
             </a:r>
             <a:br>
               <a:rPr lang="en-US" dirty="0">
@@ -8547,32 +8246,11 @@
               <a:rPr lang="en-US" dirty="0"/>
             </a:br>
             <a:r>
-              <a:rPr lang="en-US" dirty="0" err="1">
-                <a:latin typeface="Courier New" panose="02070309020205020404" pitchFamily="49" charset="0"/>
-                <a:cs typeface="Courier New" panose="02070309020205020404" pitchFamily="49" charset="0"/>
-              </a:rPr>
-              <a:t>p.sort</a:t>
-            </a:r>
-            <a:r>
-              <a:rPr lang="en-US" dirty="0">
-                <a:latin typeface="Courier New" panose="02070309020205020404" pitchFamily="49" charset="0"/>
-                <a:cs typeface="Courier New" panose="02070309020205020404" pitchFamily="49" charset="0"/>
-              </a:rPr>
-              <a:t>(</a:t>
-            </a:r>
-            <a:r>
-              <a:rPr lang="en-US" dirty="0" err="1">
-                <a:latin typeface="Courier New" panose="02070309020205020404" pitchFamily="49" charset="0"/>
-                <a:cs typeface="Courier New" panose="02070309020205020404" pitchFamily="49" charset="0"/>
-              </a:rPr>
-              <a:t>p.categoryid</a:t>
-            </a:r>
-            <a:r>
-              <a:rPr lang="en-US" dirty="0">
-                <a:latin typeface="Courier New" panose="02070309020205020404" pitchFamily="49" charset="0"/>
-                <a:cs typeface="Courier New" panose="02070309020205020404" pitchFamily="49" charset="0"/>
-              </a:rPr>
-              <a:t>)</a:t>
+              <a:rPr lang="en-US" dirty="0">
+                <a:latin typeface="Courier New" panose="02070309020205020404" pitchFamily="49" charset="0"/>
+                <a:cs typeface="Courier New" panose="02070309020205020404" pitchFamily="49" charset="0"/>
+              </a:rPr>
+              <a:t>p.sort(p.categoryid)</a:t>
             </a:r>
             <a:endParaRPr lang="en-US" dirty="0"/>
           </a:p>
@@ -8596,32 +8274,11 @@
               <a:rPr lang="en-US" dirty="0"/>
             </a:br>
             <a:r>
-              <a:rPr lang="en-US" dirty="0" err="1">
-                <a:latin typeface="Courier New" panose="02070309020205020404" pitchFamily="49" charset="0"/>
-                <a:cs typeface="Courier New" panose="02070309020205020404" pitchFamily="49" charset="0"/>
-              </a:rPr>
-              <a:t>p.sort</a:t>
-            </a:r>
-            <a:r>
-              <a:rPr lang="en-US" dirty="0">
-                <a:latin typeface="Courier New" panose="02070309020205020404" pitchFamily="49" charset="0"/>
-                <a:cs typeface="Courier New" panose="02070309020205020404" pitchFamily="49" charset="0"/>
-              </a:rPr>
-              <a:t>(</a:t>
-            </a:r>
-            <a:r>
-              <a:rPr lang="en-US" dirty="0" err="1">
-                <a:latin typeface="Courier New" panose="02070309020205020404" pitchFamily="49" charset="0"/>
-                <a:cs typeface="Courier New" panose="02070309020205020404" pitchFamily="49" charset="0"/>
-              </a:rPr>
-              <a:t>p.unitprice</a:t>
-            </a:r>
-            <a:r>
-              <a:rPr lang="en-US" dirty="0">
-                <a:latin typeface="Courier New" panose="02070309020205020404" pitchFamily="49" charset="0"/>
-                <a:cs typeface="Courier New" panose="02070309020205020404" pitchFamily="49" charset="0"/>
-              </a:rPr>
-              <a:t>, ascending = False)</a:t>
+              <a:rPr lang="en-US" dirty="0">
+                <a:latin typeface="Courier New" panose="02070309020205020404" pitchFamily="49" charset="0"/>
+                <a:cs typeface="Courier New" panose="02070309020205020404" pitchFamily="49" charset="0"/>
+              </a:rPr>
+              <a:t>p.sort(p.unitprice, ascending = False)</a:t>
             </a:r>
           </a:p>
           <a:p>
@@ -8633,32 +8290,11 @@
               <a:rPr lang="en-US" dirty="0"/>
             </a:br>
             <a:r>
-              <a:rPr lang="en-US" dirty="0" err="1">
-                <a:latin typeface="Courier New" panose="02070309020205020404" pitchFamily="49" charset="0"/>
-                <a:cs typeface="Courier New" panose="02070309020205020404" pitchFamily="49" charset="0"/>
-              </a:rPr>
-              <a:t>p.orderBy</a:t>
-            </a:r>
-            <a:r>
-              <a:rPr lang="en-US" dirty="0">
-                <a:latin typeface="Courier New" panose="02070309020205020404" pitchFamily="49" charset="0"/>
-                <a:cs typeface="Courier New" panose="02070309020205020404" pitchFamily="49" charset="0"/>
-              </a:rPr>
-              <a:t>('</a:t>
-            </a:r>
-            <a:r>
-              <a:rPr lang="en-US" dirty="0" err="1">
-                <a:latin typeface="Courier New" panose="02070309020205020404" pitchFamily="49" charset="0"/>
-                <a:cs typeface="Courier New" panose="02070309020205020404" pitchFamily="49" charset="0"/>
-              </a:rPr>
-              <a:t>categoryid</a:t>
-            </a:r>
-            <a:r>
-              <a:rPr lang="en-US" dirty="0">
-                <a:latin typeface="Courier New" panose="02070309020205020404" pitchFamily="49" charset="0"/>
-                <a:cs typeface="Courier New" panose="02070309020205020404" pitchFamily="49" charset="0"/>
-              </a:rPr>
-              <a:t>', 'productid')</a:t>
+              <a:rPr lang="en-US" dirty="0">
+                <a:latin typeface="Courier New" panose="02070309020205020404" pitchFamily="49" charset="0"/>
+                <a:cs typeface="Courier New" panose="02070309020205020404" pitchFamily="49" charset="0"/>
+              </a:rPr>
+              <a:t>p.orderBy('categoryid', 'productid')</a:t>
             </a:r>
           </a:p>
           <a:p>
@@ -8769,49 +8405,7 @@
                 <a:latin typeface="Courier New" panose="02070309020205020404" pitchFamily="49" charset="0"/>
                 <a:cs typeface="Courier New" panose="02070309020205020404" pitchFamily="49" charset="0"/>
               </a:rPr>
-              <a:t>prod2 = </a:t>
-            </a:r>
-            <a:r>
-              <a:rPr lang="en-US" dirty="0" err="1">
-                <a:latin typeface="Courier New" panose="02070309020205020404" pitchFamily="49" charset="0"/>
-                <a:cs typeface="Courier New" panose="02070309020205020404" pitchFamily="49" charset="0"/>
-              </a:rPr>
-              <a:t>prod.withColumn</a:t>
-            </a:r>
-            <a:r>
-              <a:rPr lang="en-US" dirty="0">
-                <a:latin typeface="Courier New" panose="02070309020205020404" pitchFamily="49" charset="0"/>
-                <a:cs typeface="Courier New" panose="02070309020205020404" pitchFamily="49" charset="0"/>
-              </a:rPr>
-              <a:t>('value', </a:t>
-            </a:r>
-            <a:r>
-              <a:rPr lang="en-US" dirty="0" err="1">
-                <a:latin typeface="Courier New" panose="02070309020205020404" pitchFamily="49" charset="0"/>
-                <a:cs typeface="Courier New" panose="02070309020205020404" pitchFamily="49" charset="0"/>
-              </a:rPr>
-              <a:t>prod.unitprice</a:t>
-            </a:r>
-            <a:r>
-              <a:rPr lang="en-US" dirty="0">
-                <a:latin typeface="Courier New" panose="02070309020205020404" pitchFamily="49" charset="0"/>
-                <a:cs typeface="Courier New" panose="02070309020205020404" pitchFamily="49" charset="0"/>
-              </a:rPr>
-              <a:t> * </a:t>
-            </a:r>
-            <a:r>
-              <a:rPr lang="en-US" dirty="0" err="1">
-                <a:latin typeface="Courier New" panose="02070309020205020404" pitchFamily="49" charset="0"/>
-                <a:cs typeface="Courier New" panose="02070309020205020404" pitchFamily="49" charset="0"/>
-              </a:rPr>
-              <a:t>prod.unitsinstock</a:t>
-            </a:r>
-            <a:r>
-              <a:rPr lang="en-US" dirty="0">
-                <a:latin typeface="Courier New" panose="02070309020205020404" pitchFamily="49" charset="0"/>
-                <a:cs typeface="Courier New" panose="02070309020205020404" pitchFamily="49" charset="0"/>
-              </a:rPr>
-              <a:t>)</a:t>
+              <a:t>prod2 = prod.withColumn('value', prod.unitprice * prod.unitsinstock)</a:t>
             </a:r>
             <a:br>
               <a:rPr lang="en-US" dirty="0">
@@ -8848,21 +8442,7 @@
                 <a:latin typeface="Courier New" panose="02070309020205020404" pitchFamily="49" charset="0"/>
                 <a:cs typeface="Courier New" panose="02070309020205020404" pitchFamily="49" charset="0"/>
               </a:rPr>
-              <a:t>prod2 = prod2.drop('</a:t>
-            </a:r>
-            <a:r>
-              <a:rPr lang="en-US" dirty="0" err="1">
-                <a:latin typeface="Courier New" panose="02070309020205020404" pitchFamily="49" charset="0"/>
-                <a:cs typeface="Courier New" panose="02070309020205020404" pitchFamily="49" charset="0"/>
-              </a:rPr>
-              <a:t>quantityperunit</a:t>
-            </a:r>
-            <a:r>
-              <a:rPr lang="en-US" dirty="0">
-                <a:latin typeface="Courier New" panose="02070309020205020404" pitchFamily="49" charset="0"/>
-                <a:cs typeface="Courier New" panose="02070309020205020404" pitchFamily="49" charset="0"/>
-              </a:rPr>
-              <a:t>')</a:t>
+              <a:t>prod2 = prod2.drop('quantityperunit')</a:t>
             </a:r>
           </a:p>
         </p:txBody>
@@ -8974,32 +8554,11 @@
               <a:rPr lang="en-US" dirty="0"/>
             </a:br>
             <a:r>
-              <a:rPr lang="en-US" dirty="0" err="1">
-                <a:latin typeface="Courier New" panose="02070309020205020404" pitchFamily="49" charset="0"/>
-                <a:cs typeface="Courier New" panose="02070309020205020404" pitchFamily="49" charset="0"/>
-              </a:rPr>
-              <a:t>p.filter</a:t>
-            </a:r>
-            <a:r>
-              <a:rPr lang="en-US" dirty="0">
-                <a:latin typeface="Courier New" panose="02070309020205020404" pitchFamily="49" charset="0"/>
-                <a:cs typeface="Courier New" panose="02070309020205020404" pitchFamily="49" charset="0"/>
-              </a:rPr>
-              <a:t>(</a:t>
-            </a:r>
-            <a:r>
-              <a:rPr lang="en-US" dirty="0" err="1">
-                <a:latin typeface="Courier New" panose="02070309020205020404" pitchFamily="49" charset="0"/>
-                <a:cs typeface="Courier New" panose="02070309020205020404" pitchFamily="49" charset="0"/>
-              </a:rPr>
-              <a:t>p.unitprice</a:t>
-            </a:r>
-            <a:r>
-              <a:rPr lang="en-US" dirty="0">
-                <a:latin typeface="Courier New" panose="02070309020205020404" pitchFamily="49" charset="0"/>
-                <a:cs typeface="Courier New" panose="02070309020205020404" pitchFamily="49" charset="0"/>
-              </a:rPr>
-              <a:t> &gt; 100)</a:t>
+              <a:rPr lang="en-US" dirty="0">
+                <a:latin typeface="Courier New" panose="02070309020205020404" pitchFamily="49" charset="0"/>
+                <a:cs typeface="Courier New" panose="02070309020205020404" pitchFamily="49" charset="0"/>
+              </a:rPr>
+              <a:t>p.filter(p.unitprice &gt; 100)</a:t>
             </a:r>
             <a:br>
               <a:rPr lang="en-US" dirty="0">
@@ -9014,32 +8573,11 @@
               </a:rPr>
             </a:br>
             <a:r>
-              <a:rPr lang="en-US" dirty="0" err="1">
-                <a:latin typeface="Courier New" panose="02070309020205020404" pitchFamily="49" charset="0"/>
-                <a:cs typeface="Courier New" panose="02070309020205020404" pitchFamily="49" charset="0"/>
-              </a:rPr>
-              <a:t>p.filter</a:t>
-            </a:r>
-            <a:r>
-              <a:rPr lang="en-US" dirty="0">
-                <a:latin typeface="Courier New" panose="02070309020205020404" pitchFamily="49" charset="0"/>
-                <a:cs typeface="Courier New" panose="02070309020205020404" pitchFamily="49" charset="0"/>
-              </a:rPr>
-              <a:t>('</a:t>
-            </a:r>
-            <a:r>
-              <a:rPr lang="en-US" dirty="0" err="1">
-                <a:latin typeface="Courier New" panose="02070309020205020404" pitchFamily="49" charset="0"/>
-                <a:cs typeface="Courier New" panose="02070309020205020404" pitchFamily="49" charset="0"/>
-              </a:rPr>
-              <a:t>unitprice</a:t>
-            </a:r>
-            <a:r>
-              <a:rPr lang="en-US" dirty="0">
-                <a:latin typeface="Courier New" panose="02070309020205020404" pitchFamily="49" charset="0"/>
-                <a:cs typeface="Courier New" panose="02070309020205020404" pitchFamily="49" charset="0"/>
-              </a:rPr>
-              <a:t> &gt; 100')</a:t>
+              <a:rPr lang="en-US" dirty="0">
+                <a:latin typeface="Courier New" panose="02070309020205020404" pitchFamily="49" charset="0"/>
+                <a:cs typeface="Courier New" panose="02070309020205020404" pitchFamily="49" charset="0"/>
+              </a:rPr>
+              <a:t>p.filter('unitprice &gt; 100')</a:t>
             </a:r>
             <a:br>
               <a:rPr lang="en-US" dirty="0">
@@ -9054,32 +8592,11 @@
               </a:rPr>
             </a:br>
             <a:r>
-              <a:rPr lang="en-US" dirty="0" err="1">
-                <a:latin typeface="Courier New" panose="02070309020205020404" pitchFamily="49" charset="0"/>
-                <a:cs typeface="Courier New" panose="02070309020205020404" pitchFamily="49" charset="0"/>
-              </a:rPr>
-              <a:t>p.where</a:t>
-            </a:r>
-            <a:r>
-              <a:rPr lang="en-US" dirty="0">
-                <a:latin typeface="Courier New" panose="02070309020205020404" pitchFamily="49" charset="0"/>
-                <a:cs typeface="Courier New" panose="02070309020205020404" pitchFamily="49" charset="0"/>
-              </a:rPr>
-              <a:t>(</a:t>
-            </a:r>
-            <a:r>
-              <a:rPr lang="en-US" dirty="0" err="1">
-                <a:latin typeface="Courier New" panose="02070309020205020404" pitchFamily="49" charset="0"/>
-                <a:cs typeface="Courier New" panose="02070309020205020404" pitchFamily="49" charset="0"/>
-              </a:rPr>
-              <a:t>p.categoryid</a:t>
-            </a:r>
-            <a:r>
-              <a:rPr lang="en-US" dirty="0">
-                <a:latin typeface="Courier New" panose="02070309020205020404" pitchFamily="49" charset="0"/>
-                <a:cs typeface="Courier New" panose="02070309020205020404" pitchFamily="49" charset="0"/>
-              </a:rPr>
-              <a:t> == 2)</a:t>
+              <a:rPr lang="en-US" dirty="0">
+                <a:latin typeface="Courier New" panose="02070309020205020404" pitchFamily="49" charset="0"/>
+                <a:cs typeface="Courier New" panose="02070309020205020404" pitchFamily="49" charset="0"/>
+              </a:rPr>
+              <a:t>p.where(p.categoryid == 2)</a:t>
             </a:r>
             <a:br>
               <a:rPr lang="en-US" dirty="0">
@@ -9094,32 +8611,11 @@
               </a:rPr>
             </a:br>
             <a:r>
-              <a:rPr lang="en-US" dirty="0" err="1">
-                <a:latin typeface="Courier New" panose="02070309020205020404" pitchFamily="49" charset="0"/>
-                <a:cs typeface="Courier New" panose="02070309020205020404" pitchFamily="49" charset="0"/>
-              </a:rPr>
-              <a:t>p.where</a:t>
-            </a:r>
-            <a:r>
-              <a:rPr lang="en-US" dirty="0">
-                <a:latin typeface="Courier New" panose="02070309020205020404" pitchFamily="49" charset="0"/>
-                <a:cs typeface="Courier New" panose="02070309020205020404" pitchFamily="49" charset="0"/>
-              </a:rPr>
-              <a:t>('</a:t>
-            </a:r>
-            <a:r>
-              <a:rPr lang="en-US" dirty="0" err="1">
-                <a:latin typeface="Courier New" panose="02070309020205020404" pitchFamily="49" charset="0"/>
-                <a:cs typeface="Courier New" panose="02070309020205020404" pitchFamily="49" charset="0"/>
-              </a:rPr>
-              <a:t>categoryid</a:t>
-            </a:r>
-            <a:r>
-              <a:rPr lang="en-US" dirty="0">
-                <a:latin typeface="Courier New" panose="02070309020205020404" pitchFamily="49" charset="0"/>
-                <a:cs typeface="Courier New" panose="02070309020205020404" pitchFamily="49" charset="0"/>
-              </a:rPr>
-              <a:t> = 2')</a:t>
+              <a:rPr lang="en-US" dirty="0">
+                <a:latin typeface="Courier New" panose="02070309020205020404" pitchFamily="49" charset="0"/>
+                <a:cs typeface="Courier New" panose="02070309020205020404" pitchFamily="49" charset="0"/>
+              </a:rPr>
+              <a:t>p.where('categoryid = 2')</a:t>
             </a:r>
             <a:br>
               <a:rPr lang="en-US" dirty="0">
@@ -9134,46 +8630,11 @@
               </a:rPr>
             </a:br>
             <a:r>
-              <a:rPr lang="en-US" dirty="0" err="1">
-                <a:latin typeface="Courier New" panose="02070309020205020404" pitchFamily="49" charset="0"/>
-                <a:cs typeface="Courier New" panose="02070309020205020404" pitchFamily="49" charset="0"/>
-              </a:rPr>
-              <a:t>p.where</a:t>
-            </a:r>
-            <a:r>
-              <a:rPr lang="en-US" dirty="0">
-                <a:latin typeface="Courier New" panose="02070309020205020404" pitchFamily="49" charset="0"/>
-                <a:cs typeface="Courier New" panose="02070309020205020404" pitchFamily="49" charset="0"/>
-              </a:rPr>
-              <a:t>('</a:t>
-            </a:r>
-            <a:r>
-              <a:rPr lang="en-US" dirty="0" err="1">
-                <a:latin typeface="Courier New" panose="02070309020205020404" pitchFamily="49" charset="0"/>
-                <a:cs typeface="Courier New" panose="02070309020205020404" pitchFamily="49" charset="0"/>
-              </a:rPr>
-              <a:t>unitprice</a:t>
-            </a:r>
-            <a:r>
-              <a:rPr lang="en-US" dirty="0">
-                <a:latin typeface="Courier New" panose="02070309020205020404" pitchFamily="49" charset="0"/>
-                <a:cs typeface="Courier New" panose="02070309020205020404" pitchFamily="49" charset="0"/>
-              </a:rPr>
-              <a:t> &gt;=50 and </a:t>
-            </a:r>
-            <a:r>
-              <a:rPr lang="en-US" dirty="0" err="1">
-                <a:latin typeface="Courier New" panose="02070309020205020404" pitchFamily="49" charset="0"/>
-                <a:cs typeface="Courier New" panose="02070309020205020404" pitchFamily="49" charset="0"/>
-              </a:rPr>
-              <a:t>unitprice</a:t>
-            </a:r>
-            <a:r>
-              <a:rPr lang="en-US" dirty="0">
-                <a:latin typeface="Courier New" panose="02070309020205020404" pitchFamily="49" charset="0"/>
-                <a:cs typeface="Courier New" panose="02070309020205020404" pitchFamily="49" charset="0"/>
-              </a:rPr>
-              <a:t> &lt;= 100'))</a:t>
+              <a:rPr lang="en-US" dirty="0">
+                <a:latin typeface="Courier New" panose="02070309020205020404" pitchFamily="49" charset="0"/>
+                <a:cs typeface="Courier New" panose="02070309020205020404" pitchFamily="49" charset="0"/>
+              </a:rPr>
+              <a:t>p.where('unitprice &gt;=50 and unitprice &lt;= 100'))</a:t>
             </a:r>
             <a:br>
               <a:rPr lang="en-US" dirty="0">
@@ -9188,32 +8649,11 @@
               </a:rPr>
             </a:br>
             <a:r>
-              <a:rPr lang="en-US" dirty="0" err="1">
-                <a:latin typeface="Courier New" panose="02070309020205020404" pitchFamily="49" charset="0"/>
-                <a:cs typeface="Courier New" panose="02070309020205020404" pitchFamily="49" charset="0"/>
-              </a:rPr>
-              <a:t>p.where</a:t>
-            </a:r>
-            <a:r>
-              <a:rPr lang="en-US" dirty="0">
-                <a:latin typeface="Courier New" panose="02070309020205020404" pitchFamily="49" charset="0"/>
-                <a:cs typeface="Courier New" panose="02070309020205020404" pitchFamily="49" charset="0"/>
-              </a:rPr>
-              <a:t>('</a:t>
-            </a:r>
-            <a:r>
-              <a:rPr lang="en-US" dirty="0" err="1">
-                <a:latin typeface="Courier New" panose="02070309020205020404" pitchFamily="49" charset="0"/>
-                <a:cs typeface="Courier New" panose="02070309020205020404" pitchFamily="49" charset="0"/>
-              </a:rPr>
-              <a:t>unitprice</a:t>
-            </a:r>
-            <a:r>
-              <a:rPr lang="en-US" dirty="0">
-                <a:latin typeface="Courier New" panose="02070309020205020404" pitchFamily="49" charset="0"/>
-                <a:cs typeface="Courier New" panose="02070309020205020404" pitchFamily="49" charset="0"/>
-              </a:rPr>
-              <a:t> between 50 and 100')</a:t>
+              <a:rPr lang="en-US" dirty="0">
+                <a:latin typeface="Courier New" panose="02070309020205020404" pitchFamily="49" charset="0"/>
+                <a:cs typeface="Courier New" panose="02070309020205020404" pitchFamily="49" charset="0"/>
+              </a:rPr>
+              <a:t>p.where('unitprice between 50 and 100')</a:t>
             </a:r>
             <a:br>
               <a:rPr lang="en-US" dirty="0">
@@ -9228,46 +8668,11 @@
               </a:rPr>
             </a:br>
             <a:r>
-              <a:rPr lang="en-US" dirty="0" err="1">
-                <a:latin typeface="Courier New" panose="02070309020205020404" pitchFamily="49" charset="0"/>
-                <a:cs typeface="Courier New" panose="02070309020205020404" pitchFamily="49" charset="0"/>
-              </a:rPr>
-              <a:t>p.where</a:t>
-            </a:r>
-            <a:r>
-              <a:rPr lang="en-US" dirty="0">
-                <a:latin typeface="Courier New" panose="02070309020205020404" pitchFamily="49" charset="0"/>
-                <a:cs typeface="Courier New" panose="02070309020205020404" pitchFamily="49" charset="0"/>
-              </a:rPr>
-              <a:t>((</a:t>
-            </a:r>
-            <a:r>
-              <a:rPr lang="en-US" dirty="0" err="1">
-                <a:latin typeface="Courier New" panose="02070309020205020404" pitchFamily="49" charset="0"/>
-                <a:cs typeface="Courier New" panose="02070309020205020404" pitchFamily="49" charset="0"/>
-              </a:rPr>
-              <a:t>p.unitprice</a:t>
-            </a:r>
-            <a:r>
-              <a:rPr lang="en-US" dirty="0">
-                <a:latin typeface="Courier New" panose="02070309020205020404" pitchFamily="49" charset="0"/>
-                <a:cs typeface="Courier New" panose="02070309020205020404" pitchFamily="49" charset="0"/>
-              </a:rPr>
-              <a:t> &gt;=50) &amp; (</a:t>
-            </a:r>
-            <a:r>
-              <a:rPr lang="en-US" dirty="0" err="1">
-                <a:latin typeface="Courier New" panose="02070309020205020404" pitchFamily="49" charset="0"/>
-                <a:cs typeface="Courier New" panose="02070309020205020404" pitchFamily="49" charset="0"/>
-              </a:rPr>
-              <a:t>p.unitprice</a:t>
-            </a:r>
-            <a:r>
-              <a:rPr lang="en-US" dirty="0">
-                <a:latin typeface="Courier New" panose="02070309020205020404" pitchFamily="49" charset="0"/>
-                <a:cs typeface="Courier New" panose="02070309020205020404" pitchFamily="49" charset="0"/>
-              </a:rPr>
-              <a:t> &lt;= 100))</a:t>
+              <a:rPr lang="en-US" dirty="0">
+                <a:latin typeface="Courier New" panose="02070309020205020404" pitchFamily="49" charset="0"/>
+                <a:cs typeface="Courier New" panose="02070309020205020404" pitchFamily="49" charset="0"/>
+              </a:rPr>
+              <a:t>p.where((p.unitprice &gt;=50) &amp; (p.unitprice &lt;= 100))</a:t>
             </a:r>
           </a:p>
           <a:p>
@@ -10384,7 +9789,7 @@
           <a:p>
             <a:r>
               <a:rPr lang="en-US" dirty="0"/>
-              <a:t>Once we have the spark context, we can start using DataFrames</a:t>
+              <a:t>Once we have the Spark context, we can start using DataFrames</a:t>
             </a:r>
             <a:br>
               <a:rPr lang="en-US" dirty="0"/>
@@ -11032,21 +10437,7 @@
                 <a:latin typeface="Courier New" panose="02070309020205020404" pitchFamily="49" charset="0"/>
                 <a:cs typeface="Courier New" panose="02070309020205020404" pitchFamily="49" charset="0"/>
               </a:rPr>
-              <a:t>schema = </a:t>
-            </a:r>
-            <a:r>
-              <a:rPr lang="en-US" dirty="0" err="1">
-                <a:latin typeface="Courier New" panose="02070309020205020404" pitchFamily="49" charset="0"/>
-                <a:cs typeface="Courier New" panose="02070309020205020404" pitchFamily="49" charset="0"/>
-              </a:rPr>
-              <a:t>StructType</a:t>
-            </a:r>
-            <a:r>
-              <a:rPr lang="en-US" dirty="0">
-                <a:latin typeface="Courier New" panose="02070309020205020404" pitchFamily="49" charset="0"/>
-                <a:cs typeface="Courier New" panose="02070309020205020404" pitchFamily="49" charset="0"/>
-              </a:rPr>
-              <a:t>([</a:t>
+              <a:t>schema = StructType([</a:t>
             </a:r>
             <a:br>
               <a:rPr lang="en-US" dirty="0">
@@ -11059,35 +10450,7 @@
                 <a:latin typeface="Courier New" panose="02070309020205020404" pitchFamily="49" charset="0"/>
                 <a:cs typeface="Courier New" panose="02070309020205020404" pitchFamily="49" charset="0"/>
               </a:rPr>
-              <a:t>    </a:t>
-            </a:r>
-            <a:r>
-              <a:rPr lang="en-US" dirty="0" err="1">
-                <a:latin typeface="Courier New" panose="02070309020205020404" pitchFamily="49" charset="0"/>
-                <a:cs typeface="Courier New" panose="02070309020205020404" pitchFamily="49" charset="0"/>
-              </a:rPr>
-              <a:t>StructField</a:t>
-            </a:r>
-            <a:r>
-              <a:rPr lang="en-US" dirty="0">
-                <a:latin typeface="Courier New" panose="02070309020205020404" pitchFamily="49" charset="0"/>
-                <a:cs typeface="Courier New" panose="02070309020205020404" pitchFamily="49" charset="0"/>
-              </a:rPr>
-              <a:t>('ID', </a:t>
-            </a:r>
-            <a:r>
-              <a:rPr lang="en-US" dirty="0" err="1">
-                <a:latin typeface="Courier New" panose="02070309020205020404" pitchFamily="49" charset="0"/>
-                <a:cs typeface="Courier New" panose="02070309020205020404" pitchFamily="49" charset="0"/>
-              </a:rPr>
-              <a:t>IntegerType</a:t>
-            </a:r>
-            <a:r>
-              <a:rPr lang="en-US" dirty="0">
-                <a:latin typeface="Courier New" panose="02070309020205020404" pitchFamily="49" charset="0"/>
-                <a:cs typeface="Courier New" panose="02070309020205020404" pitchFamily="49" charset="0"/>
-              </a:rPr>
-              <a:t>()),</a:t>
+              <a:t>    StructField('ID', IntegerType()),</a:t>
             </a:r>
             <a:br>
               <a:rPr lang="en-US" dirty="0">
@@ -11100,35 +10463,7 @@
                 <a:latin typeface="Courier New" panose="02070309020205020404" pitchFamily="49" charset="0"/>
                 <a:cs typeface="Courier New" panose="02070309020205020404" pitchFamily="49" charset="0"/>
               </a:rPr>
-              <a:t>    </a:t>
-            </a:r>
-            <a:r>
-              <a:rPr lang="en-US" dirty="0" err="1">
-                <a:latin typeface="Courier New" panose="02070309020205020404" pitchFamily="49" charset="0"/>
-                <a:cs typeface="Courier New" panose="02070309020205020404" pitchFamily="49" charset="0"/>
-              </a:rPr>
-              <a:t>StructField</a:t>
-            </a:r>
-            <a:r>
-              <a:rPr lang="en-US" dirty="0">
-                <a:latin typeface="Courier New" panose="02070309020205020404" pitchFamily="49" charset="0"/>
-                <a:cs typeface="Courier New" panose="02070309020205020404" pitchFamily="49" charset="0"/>
-              </a:rPr>
-              <a:t>('Name', </a:t>
-            </a:r>
-            <a:r>
-              <a:rPr lang="en-US" dirty="0" err="1">
-                <a:latin typeface="Courier New" panose="02070309020205020404" pitchFamily="49" charset="0"/>
-                <a:cs typeface="Courier New" panose="02070309020205020404" pitchFamily="49" charset="0"/>
-              </a:rPr>
-              <a:t>StringType</a:t>
-            </a:r>
-            <a:r>
-              <a:rPr lang="en-US" dirty="0">
-                <a:latin typeface="Courier New" panose="02070309020205020404" pitchFamily="49" charset="0"/>
-                <a:cs typeface="Courier New" panose="02070309020205020404" pitchFamily="49" charset="0"/>
-              </a:rPr>
-              <a:t>())</a:t>
+              <a:t>    StructField('Name', StringType())</a:t>
             </a:r>
             <a:br>
               <a:rPr lang="en-US" dirty="0">
@@ -11154,21 +10489,7 @@
                 <a:latin typeface="Courier New" panose="02070309020205020404" pitchFamily="49" charset="0"/>
                 <a:cs typeface="Courier New" panose="02070309020205020404" pitchFamily="49" charset="0"/>
               </a:rPr>
-              <a:t>x3 = </a:t>
-            </a:r>
-            <a:r>
-              <a:rPr lang="en-US" dirty="0" err="1">
-                <a:latin typeface="Courier New" panose="02070309020205020404" pitchFamily="49" charset="0"/>
-                <a:cs typeface="Courier New" panose="02070309020205020404" pitchFamily="49" charset="0"/>
-              </a:rPr>
-              <a:t>spark.createDataFrame</a:t>
-            </a:r>
-            <a:r>
-              <a:rPr lang="en-US" dirty="0">
-                <a:latin typeface="Courier New" panose="02070309020205020404" pitchFamily="49" charset="0"/>
-                <a:cs typeface="Courier New" panose="02070309020205020404" pitchFamily="49" charset="0"/>
-              </a:rPr>
-              <a:t>(x, schema = schema)</a:t>
+              <a:t>x3 = spark.createDataFrame(x, schema = schema)</a:t>
             </a:r>
             <a:br>
               <a:rPr lang="en-US" dirty="0">
@@ -11376,39 +10697,32 @@
           <a:p>
             <a:r>
               <a:rPr lang="en-US" dirty="0"/>
-              <a:t>Alternatively, RDD's have a </a:t>
-            </a:r>
-            <a:r>
-              <a:rPr lang="en-US" dirty="0" err="1">
-                <a:latin typeface="Courier New" panose="02070309020205020404" pitchFamily="49" charset="0"/>
-                <a:cs typeface="Courier New" panose="02070309020205020404" pitchFamily="49" charset="0"/>
-              </a:rPr>
-              <a:t>toDF</a:t>
-            </a:r>
-            <a:r>
-              <a:rPr lang="en-US" dirty="0">
-                <a:latin typeface="Courier New" panose="02070309020205020404" pitchFamily="49" charset="0"/>
-                <a:cs typeface="Courier New" panose="02070309020205020404" pitchFamily="49" charset="0"/>
-              </a:rPr>
-              <a:t>() </a:t>
+              <a:t>Alternatively, RDD’s have a </a:t>
+            </a:r>
+            <a:r>
+              <a:rPr lang="en-US" dirty="0">
+                <a:latin typeface="Courier New" panose="02070309020205020404" pitchFamily="49" charset="0"/>
+                <a:cs typeface="Courier New" panose="02070309020205020404" pitchFamily="49" charset="0"/>
+              </a:rPr>
+              <a:t>toDF()</a:t>
+            </a:r>
+            <a:r>
+              <a:rPr lang="en-US" dirty="0">
+                <a:latin typeface="+mn-lt"/>
+                <a:cs typeface="Courier New" panose="02070309020205020404" pitchFamily="49" charset="0"/>
+              </a:rPr>
+              <a:t> </a:t>
             </a:r>
             <a:r>
               <a:rPr lang="en-US" dirty="0"/>
               <a:t>method which works the same as </a:t>
             </a:r>
             <a:r>
-              <a:rPr lang="en-US" dirty="0" err="1">
-                <a:latin typeface="Courier New" panose="02070309020205020404" pitchFamily="49" charset="0"/>
-                <a:cs typeface="Courier New" panose="02070309020205020404" pitchFamily="49" charset="0"/>
-              </a:rPr>
-              <a:t>spark.createDataFrame</a:t>
-            </a:r>
-            <a:r>
-              <a:rPr lang="en-US" dirty="0">
-                <a:latin typeface="Courier New" panose="02070309020205020404" pitchFamily="49" charset="0"/>
-                <a:cs typeface="Courier New" panose="02070309020205020404" pitchFamily="49" charset="0"/>
-              </a:rPr>
-              <a:t>()</a:t>
+              <a:rPr lang="en-US" dirty="0">
+                <a:latin typeface="Courier New" panose="02070309020205020404" pitchFamily="49" charset="0"/>
+                <a:cs typeface="Courier New" panose="02070309020205020404" pitchFamily="49" charset="0"/>
+              </a:rPr>
+              <a:t>spark.createDataFrame()</a:t>
             </a:r>
             <a:br>
               <a:rPr lang="en-US" dirty="0"/>
@@ -11417,18 +10731,11 @@
               <a:rPr lang="en-US" dirty="0"/>
             </a:br>
             <a:r>
-              <a:rPr lang="en-US" dirty="0" err="1">
-                <a:latin typeface="Courier New" panose="02070309020205020404" pitchFamily="49" charset="0"/>
-                <a:cs typeface="Courier New" panose="02070309020205020404" pitchFamily="49" charset="0"/>
-              </a:rPr>
-              <a:t>x.toDF</a:t>
-            </a:r>
-            <a:r>
-              <a:rPr lang="en-US" dirty="0">
-                <a:latin typeface="Courier New" panose="02070309020205020404" pitchFamily="49" charset="0"/>
-                <a:cs typeface="Courier New" panose="02070309020205020404" pitchFamily="49" charset="0"/>
-              </a:rPr>
-              <a:t>()</a:t>
+              <a:rPr lang="en-US" dirty="0">
+                <a:latin typeface="Courier New" panose="02070309020205020404" pitchFamily="49" charset="0"/>
+                <a:cs typeface="Courier New" panose="02070309020205020404" pitchFamily="49" charset="0"/>
+              </a:rPr>
+              <a:t>x.toDF()</a:t>
             </a:r>
             <a:br>
               <a:rPr lang="en-US" dirty="0">
@@ -11443,18 +10750,11 @@
               </a:rPr>
             </a:br>
             <a:r>
-              <a:rPr lang="en-US" dirty="0" err="1">
-                <a:latin typeface="Courier New" panose="02070309020205020404" pitchFamily="49" charset="0"/>
-                <a:cs typeface="Courier New" panose="02070309020205020404" pitchFamily="49" charset="0"/>
-              </a:rPr>
-              <a:t>x.toDF</a:t>
-            </a:r>
-            <a:r>
-              <a:rPr lang="en-US" dirty="0">
-                <a:latin typeface="Courier New" panose="02070309020205020404" pitchFamily="49" charset="0"/>
-                <a:cs typeface="Courier New" panose="02070309020205020404" pitchFamily="49" charset="0"/>
-              </a:rPr>
-              <a:t>(['ID', 'Name'])</a:t>
+              <a:rPr lang="en-US" dirty="0">
+                <a:latin typeface="Courier New" panose="02070309020205020404" pitchFamily="49" charset="0"/>
+                <a:cs typeface="Courier New" panose="02070309020205020404" pitchFamily="49" charset="0"/>
+              </a:rPr>
+              <a:t>x.toDF(['ID', 'Name'])</a:t>
             </a:r>
             <a:br>
               <a:rPr lang="en-US" dirty="0">
@@ -11469,46 +10769,11 @@
               </a:rPr>
             </a:br>
             <a:r>
-              <a:rPr lang="en-US" dirty="0" err="1">
-                <a:latin typeface="Courier New" panose="02070309020205020404" pitchFamily="49" charset="0"/>
-                <a:cs typeface="Courier New" panose="02070309020205020404" pitchFamily="49" charset="0"/>
-              </a:rPr>
-              <a:t>x.toDF</a:t>
-            </a:r>
-            <a:r>
-              <a:rPr lang="en-US" dirty="0">
-                <a:latin typeface="Courier New" panose="02070309020205020404" pitchFamily="49" charset="0"/>
-                <a:cs typeface="Courier New" panose="02070309020205020404" pitchFamily="49" charset="0"/>
-              </a:rPr>
-              <a:t>('</a:t>
-            </a:r>
-            <a:r>
-              <a:rPr lang="en-US" dirty="0" err="1">
-                <a:latin typeface="Courier New" panose="02070309020205020404" pitchFamily="49" charset="0"/>
-                <a:cs typeface="Courier New" panose="02070309020205020404" pitchFamily="49" charset="0"/>
-              </a:rPr>
-              <a:t>ID:int</a:t>
-            </a:r>
-            <a:r>
-              <a:rPr lang="en-US" dirty="0">
-                <a:latin typeface="Courier New" panose="02070309020205020404" pitchFamily="49" charset="0"/>
-                <a:cs typeface="Courier New" panose="02070309020205020404" pitchFamily="49" charset="0"/>
-              </a:rPr>
-              <a:t>, </a:t>
-            </a:r>
-            <a:r>
-              <a:rPr lang="en-US" dirty="0" err="1">
-                <a:latin typeface="Courier New" panose="02070309020205020404" pitchFamily="49" charset="0"/>
-                <a:cs typeface="Courier New" panose="02070309020205020404" pitchFamily="49" charset="0"/>
-              </a:rPr>
-              <a:t>Name:string</a:t>
-            </a:r>
-            <a:r>
-              <a:rPr lang="en-US" dirty="0">
-                <a:latin typeface="Courier New" panose="02070309020205020404" pitchFamily="49" charset="0"/>
-                <a:cs typeface="Courier New" panose="02070309020205020404" pitchFamily="49" charset="0"/>
-              </a:rPr>
-              <a:t>')</a:t>
+              <a:rPr lang="en-US" dirty="0">
+                <a:latin typeface="Courier New" panose="02070309020205020404" pitchFamily="49" charset="0"/>
+                <a:cs typeface="Courier New" panose="02070309020205020404" pitchFamily="49" charset="0"/>
+              </a:rPr>
+              <a:t>x.toDF('ID:int, Name:string')</a:t>
             </a:r>
             <a:br>
               <a:rPr lang="en-US" dirty="0">
@@ -11523,18 +10788,11 @@
               </a:rPr>
             </a:br>
             <a:r>
-              <a:rPr lang="en-US" dirty="0" err="1">
-                <a:latin typeface="Courier New" panose="02070309020205020404" pitchFamily="49" charset="0"/>
-                <a:cs typeface="Courier New" panose="02070309020205020404" pitchFamily="49" charset="0"/>
-              </a:rPr>
-              <a:t>x.toDF</a:t>
-            </a:r>
-            <a:r>
-              <a:rPr lang="en-US" dirty="0">
-                <a:latin typeface="Courier New" panose="02070309020205020404" pitchFamily="49" charset="0"/>
-                <a:cs typeface="Courier New" panose="02070309020205020404" pitchFamily="49" charset="0"/>
-              </a:rPr>
-              <a:t>(schema = schema1)</a:t>
+              <a:rPr lang="en-US" dirty="0">
+                <a:latin typeface="Courier New" panose="02070309020205020404" pitchFamily="49" charset="0"/>
+                <a:cs typeface="Courier New" panose="02070309020205020404" pitchFamily="49" charset="0"/>
+              </a:rPr>
+              <a:t>x.toDF(schema = schema1)</a:t>
             </a:r>
           </a:p>
           <a:p>
@@ -11561,18 +10819,11 @@
           <a:lstStyle/>
           <a:p>
             <a:r>
-              <a:rPr lang="en-US" dirty="0" err="1">
-                <a:latin typeface="Courier New" panose="02070309020205020404" pitchFamily="49" charset="0"/>
-                <a:cs typeface="Courier New" panose="02070309020205020404" pitchFamily="49" charset="0"/>
-              </a:rPr>
-              <a:t>toDF</a:t>
-            </a:r>
-            <a:r>
-              <a:rPr lang="en-US" dirty="0">
-                <a:latin typeface="Courier New" panose="02070309020205020404" pitchFamily="49" charset="0"/>
-                <a:cs typeface="Courier New" panose="02070309020205020404" pitchFamily="49" charset="0"/>
-              </a:rPr>
-              <a:t>()</a:t>
+              <a:rPr lang="en-US" dirty="0">
+                <a:latin typeface="Courier New" panose="02070309020205020404" pitchFamily="49" charset="0"/>
+                <a:cs typeface="Courier New" panose="02070309020205020404" pitchFamily="49" charset="0"/>
+              </a:rPr>
+              <a:t>toDF()</a:t>
             </a:r>
             <a:r>
               <a:rPr lang="en-US" dirty="0"/>
@@ -12959,15 +12210,6 @@
 
 <file path=customXml/item1.xml><?xml version="1.0" encoding="utf-8"?>
 <?mso-contentType ?>
-<FormTemplates xmlns="http://schemas.microsoft.com/sharepoint/v3/contenttype/forms">
-  <Display>DocumentLibraryForm</Display>
-  <Edit>DocumentLibraryForm</Edit>
-  <New>DocumentLibraryForm</New>
-</FormTemplates>
-</file>
-
-<file path=customXml/item2.xml><?xml version="1.0" encoding="utf-8"?>
-<?mso-contentType ?>
 <spe:Receivers xmlns:spe="http://schemas.microsoft.com/sharepoint/events">
   <Receiver>
     <Name>Document ID Generator</Name>
@@ -13012,7 +12254,7 @@
 </spe:Receivers>
 </file>
 
-<file path=customXml/item3.xml><?xml version="1.0" encoding="utf-8"?>
+<file path=customXml/item2.xml><?xml version="1.0" encoding="utf-8"?>
 <ct:contentTypeSchema xmlns:ct="http://schemas.microsoft.com/office/2006/metadata/contentType" xmlns:ma="http://schemas.microsoft.com/office/2006/metadata/properties/metaAttributes" ct:_="" ma:_="" ma:contentTypeName="Document" ma:contentTypeID="0x0101006B08A054FD435346B287BB258D6D8C2A" ma:contentTypeVersion="2" ma:contentTypeDescription="Create a new document." ma:contentTypeScope="" ma:versionID="6146b90b4382322d8952632f355192b7">
   <xsd:schema xmlns:xsd="http://www.w3.org/2001/XMLSchema" xmlns:xs="http://www.w3.org/2001/XMLSchema" xmlns:p="http://schemas.microsoft.com/office/2006/metadata/properties" xmlns:ns2="027ed24f-5970-4294-be5c-0919c5aaa214" xmlns:ns3="037063e9-a85e-4c78-8627-f1a9315663e5" targetNamespace="http://schemas.microsoft.com/office/2006/metadata/properties" ma:root="true" ma:fieldsID="b5d91f802dafd2e22aeea528efbe2d3e" ns2:_="" ns3:_="">
     <xsd:import namespace="027ed24f-5970-4294-be5c-0919c5aaa214"/>
@@ -13178,7 +12420,7 @@
 </ct:contentTypeSchema>
 </file>
 
-<file path=customXml/item4.xml><?xml version="1.0" encoding="utf-8"?>
+<file path=customXml/item3.xml><?xml version="1.0" encoding="utf-8"?>
 <p:properties xmlns:p="http://schemas.microsoft.com/office/2006/metadata/properties" xmlns:xsi="http://www.w3.org/2001/XMLSchema-instance" xmlns:pc="http://schemas.microsoft.com/office/infopath/2007/PartnerControls">
   <documentManagement>
     <_dlc_DocId xmlns="037063e9-a85e-4c78-8627-f1a9315663e5">EVEA5JW6U4JV-6-9770</_dlc_DocId>
@@ -13192,15 +12434,16 @@
 </p:properties>
 </file>
 
-<file path=customXml/itemProps1.xml><?xml version="1.0" encoding="utf-8"?>
-<ds:datastoreItem xmlns:ds="http://schemas.openxmlformats.org/officeDocument/2006/customXml" ds:itemID="{2DA015F3-603C-4688-A5F3-81D587DAB8C9}">
-  <ds:schemaRefs>
-    <ds:schemaRef ds:uri="http://schemas.microsoft.com/sharepoint/v3/contenttype/forms"/>
-  </ds:schemaRefs>
-</ds:datastoreItem>
+<file path=customXml/item4.xml><?xml version="1.0" encoding="utf-8"?>
+<?mso-contentType ?>
+<FormTemplates xmlns="http://schemas.microsoft.com/sharepoint/v3/contenttype/forms">
+  <Display>DocumentLibraryForm</Display>
+  <Edit>DocumentLibraryForm</Edit>
+  <New>DocumentLibraryForm</New>
+</FormTemplates>
 </file>
 
-<file path=customXml/itemProps2.xml><?xml version="1.0" encoding="utf-8"?>
+<file path=customXml/itemProps1.xml><?xml version="1.0" encoding="utf-8"?>
 <ds:datastoreItem xmlns:ds="http://schemas.openxmlformats.org/officeDocument/2006/customXml" ds:itemID="{B9043294-8302-4947-B882-02D6486F929C}">
   <ds:schemaRefs>
     <ds:schemaRef ds:uri="http://schemas.microsoft.com/sharepoint/events"/>
@@ -13208,7 +12451,7 @@
 </ds:datastoreItem>
 </file>
 
-<file path=customXml/itemProps3.xml><?xml version="1.0" encoding="utf-8"?>
+<file path=customXml/itemProps2.xml><?xml version="1.0" encoding="utf-8"?>
 <ds:datastoreItem xmlns:ds="http://schemas.openxmlformats.org/officeDocument/2006/customXml" ds:itemID="{B8E0886B-5092-4138-9EEE-28D3BFD5A483}">
   <ds:schemaRefs>
     <ds:schemaRef ds:uri="http://schemas.microsoft.com/office/2006/metadata/contentType"/>
@@ -13227,19 +12470,27 @@
 </ds:datastoreItem>
 </file>
 
-<file path=customXml/itemProps4.xml><?xml version="1.0" encoding="utf-8"?>
+<file path=customXml/itemProps3.xml><?xml version="1.0" encoding="utf-8"?>
 <ds:datastoreItem xmlns:ds="http://schemas.openxmlformats.org/officeDocument/2006/customXml" ds:itemID="{F47B9207-CE5C-49AD-B414-15CBFA246D65}">
   <ds:schemaRefs>
+    <ds:schemaRef ds:uri="http://purl.org/dc/elements/1.1/"/>
+    <ds:schemaRef ds:uri="http://schemas.microsoft.com/office/2006/metadata/properties"/>
     <ds:schemaRef ds:uri="http://purl.org/dc/terms/"/>
     <ds:schemaRef ds:uri="037063e9-a85e-4c78-8627-f1a9315663e5"/>
     <ds:schemaRef ds:uri="http://schemas.microsoft.com/office/2006/documentManagement/types"/>
     <ds:schemaRef ds:uri="http://schemas.microsoft.com/office/infopath/2007/PartnerControls"/>
-    <ds:schemaRef ds:uri="http://purl.org/dc/elements/1.1/"/>
-    <ds:schemaRef ds:uri="http://schemas.microsoft.com/office/2006/metadata/properties"/>
     <ds:schemaRef ds:uri="http://schemas.openxmlformats.org/package/2006/metadata/core-properties"/>
     <ds:schemaRef ds:uri="027ed24f-5970-4294-be5c-0919c5aaa214"/>
     <ds:schemaRef ds:uri="http://www.w3.org/XML/1998/namespace"/>
     <ds:schemaRef ds:uri="http://purl.org/dc/dcmitype/"/>
   </ds:schemaRefs>
 </ds:datastoreItem>
+</file>
+
+<file path=customXml/itemProps4.xml><?xml version="1.0" encoding="utf-8"?>
+<ds:datastoreItem xmlns:ds="http://schemas.openxmlformats.org/officeDocument/2006/customXml" ds:itemID="{2DA015F3-603C-4688-A5F3-81D587DAB8C9}">
+  <ds:schemaRefs>
+    <ds:schemaRef ds:uri="http://schemas.microsoft.com/sharepoint/v3/contenttype/forms"/>
+  </ds:schemaRefs>
+</ds:datastoreItem>
 </file>